--- a/게임개발기초과정 파이썬.pptx
+++ b/게임개발기초과정 파이썬.pptx
@@ -7,13 +7,16 @@
   <p:sldIdLst>
     <p:sldId id="256" r:id="rId2"/>
     <p:sldId id="257" r:id="rId3"/>
-    <p:sldId id="258" r:id="rId4"/>
-    <p:sldId id="259" r:id="rId5"/>
-    <p:sldId id="260" r:id="rId6"/>
-    <p:sldId id="261" r:id="rId7"/>
-    <p:sldId id="262" r:id="rId8"/>
-    <p:sldId id="263" r:id="rId9"/>
-    <p:sldId id="264" r:id="rId10"/>
+    <p:sldId id="265" r:id="rId4"/>
+    <p:sldId id="266" r:id="rId5"/>
+    <p:sldId id="267" r:id="rId6"/>
+    <p:sldId id="258" r:id="rId7"/>
+    <p:sldId id="259" r:id="rId8"/>
+    <p:sldId id="260" r:id="rId9"/>
+    <p:sldId id="261" r:id="rId10"/>
+    <p:sldId id="262" r:id="rId11"/>
+    <p:sldId id="263" r:id="rId12"/>
+    <p:sldId id="264" r:id="rId13"/>
   </p:sldIdLst>
   <p:sldSz cx="12192000" cy="6858000"/>
   <p:notesSz cx="6858000" cy="9144000"/>
@@ -112,6 +115,11 @@
       </a:defRPr>
     </a:lvl9pPr>
   </p:defaultTextStyle>
+  <p:extLst>
+    <p:ext uri="{EFAFB233-063F-42B5-8137-9DF3F51BA10A}">
+      <p15:sldGuideLst xmlns:p15="http://schemas.microsoft.com/office/powerpoint/2012/main"/>
+    </p:ext>
+  </p:extLst>
 </p:presentation>
 </file>
 
@@ -3398,6 +3406,353 @@
 </p:sld>
 </file>
 
+<file path=ppt/slides/slide10.xml><?xml version="1.0" encoding="utf-8"?>
+<p:sld xmlns:a="http://schemas.openxmlformats.org/drawingml/2006/main" xmlns:r="http://schemas.openxmlformats.org/officeDocument/2006/relationships" xmlns:p="http://schemas.openxmlformats.org/presentationml/2006/main">
+  <p:cSld>
+    <p:spTree>
+      <p:nvGrpSpPr>
+        <p:cNvPr id="1" name=""/>
+        <p:cNvGrpSpPr/>
+        <p:nvPr/>
+      </p:nvGrpSpPr>
+      <p:grpSpPr>
+        <a:xfrm>
+          <a:off x="0" y="0"/>
+          <a:ext cx="0" cy="0"/>
+          <a:chOff x="0" y="0"/>
+          <a:chExt cx="0" cy="0"/>
+        </a:xfrm>
+      </p:grpSpPr>
+      <p:sp>
+        <p:nvSpPr>
+          <p:cNvPr id="2" name="제목 1">
+            <a:extLst>
+              <a:ext uri="{FF2B5EF4-FFF2-40B4-BE49-F238E27FC236}">
+                <a16:creationId xmlns:a16="http://schemas.microsoft.com/office/drawing/2014/main" id="{5B82987C-7F10-4ECE-96E8-898A41770503}"/>
+              </a:ext>
+            </a:extLst>
+          </p:cNvPr>
+          <p:cNvSpPr>
+            <a:spLocks noGrp="1"/>
+          </p:cNvSpPr>
+          <p:nvPr>
+            <p:ph type="title"/>
+          </p:nvPr>
+        </p:nvSpPr>
+        <p:spPr/>
+        <p:txBody>
+          <a:bodyPr/>
+          <a:lstStyle/>
+          <a:p>
+            <a:r>
+              <a:rPr lang="en-US" altLang="ko-KR" dirty="0"/>
+              <a:t>GUI</a:t>
+            </a:r>
+            <a:r>
+              <a:rPr lang="ko-KR" altLang="en-US" dirty="0"/>
+              <a:t>기초</a:t>
+            </a:r>
+            <a:r>
+              <a:rPr lang="en-US" altLang="ko-KR" dirty="0"/>
+              <a:t>1</a:t>
+            </a:r>
+            <a:endParaRPr lang="ko-KR" altLang="en-US" dirty="0"/>
+          </a:p>
+        </p:txBody>
+      </p:sp>
+      <p:sp>
+        <p:nvSpPr>
+          <p:cNvPr id="3" name="텍스트 개체 틀 2">
+            <a:extLst>
+              <a:ext uri="{FF2B5EF4-FFF2-40B4-BE49-F238E27FC236}">
+                <a16:creationId xmlns:a16="http://schemas.microsoft.com/office/drawing/2014/main" id="{858429BF-343D-4DA6-89B0-78DBE6F70199}"/>
+              </a:ext>
+            </a:extLst>
+          </p:cNvPr>
+          <p:cNvSpPr>
+            <a:spLocks noGrp="1"/>
+          </p:cNvSpPr>
+          <p:nvPr>
+            <p:ph type="body" idx="1"/>
+          </p:nvPr>
+        </p:nvSpPr>
+        <p:spPr/>
+        <p:txBody>
+          <a:bodyPr/>
+          <a:lstStyle/>
+          <a:p>
+            <a:r>
+              <a:rPr lang="ko-KR" altLang="en-US" dirty="0"/>
+              <a:t>본격적인 소프트웨어를 개발하기 위해서 </a:t>
+            </a:r>
+            <a:r>
+              <a:rPr lang="en-US" altLang="ko-KR" dirty="0"/>
+              <a:t>GUI(Graphic User Interface)</a:t>
+            </a:r>
+            <a:r>
+              <a:rPr lang="ko-KR" altLang="en-US" dirty="0"/>
+              <a:t>에 대해 반드시 알고 있어야 한다</a:t>
+            </a:r>
+            <a:r>
+              <a:rPr lang="en-US" altLang="ko-KR" dirty="0"/>
+              <a:t>. </a:t>
+            </a:r>
+            <a:r>
+              <a:rPr lang="ko-KR" altLang="en-US" dirty="0"/>
+              <a:t>이번 강의에서 </a:t>
+            </a:r>
+            <a:r>
+              <a:rPr lang="en-US" altLang="ko-KR" dirty="0"/>
+              <a:t>GUI</a:t>
+            </a:r>
+            <a:r>
+              <a:rPr lang="ko-KR" altLang="en-US" dirty="0"/>
+              <a:t>나 그래픽을 사용한 프로그램을 만들면서 프로그래밍 지식을 늘려간다</a:t>
+            </a:r>
+            <a:r>
+              <a:rPr lang="en-US" altLang="ko-KR" dirty="0"/>
+              <a:t>.</a:t>
+            </a:r>
+            <a:endParaRPr lang="ko-KR" altLang="en-US" dirty="0"/>
+          </a:p>
+        </p:txBody>
+      </p:sp>
+    </p:spTree>
+    <p:extLst>
+      <p:ext uri="{BB962C8B-B14F-4D97-AF65-F5344CB8AC3E}">
+        <p14:creationId xmlns:p14="http://schemas.microsoft.com/office/powerpoint/2010/main" val="2737484897"/>
+      </p:ext>
+    </p:extLst>
+  </p:cSld>
+  <p:clrMapOvr>
+    <a:masterClrMapping/>
+  </p:clrMapOvr>
+</p:sld>
+</file>
+
+<file path=ppt/slides/slide11.xml><?xml version="1.0" encoding="utf-8"?>
+<p:sld xmlns:a="http://schemas.openxmlformats.org/drawingml/2006/main" xmlns:r="http://schemas.openxmlformats.org/officeDocument/2006/relationships" xmlns:p="http://schemas.openxmlformats.org/presentationml/2006/main">
+  <p:cSld>
+    <p:spTree>
+      <p:nvGrpSpPr>
+        <p:cNvPr id="1" name=""/>
+        <p:cNvGrpSpPr/>
+        <p:nvPr/>
+      </p:nvGrpSpPr>
+      <p:grpSpPr>
+        <a:xfrm>
+          <a:off x="0" y="0"/>
+          <a:ext cx="0" cy="0"/>
+          <a:chOff x="0" y="0"/>
+          <a:chExt cx="0" cy="0"/>
+        </a:xfrm>
+      </p:grpSpPr>
+      <p:sp>
+        <p:nvSpPr>
+          <p:cNvPr id="2" name="제목 1">
+            <a:extLst>
+              <a:ext uri="{FF2B5EF4-FFF2-40B4-BE49-F238E27FC236}">
+                <a16:creationId xmlns:a16="http://schemas.microsoft.com/office/drawing/2014/main" id="{D86BD4B2-8B17-47A2-8E69-139A20B22C11}"/>
+              </a:ext>
+            </a:extLst>
+          </p:cNvPr>
+          <p:cNvSpPr>
+            <a:spLocks noGrp="1"/>
+          </p:cNvSpPr>
+          <p:nvPr>
+            <p:ph type="title"/>
+          </p:nvPr>
+        </p:nvSpPr>
+        <p:spPr/>
+        <p:txBody>
+          <a:bodyPr/>
+          <a:lstStyle/>
+          <a:p>
+            <a:r>
+              <a:rPr lang="en-US" altLang="ko-KR" dirty="0"/>
+              <a:t>GUI</a:t>
+            </a:r>
+            <a:r>
+              <a:rPr lang="ko-KR" altLang="en-US" dirty="0"/>
+              <a:t>기초</a:t>
+            </a:r>
+            <a:r>
+              <a:rPr lang="en-US" altLang="ko-KR" dirty="0"/>
+              <a:t>2</a:t>
+            </a:r>
+            <a:endParaRPr lang="ko-KR" altLang="en-US" dirty="0"/>
+          </a:p>
+        </p:txBody>
+      </p:sp>
+      <p:sp>
+        <p:nvSpPr>
+          <p:cNvPr id="3" name="텍스트 개체 틀 2">
+            <a:extLst>
+              <a:ext uri="{FF2B5EF4-FFF2-40B4-BE49-F238E27FC236}">
+                <a16:creationId xmlns:a16="http://schemas.microsoft.com/office/drawing/2014/main" id="{182D863E-2508-4F41-8291-36C7A05B6CD8}"/>
+              </a:ext>
+            </a:extLst>
+          </p:cNvPr>
+          <p:cNvSpPr>
+            <a:spLocks noGrp="1"/>
+          </p:cNvSpPr>
+          <p:nvPr>
+            <p:ph type="body" idx="1"/>
+          </p:nvPr>
+        </p:nvSpPr>
+        <p:spPr/>
+        <p:txBody>
+          <a:bodyPr/>
+          <a:lstStyle/>
+          <a:p>
+            <a:r>
+              <a:rPr lang="ko-KR" altLang="en-US" dirty="0"/>
+              <a:t>앞에서 공부한 텍스트 입력 필드 등 </a:t>
+            </a:r>
+            <a:r>
+              <a:rPr lang="en-US" altLang="ko-KR" dirty="0"/>
+              <a:t>GUI</a:t>
+            </a:r>
+            <a:r>
+              <a:rPr lang="ko-KR" altLang="en-US" dirty="0"/>
+              <a:t> 사용 방법에 대해 설명한다</a:t>
+            </a:r>
+            <a:r>
+              <a:rPr lang="en-US" altLang="ko-KR" dirty="0"/>
+              <a:t>. GUI</a:t>
+            </a:r>
+            <a:r>
+              <a:rPr lang="ko-KR" altLang="en-US" dirty="0"/>
+              <a:t>를 통해 진단 게임을 만들면서 게임개발 기초지식을 익힌다</a:t>
+            </a:r>
+            <a:r>
+              <a:rPr lang="en-US" altLang="ko-KR" dirty="0"/>
+              <a:t>.</a:t>
+            </a:r>
+            <a:endParaRPr lang="ko-KR" altLang="en-US" dirty="0"/>
+          </a:p>
+        </p:txBody>
+      </p:sp>
+    </p:spTree>
+    <p:extLst>
+      <p:ext uri="{BB962C8B-B14F-4D97-AF65-F5344CB8AC3E}">
+        <p14:creationId xmlns:p14="http://schemas.microsoft.com/office/powerpoint/2010/main" val="925012681"/>
+      </p:ext>
+    </p:extLst>
+  </p:cSld>
+  <p:clrMapOvr>
+    <a:masterClrMapping/>
+  </p:clrMapOvr>
+</p:sld>
+</file>
+
+<file path=ppt/slides/slide12.xml><?xml version="1.0" encoding="utf-8"?>
+<p:sld xmlns:a="http://schemas.openxmlformats.org/drawingml/2006/main" xmlns:r="http://schemas.openxmlformats.org/officeDocument/2006/relationships" xmlns:p="http://schemas.openxmlformats.org/presentationml/2006/main">
+  <p:cSld>
+    <p:spTree>
+      <p:nvGrpSpPr>
+        <p:cNvPr id="1" name=""/>
+        <p:cNvGrpSpPr/>
+        <p:nvPr/>
+      </p:nvGrpSpPr>
+      <p:grpSpPr>
+        <a:xfrm>
+          <a:off x="0" y="0"/>
+          <a:ext cx="0" cy="0"/>
+          <a:chOff x="0" y="0"/>
+          <a:chExt cx="0" cy="0"/>
+        </a:xfrm>
+      </p:grpSpPr>
+      <p:sp>
+        <p:nvSpPr>
+          <p:cNvPr id="2" name="제목 1">
+            <a:extLst>
+              <a:ext uri="{FF2B5EF4-FFF2-40B4-BE49-F238E27FC236}">
+                <a16:creationId xmlns:a16="http://schemas.microsoft.com/office/drawing/2014/main" id="{FB8EC036-C414-4E37-AFD3-A8F00E17AD55}"/>
+              </a:ext>
+            </a:extLst>
+          </p:cNvPr>
+          <p:cNvSpPr>
+            <a:spLocks noGrp="1"/>
+          </p:cNvSpPr>
+          <p:nvPr>
+            <p:ph type="title"/>
+          </p:nvPr>
+        </p:nvSpPr>
+        <p:spPr/>
+        <p:txBody>
+          <a:bodyPr/>
+          <a:lstStyle/>
+          <a:p>
+            <a:r>
+              <a:rPr lang="ko-KR" altLang="en-US" dirty="0"/>
+              <a:t>기본적인 게임 개발 기술</a:t>
+            </a:r>
+          </a:p>
+        </p:txBody>
+      </p:sp>
+      <p:sp>
+        <p:nvSpPr>
+          <p:cNvPr id="3" name="텍스트 개체 틀 2">
+            <a:extLst>
+              <a:ext uri="{FF2B5EF4-FFF2-40B4-BE49-F238E27FC236}">
+                <a16:creationId xmlns:a16="http://schemas.microsoft.com/office/drawing/2014/main" id="{6DE14B70-9911-49DA-973A-10F63208916A}"/>
+              </a:ext>
+            </a:extLst>
+          </p:cNvPr>
+          <p:cNvSpPr>
+            <a:spLocks noGrp="1"/>
+          </p:cNvSpPr>
+          <p:nvPr>
+            <p:ph type="body" idx="1"/>
+          </p:nvPr>
+        </p:nvSpPr>
+        <p:spPr/>
+        <p:txBody>
+          <a:bodyPr/>
+          <a:lstStyle/>
+          <a:p>
+            <a:r>
+              <a:rPr lang="ko-KR" altLang="en-US" dirty="0"/>
+              <a:t>게임소프트웨어는 항상 키 입력을 받아 화면을 계속해서 변경하며 움직인다</a:t>
+            </a:r>
+            <a:r>
+              <a:rPr lang="en-US" altLang="ko-KR" dirty="0"/>
+              <a:t>. </a:t>
+            </a:r>
+            <a:r>
+              <a:rPr lang="ko-KR" altLang="en-US" dirty="0"/>
+              <a:t>이를 실시간 처리라고 하는데 </a:t>
+            </a:r>
+            <a:r>
+              <a:rPr lang="ko-KR" altLang="en-US" dirty="0" err="1"/>
+              <a:t>파이썬에서</a:t>
+            </a:r>
+            <a:r>
+              <a:rPr lang="ko-KR" altLang="en-US" dirty="0"/>
+              <a:t> 실시간 처리를 수행하는 방법을 학습하고 캐릭터를 움직여 미로를 탈출하는 게임을 만들어 보자</a:t>
+            </a:r>
+            <a:r>
+              <a:rPr lang="en-US" altLang="ko-KR" dirty="0"/>
+              <a:t>.</a:t>
+            </a:r>
+            <a:endParaRPr lang="ko-KR" altLang="en-US" dirty="0"/>
+          </a:p>
+        </p:txBody>
+      </p:sp>
+    </p:spTree>
+    <p:extLst>
+      <p:ext uri="{BB962C8B-B14F-4D97-AF65-F5344CB8AC3E}">
+        <p14:creationId xmlns:p14="http://schemas.microsoft.com/office/powerpoint/2010/main" val="1342480703"/>
+      </p:ext>
+    </p:extLst>
+  </p:cSld>
+  <p:clrMapOvr>
+    <a:masterClrMapping/>
+  </p:clrMapOvr>
+</p:sld>
+</file>
+
 <file path=ppt/slides/slide2.xml><?xml version="1.0" encoding="utf-8"?>
 <p:sld xmlns:a="http://schemas.openxmlformats.org/drawingml/2006/main" xmlns:r="http://schemas.openxmlformats.org/officeDocument/2006/relationships" xmlns:p="http://schemas.openxmlformats.org/presentationml/2006/main">
   <p:cSld>
@@ -3524,10 +3879,110 @@
       </p:grpSpPr>
       <p:sp>
         <p:nvSpPr>
-          <p:cNvPr id="4" name="제목 3">
-            <a:extLst>
-              <a:ext uri="{FF2B5EF4-FFF2-40B4-BE49-F238E27FC236}">
-                <a16:creationId xmlns:a16="http://schemas.microsoft.com/office/drawing/2014/main" id="{81702A56-76D2-439C-9DC6-6FF269B97556}"/>
+          <p:cNvPr id="30" name="화살표: 아래로 구부러짐 29">
+            <a:extLst>
+              <a:ext uri="{FF2B5EF4-FFF2-40B4-BE49-F238E27FC236}">
+                <a16:creationId xmlns:a16="http://schemas.microsoft.com/office/drawing/2014/main" id="{9311CEED-9511-41A2-88BD-A7A8FF9F9655}"/>
+              </a:ext>
+            </a:extLst>
+          </p:cNvPr>
+          <p:cNvSpPr/>
+          <p:nvPr/>
+        </p:nvSpPr>
+        <p:spPr>
+          <a:xfrm rot="10800000">
+            <a:off x="2296738" y="3533775"/>
+            <a:ext cx="3935506" cy="741361"/>
+          </a:xfrm>
+          <a:prstGeom prst="curvedDownArrow">
+            <a:avLst/>
+          </a:prstGeom>
+        </p:spPr>
+        <p:style>
+          <a:lnRef idx="2">
+            <a:schemeClr val="accent1">
+              <a:shade val="50000"/>
+            </a:schemeClr>
+          </a:lnRef>
+          <a:fillRef idx="1">
+            <a:schemeClr val="accent1"/>
+          </a:fillRef>
+          <a:effectRef idx="0">
+            <a:schemeClr val="accent1"/>
+          </a:effectRef>
+          <a:fontRef idx="minor">
+            <a:schemeClr val="lt1"/>
+          </a:fontRef>
+        </p:style>
+        <p:txBody>
+          <a:bodyPr rtlCol="0" anchor="ctr"/>
+          <a:lstStyle/>
+          <a:p>
+            <a:pPr algn="ctr"/>
+            <a:endParaRPr lang="ko-KR" altLang="en-US">
+              <a:solidFill>
+                <a:schemeClr val="tx1"/>
+              </a:solidFill>
+            </a:endParaRPr>
+          </a:p>
+        </p:txBody>
+      </p:sp>
+      <p:sp>
+        <p:nvSpPr>
+          <p:cNvPr id="28" name="화살표: 아래로 구부러짐 27">
+            <a:extLst>
+              <a:ext uri="{FF2B5EF4-FFF2-40B4-BE49-F238E27FC236}">
+                <a16:creationId xmlns:a16="http://schemas.microsoft.com/office/drawing/2014/main" id="{47A877AF-F223-4A6D-BE56-30738376DA61}"/>
+              </a:ext>
+            </a:extLst>
+          </p:cNvPr>
+          <p:cNvSpPr/>
+          <p:nvPr/>
+        </p:nvSpPr>
+        <p:spPr>
+          <a:xfrm>
+            <a:off x="2402541" y="1952626"/>
+            <a:ext cx="3935506" cy="741361"/>
+          </a:xfrm>
+          <a:prstGeom prst="curvedDownArrow">
+            <a:avLst/>
+          </a:prstGeom>
+        </p:spPr>
+        <p:style>
+          <a:lnRef idx="2">
+            <a:schemeClr val="accent1">
+              <a:shade val="50000"/>
+            </a:schemeClr>
+          </a:lnRef>
+          <a:fillRef idx="1">
+            <a:schemeClr val="accent1"/>
+          </a:fillRef>
+          <a:effectRef idx="0">
+            <a:schemeClr val="accent1"/>
+          </a:effectRef>
+          <a:fontRef idx="minor">
+            <a:schemeClr val="lt1"/>
+          </a:fontRef>
+        </p:style>
+        <p:txBody>
+          <a:bodyPr rtlCol="0" anchor="ctr"/>
+          <a:lstStyle/>
+          <a:p>
+            <a:pPr algn="ctr"/>
+            <a:endParaRPr lang="ko-KR" altLang="en-US">
+              <a:solidFill>
+                <a:schemeClr val="tx1"/>
+              </a:solidFill>
+            </a:endParaRPr>
+          </a:p>
+        </p:txBody>
+      </p:sp>
+      <p:sp>
+        <p:nvSpPr>
+          <p:cNvPr id="6" name="제목 5">
+            <a:extLst>
+              <a:ext uri="{FF2B5EF4-FFF2-40B4-BE49-F238E27FC236}">
+                <a16:creationId xmlns:a16="http://schemas.microsoft.com/office/drawing/2014/main" id="{D726D124-BFCA-4118-8C1F-73BDA339D3C0}"/>
               </a:ext>
             </a:extLst>
           </p:cNvPr>
@@ -3545,88 +4000,349 @@
           <a:p>
             <a:r>
               <a:rPr lang="ko-KR" altLang="en-US" dirty="0"/>
-              <a:t>파이썬 설치하기</a:t>
-            </a:r>
-          </a:p>
-        </p:txBody>
-      </p:sp>
-      <p:sp>
-        <p:nvSpPr>
-          <p:cNvPr id="5" name="텍스트 개체 틀 4">
-            <a:extLst>
-              <a:ext uri="{FF2B5EF4-FFF2-40B4-BE49-F238E27FC236}">
-                <a16:creationId xmlns:a16="http://schemas.microsoft.com/office/drawing/2014/main" id="{71A559BC-4A04-48FF-B540-81314C9E3534}"/>
-              </a:ext>
-            </a:extLst>
-          </p:cNvPr>
-          <p:cNvSpPr>
-            <a:spLocks noGrp="1"/>
-          </p:cNvSpPr>
-          <p:nvPr>
-            <p:ph type="body" idx="1"/>
-          </p:nvPr>
-        </p:nvSpPr>
-        <p:spPr/>
-        <p:txBody>
-          <a:bodyPr/>
-          <a:lstStyle/>
-          <a:p>
-            <a:r>
-              <a:rPr lang="ko-KR" altLang="en-US" dirty="0"/>
-              <a:t>이번 강의에서 파이썬 프로그래밍 언어에 대해 설명하고 여러분이 </a:t>
-            </a:r>
-            <a:r>
-              <a:rPr lang="en-US" altLang="ko-KR" dirty="0"/>
-              <a:t>PC</a:t>
-            </a:r>
-            <a:r>
-              <a:rPr lang="ko-KR" altLang="en-US" dirty="0"/>
-              <a:t>에 </a:t>
-            </a:r>
-            <a:r>
-              <a:rPr lang="ko-KR" altLang="en-US" dirty="0" err="1"/>
-              <a:t>파이썬을</a:t>
-            </a:r>
-            <a:r>
-              <a:rPr lang="ko-KR" altLang="en-US" dirty="0"/>
-              <a:t> 직접 설치한다</a:t>
-            </a:r>
-            <a:r>
-              <a:rPr lang="en-US" altLang="ko-KR" dirty="0"/>
-              <a:t>. </a:t>
-            </a:r>
-            <a:r>
-              <a:rPr lang="ko-KR" altLang="en-US" dirty="0"/>
-              <a:t>설치나 설정이 어려운 프로그래밍 언어들도 있으나 </a:t>
-            </a:r>
-            <a:r>
-              <a:rPr lang="ko-KR" altLang="en-US" dirty="0" err="1"/>
-              <a:t>파이썬은</a:t>
-            </a:r>
-            <a:r>
-              <a:rPr lang="ko-KR" altLang="en-US" dirty="0"/>
-              <a:t> 매우 쉽게 설치할 수 있다</a:t>
-            </a:r>
-            <a:r>
-              <a:rPr lang="en-US" altLang="ko-KR" dirty="0"/>
-              <a:t>. </a:t>
-            </a:r>
-            <a:r>
-              <a:rPr lang="ko-KR" altLang="en-US" dirty="0"/>
-              <a:t>그리고 바로 사용할 수 있다</a:t>
-            </a:r>
-            <a:r>
-              <a:rPr lang="en-US" altLang="ko-KR" dirty="0"/>
-              <a:t>.</a:t>
-            </a:r>
-            <a:endParaRPr lang="ko-KR" altLang="en-US" dirty="0"/>
+              <a:t>게임 산업의 구조</a:t>
+            </a:r>
+          </a:p>
+        </p:txBody>
+      </p:sp>
+      <p:pic>
+        <p:nvPicPr>
+          <p:cNvPr id="9" name="내용 개체 틀 8" descr="도시 블록">
+            <a:extLst>
+              <a:ext uri="{FF2B5EF4-FFF2-40B4-BE49-F238E27FC236}">
+                <a16:creationId xmlns:a16="http://schemas.microsoft.com/office/drawing/2014/main" id="{1D32C959-6A99-4552-BD30-20204A1F35C6}"/>
+              </a:ext>
+            </a:extLst>
+          </p:cNvPr>
+          <p:cNvPicPr>
+            <a:picLocks noGrp="1" noChangeAspect="1"/>
+          </p:cNvPicPr>
+          <p:nvPr>
+            <p:ph idx="1"/>
+          </p:nvPr>
+        </p:nvPicPr>
+        <p:blipFill>
+          <a:blip r:embed="rId2">
+            <a:extLst>
+              <a:ext uri="{28A0092B-C50C-407E-A947-70E740481C1C}">
+                <a14:useLocalDpi xmlns:a14="http://schemas.microsoft.com/office/drawing/2010/main" val="0"/>
+              </a:ext>
+              <a:ext uri="{96DAC541-7B7A-43D3-8B79-37D633B846F1}">
+                <asvg:svgBlip xmlns:asvg="http://schemas.microsoft.com/office/drawing/2016/SVG/main" r:embed="rId3"/>
+              </a:ext>
+            </a:extLst>
+          </a:blip>
+          <a:stretch>
+            <a:fillRect/>
+          </a:stretch>
+        </p:blipFill>
+        <p:spPr>
+          <a:xfrm>
+            <a:off x="643731" y="1854200"/>
+            <a:ext cx="2593975" cy="2593975"/>
+          </a:xfrm>
+        </p:spPr>
+      </p:pic>
+      <p:pic>
+        <p:nvPicPr>
+          <p:cNvPr id="11" name="그래픽 10" descr="게임 컨트롤러 단색으로 채워진">
+            <a:extLst>
+              <a:ext uri="{FF2B5EF4-FFF2-40B4-BE49-F238E27FC236}">
+                <a16:creationId xmlns:a16="http://schemas.microsoft.com/office/drawing/2014/main" id="{73B48244-14C4-474C-B3FC-94C25627D189}"/>
+              </a:ext>
+            </a:extLst>
+          </p:cNvPr>
+          <p:cNvPicPr>
+            <a:picLocks noChangeAspect="1"/>
+          </p:cNvPicPr>
+          <p:nvPr/>
+        </p:nvPicPr>
+        <p:blipFill>
+          <a:blip r:embed="rId4">
+            <a:extLst>
+              <a:ext uri="{28A0092B-C50C-407E-A947-70E740481C1C}">
+                <a14:useLocalDpi xmlns:a14="http://schemas.microsoft.com/office/drawing/2010/main" val="0"/>
+              </a:ext>
+              <a:ext uri="{96DAC541-7B7A-43D3-8B79-37D633B846F1}">
+                <asvg:svgBlip xmlns:asvg="http://schemas.microsoft.com/office/drawing/2016/SVG/main" r:embed="rId5"/>
+              </a:ext>
+            </a:extLst>
+          </a:blip>
+          <a:stretch>
+            <a:fillRect/>
+          </a:stretch>
+        </p:blipFill>
+        <p:spPr>
+          <a:xfrm>
+            <a:off x="3790950" y="1690688"/>
+            <a:ext cx="914400" cy="914400"/>
+          </a:xfrm>
+          <a:prstGeom prst="rect">
+            <a:avLst/>
+          </a:prstGeom>
+        </p:spPr>
+      </p:pic>
+      <p:pic>
+        <p:nvPicPr>
+          <p:cNvPr id="13" name="그래픽 12" descr="화폐 윤곽선">
+            <a:extLst>
+              <a:ext uri="{FF2B5EF4-FFF2-40B4-BE49-F238E27FC236}">
+                <a16:creationId xmlns:a16="http://schemas.microsoft.com/office/drawing/2014/main" id="{4F9FA805-708F-4D14-93F5-CC7F2C4B7E4F}"/>
+              </a:ext>
+            </a:extLst>
+          </p:cNvPr>
+          <p:cNvPicPr>
+            <a:picLocks noChangeAspect="1"/>
+          </p:cNvPicPr>
+          <p:nvPr/>
+        </p:nvPicPr>
+        <p:blipFill>
+          <a:blip r:embed="rId6">
+            <a:extLst>
+              <a:ext uri="{28A0092B-C50C-407E-A947-70E740481C1C}">
+                <a14:useLocalDpi xmlns:a14="http://schemas.microsoft.com/office/drawing/2010/main" val="0"/>
+              </a:ext>
+              <a:ext uri="{96DAC541-7B7A-43D3-8B79-37D633B846F1}">
+                <asvg:svgBlip xmlns:asvg="http://schemas.microsoft.com/office/drawing/2016/SVG/main" r:embed="rId7"/>
+              </a:ext>
+            </a:extLst>
+          </a:blip>
+          <a:stretch>
+            <a:fillRect/>
+          </a:stretch>
+        </p:blipFill>
+        <p:spPr>
+          <a:xfrm>
+            <a:off x="4152503" y="3533775"/>
+            <a:ext cx="914400" cy="914400"/>
+          </a:xfrm>
+          <a:prstGeom prst="rect">
+            <a:avLst/>
+          </a:prstGeom>
+        </p:spPr>
+      </p:pic>
+      <p:pic>
+        <p:nvPicPr>
+          <p:cNvPr id="15" name="그래픽 14" descr="동전 단색으로 채워진">
+            <a:extLst>
+              <a:ext uri="{FF2B5EF4-FFF2-40B4-BE49-F238E27FC236}">
+                <a16:creationId xmlns:a16="http://schemas.microsoft.com/office/drawing/2014/main" id="{BAC4CF5D-AE91-487E-B716-3E5D5267FA3A}"/>
+              </a:ext>
+            </a:extLst>
+          </p:cNvPr>
+          <p:cNvPicPr>
+            <a:picLocks noChangeAspect="1"/>
+          </p:cNvPicPr>
+          <p:nvPr/>
+        </p:nvPicPr>
+        <p:blipFill>
+          <a:blip r:embed="rId8">
+            <a:extLst>
+              <a:ext uri="{28A0092B-C50C-407E-A947-70E740481C1C}">
+                <a14:useLocalDpi xmlns:a14="http://schemas.microsoft.com/office/drawing/2010/main" val="0"/>
+              </a:ext>
+              <a:ext uri="{96DAC541-7B7A-43D3-8B79-37D633B846F1}">
+                <asvg:svgBlip xmlns:asvg="http://schemas.microsoft.com/office/drawing/2016/SVG/main" r:embed="rId9"/>
+              </a:ext>
+            </a:extLst>
+          </a:blip>
+          <a:stretch>
+            <a:fillRect/>
+          </a:stretch>
+        </p:blipFill>
+        <p:spPr>
+          <a:xfrm>
+            <a:off x="3695303" y="3795713"/>
+            <a:ext cx="914400" cy="914400"/>
+          </a:xfrm>
+          <a:prstGeom prst="rect">
+            <a:avLst/>
+          </a:prstGeom>
+        </p:spPr>
+      </p:pic>
+      <p:pic>
+        <p:nvPicPr>
+          <p:cNvPr id="17" name="그래픽 16" descr="목표 대상 그룹 윤곽선">
+            <a:extLst>
+              <a:ext uri="{FF2B5EF4-FFF2-40B4-BE49-F238E27FC236}">
+                <a16:creationId xmlns:a16="http://schemas.microsoft.com/office/drawing/2014/main" id="{E9AB0867-71A1-4114-BFC7-E117EAFCDEAC}"/>
+              </a:ext>
+            </a:extLst>
+          </p:cNvPr>
+          <p:cNvPicPr>
+            <a:picLocks noChangeAspect="1"/>
+          </p:cNvPicPr>
+          <p:nvPr/>
+        </p:nvPicPr>
+        <p:blipFill>
+          <a:blip r:embed="rId10">
+            <a:extLst>
+              <a:ext uri="{28A0092B-C50C-407E-A947-70E740481C1C}">
+                <a14:useLocalDpi xmlns:a14="http://schemas.microsoft.com/office/drawing/2010/main" val="0"/>
+              </a:ext>
+              <a:ext uri="{96DAC541-7B7A-43D3-8B79-37D633B846F1}">
+                <asvg:svgBlip xmlns:asvg="http://schemas.microsoft.com/office/drawing/2016/SVG/main" r:embed="rId11"/>
+              </a:ext>
+            </a:extLst>
+          </a:blip>
+          <a:stretch>
+            <a:fillRect/>
+          </a:stretch>
+        </p:blipFill>
+        <p:spPr>
+          <a:xfrm>
+            <a:off x="5742781" y="2693987"/>
+            <a:ext cx="914400" cy="914400"/>
+          </a:xfrm>
+          <a:prstGeom prst="rect">
+            <a:avLst/>
+          </a:prstGeom>
+        </p:spPr>
+      </p:pic>
+      <p:sp>
+        <p:nvSpPr>
+          <p:cNvPr id="31" name="TextBox 30">
+            <a:extLst>
+              <a:ext uri="{FF2B5EF4-FFF2-40B4-BE49-F238E27FC236}">
+                <a16:creationId xmlns:a16="http://schemas.microsoft.com/office/drawing/2014/main" id="{DDDCDAF3-68B9-411A-94FD-BA387ED8CCE5}"/>
+              </a:ext>
+            </a:extLst>
+          </p:cNvPr>
+          <p:cNvSpPr txBox="1"/>
+          <p:nvPr/>
+        </p:nvSpPr>
+        <p:spPr>
+          <a:xfrm>
+            <a:off x="1524000" y="3795713"/>
+            <a:ext cx="646331" cy="369332"/>
+          </a:xfrm>
+          <a:prstGeom prst="rect">
+            <a:avLst/>
+          </a:prstGeom>
+          <a:noFill/>
+        </p:spPr>
+        <p:txBody>
+          <a:bodyPr wrap="none" rtlCol="0">
+            <a:spAutoFit/>
+          </a:bodyPr>
+          <a:lstStyle/>
+          <a:p>
+            <a:r>
+              <a:rPr lang="ko-KR" altLang="en-US" dirty="0"/>
+              <a:t>기업</a:t>
+            </a:r>
+          </a:p>
+        </p:txBody>
+      </p:sp>
+      <p:sp>
+        <p:nvSpPr>
+          <p:cNvPr id="32" name="TextBox 31">
+            <a:extLst>
+              <a:ext uri="{FF2B5EF4-FFF2-40B4-BE49-F238E27FC236}">
+                <a16:creationId xmlns:a16="http://schemas.microsoft.com/office/drawing/2014/main" id="{F0014ECC-8D14-40E8-9F4A-474C3745B42E}"/>
+              </a:ext>
+            </a:extLst>
+          </p:cNvPr>
+          <p:cNvSpPr txBox="1"/>
+          <p:nvPr/>
+        </p:nvSpPr>
+        <p:spPr>
+          <a:xfrm>
+            <a:off x="4087906" y="2605088"/>
+            <a:ext cx="646331" cy="369332"/>
+          </a:xfrm>
+          <a:prstGeom prst="rect">
+            <a:avLst/>
+          </a:prstGeom>
+          <a:noFill/>
+        </p:spPr>
+        <p:txBody>
+          <a:bodyPr wrap="none" rtlCol="0">
+            <a:spAutoFit/>
+          </a:bodyPr>
+          <a:lstStyle/>
+          <a:p>
+            <a:r>
+              <a:rPr lang="ko-KR" altLang="en-US" dirty="0"/>
+              <a:t>상품</a:t>
+            </a:r>
+          </a:p>
+        </p:txBody>
+      </p:sp>
+      <p:sp>
+        <p:nvSpPr>
+          <p:cNvPr id="33" name="TextBox 32">
+            <a:extLst>
+              <a:ext uri="{FF2B5EF4-FFF2-40B4-BE49-F238E27FC236}">
+                <a16:creationId xmlns:a16="http://schemas.microsoft.com/office/drawing/2014/main" id="{76A6CFCA-BDF0-453F-9324-04CD9A687B24}"/>
+              </a:ext>
+            </a:extLst>
+          </p:cNvPr>
+          <p:cNvSpPr txBox="1"/>
+          <p:nvPr/>
+        </p:nvSpPr>
+        <p:spPr>
+          <a:xfrm>
+            <a:off x="6657181" y="3421059"/>
+            <a:ext cx="877163" cy="369332"/>
+          </a:xfrm>
+          <a:prstGeom prst="rect">
+            <a:avLst/>
+          </a:prstGeom>
+          <a:noFill/>
+        </p:spPr>
+        <p:txBody>
+          <a:bodyPr wrap="none" rtlCol="0">
+            <a:spAutoFit/>
+          </a:bodyPr>
+          <a:lstStyle/>
+          <a:p>
+            <a:r>
+              <a:rPr lang="ko-KR" altLang="en-US" dirty="0"/>
+              <a:t>소비자</a:t>
+            </a:r>
+          </a:p>
+        </p:txBody>
+      </p:sp>
+      <p:sp>
+        <p:nvSpPr>
+          <p:cNvPr id="34" name="TextBox 33">
+            <a:extLst>
+              <a:ext uri="{FF2B5EF4-FFF2-40B4-BE49-F238E27FC236}">
+                <a16:creationId xmlns:a16="http://schemas.microsoft.com/office/drawing/2014/main" id="{4C6CE39F-6518-463A-BEA0-6D9EE3D06E4F}"/>
+              </a:ext>
+            </a:extLst>
+          </p:cNvPr>
+          <p:cNvSpPr txBox="1"/>
+          <p:nvPr/>
+        </p:nvSpPr>
+        <p:spPr>
+          <a:xfrm>
+            <a:off x="4051662" y="4840941"/>
+            <a:ext cx="415498" cy="369332"/>
+          </a:xfrm>
+          <a:prstGeom prst="rect">
+            <a:avLst/>
+          </a:prstGeom>
+          <a:noFill/>
+        </p:spPr>
+        <p:txBody>
+          <a:bodyPr wrap="none" rtlCol="0">
+            <a:spAutoFit/>
+          </a:bodyPr>
+          <a:lstStyle/>
+          <a:p>
+            <a:r>
+              <a:rPr lang="ko-KR" altLang="en-US" dirty="0"/>
+              <a:t>돈</a:t>
+            </a:r>
           </a:p>
         </p:txBody>
       </p:sp>
     </p:spTree>
     <p:extLst>
       <p:ext uri="{BB962C8B-B14F-4D97-AF65-F5344CB8AC3E}">
-        <p14:creationId xmlns:p14="http://schemas.microsoft.com/office/powerpoint/2010/main" val="2039396956"/>
+        <p14:creationId xmlns:p14="http://schemas.microsoft.com/office/powerpoint/2010/main" val="342321314"/>
       </p:ext>
     </p:extLst>
   </p:cSld>
@@ -3655,10 +4371,10 @@
       </p:grpSpPr>
       <p:sp>
         <p:nvSpPr>
-          <p:cNvPr id="4" name="제목 3">
-            <a:extLst>
-              <a:ext uri="{FF2B5EF4-FFF2-40B4-BE49-F238E27FC236}">
-                <a16:creationId xmlns:a16="http://schemas.microsoft.com/office/drawing/2014/main" id="{81702A56-76D2-439C-9DC6-6FF269B97556}"/>
+          <p:cNvPr id="2" name="제목 1">
+            <a:extLst>
+              <a:ext uri="{FF2B5EF4-FFF2-40B4-BE49-F238E27FC236}">
+                <a16:creationId xmlns:a16="http://schemas.microsoft.com/office/drawing/2014/main" id="{98D27BC6-19CF-4AE3-87CC-E0B6B3CC2BBC}"/>
               </a:ext>
             </a:extLst>
           </p:cNvPr>
@@ -3676,72 +4392,426 @@
           <a:p>
             <a:r>
               <a:rPr lang="ko-KR" altLang="en-US" dirty="0"/>
-              <a:t>파이썬 시작하기</a:t>
-            </a:r>
-          </a:p>
-        </p:txBody>
-      </p:sp>
-      <p:sp>
-        <p:nvSpPr>
-          <p:cNvPr id="5" name="텍스트 개체 틀 4">
-            <a:extLst>
-              <a:ext uri="{FF2B5EF4-FFF2-40B4-BE49-F238E27FC236}">
-                <a16:creationId xmlns:a16="http://schemas.microsoft.com/office/drawing/2014/main" id="{71A559BC-4A04-48FF-B540-81314C9E3534}"/>
-              </a:ext>
-            </a:extLst>
-          </p:cNvPr>
-          <p:cNvSpPr>
-            <a:spLocks noGrp="1"/>
-          </p:cNvSpPr>
-          <p:nvPr>
-            <p:ph type="body" idx="1"/>
-          </p:nvPr>
-        </p:nvSpPr>
-        <p:spPr/>
-        <p:txBody>
-          <a:bodyPr/>
-          <a:lstStyle/>
-          <a:p>
-            <a:r>
-              <a:rPr lang="ko-KR" altLang="en-US" dirty="0"/>
-              <a:t>파이썬 프로그래밍을 시작해 본다</a:t>
+              <a:t>게임시장</a:t>
+            </a:r>
+          </a:p>
+        </p:txBody>
+      </p:sp>
+      <p:sp>
+        <p:nvSpPr>
+          <p:cNvPr id="4" name="TextBox 3">
+            <a:extLst>
+              <a:ext uri="{FF2B5EF4-FFF2-40B4-BE49-F238E27FC236}">
+                <a16:creationId xmlns:a16="http://schemas.microsoft.com/office/drawing/2014/main" id="{1ADB49AF-A454-484A-BE40-35AD6D998566}"/>
+              </a:ext>
+            </a:extLst>
+          </p:cNvPr>
+          <p:cNvSpPr txBox="1"/>
+          <p:nvPr/>
+        </p:nvSpPr>
+        <p:spPr>
+          <a:xfrm>
+            <a:off x="1335741" y="1837765"/>
+            <a:ext cx="3451586" cy="369332"/>
+          </a:xfrm>
+          <a:prstGeom prst="rect">
+            <a:avLst/>
+          </a:prstGeom>
+          <a:noFill/>
+        </p:spPr>
+        <p:txBody>
+          <a:bodyPr wrap="none" rtlCol="0">
+            <a:spAutoFit/>
+          </a:bodyPr>
+          <a:lstStyle/>
+          <a:p>
+            <a:r>
+              <a:rPr lang="ko-KR" altLang="en-US" dirty="0"/>
+              <a:t>게임업계 시장 </a:t>
             </a:r>
             <a:r>
               <a:rPr lang="en-US" altLang="ko-KR" dirty="0"/>
-              <a:t>. </a:t>
-            </a:r>
-            <a:r>
-              <a:rPr lang="ko-KR" altLang="en-US" dirty="0"/>
-              <a:t>먼저 </a:t>
+              <a:t>– </a:t>
+            </a:r>
+            <a:r>
+              <a:rPr lang="ko-KR" altLang="en-US" dirty="0"/>
+              <a:t>업소용</a:t>
             </a:r>
             <a:r>
               <a:rPr lang="en-US" altLang="ko-KR" dirty="0"/>
-              <a:t>IDLE</a:t>
-            </a:r>
-            <a:r>
-              <a:rPr lang="ko-KR" altLang="en-US" dirty="0"/>
-              <a:t>에 직접 계산식이나 명령을 입력해 컴퓨터에 간단한 처리를 해본다</a:t>
+              <a:t>, </a:t>
+            </a:r>
+            <a:r>
+              <a:rPr lang="ko-KR" altLang="en-US" dirty="0"/>
+              <a:t>가정용</a:t>
+            </a:r>
+          </a:p>
+        </p:txBody>
+      </p:sp>
+      <p:sp>
+        <p:nvSpPr>
+          <p:cNvPr id="5" name="TextBox 4">
+            <a:extLst>
+              <a:ext uri="{FF2B5EF4-FFF2-40B4-BE49-F238E27FC236}">
+                <a16:creationId xmlns:a16="http://schemas.microsoft.com/office/drawing/2014/main" id="{A74A6115-9734-46CD-8836-E6954F867602}"/>
+              </a:ext>
+            </a:extLst>
+          </p:cNvPr>
+          <p:cNvSpPr txBox="1"/>
+          <p:nvPr/>
+        </p:nvSpPr>
+        <p:spPr>
+          <a:xfrm>
+            <a:off x="926960" y="2574318"/>
+            <a:ext cx="1963999" cy="369332"/>
+          </a:xfrm>
+          <a:prstGeom prst="rect">
+            <a:avLst/>
+          </a:prstGeom>
+          <a:noFill/>
+        </p:spPr>
+        <p:txBody>
+          <a:bodyPr wrap="none" rtlCol="0">
+            <a:spAutoFit/>
+          </a:bodyPr>
+          <a:lstStyle/>
+          <a:p>
+            <a:r>
+              <a:rPr lang="ko-KR" altLang="en-US" dirty="0"/>
+              <a:t>가정용 게임 시장</a:t>
+            </a:r>
+          </a:p>
+        </p:txBody>
+      </p:sp>
+      <p:sp>
+        <p:nvSpPr>
+          <p:cNvPr id="6" name="TextBox 5">
+            <a:extLst>
+              <a:ext uri="{FF2B5EF4-FFF2-40B4-BE49-F238E27FC236}">
+                <a16:creationId xmlns:a16="http://schemas.microsoft.com/office/drawing/2014/main" id="{BE37B07A-2DBC-4954-971E-956E973E1A60}"/>
+              </a:ext>
+            </a:extLst>
+          </p:cNvPr>
+          <p:cNvSpPr txBox="1"/>
+          <p:nvPr/>
+        </p:nvSpPr>
+        <p:spPr>
+          <a:xfrm>
+            <a:off x="1246094" y="2983383"/>
+            <a:ext cx="4256293" cy="369332"/>
+          </a:xfrm>
+          <a:prstGeom prst="rect">
+            <a:avLst/>
+          </a:prstGeom>
+          <a:noFill/>
+        </p:spPr>
+        <p:txBody>
+          <a:bodyPr wrap="none" rtlCol="0">
+            <a:spAutoFit/>
+          </a:bodyPr>
+          <a:lstStyle/>
+          <a:p>
+            <a:r>
+              <a:rPr lang="ko-KR" altLang="en-US" dirty="0"/>
+              <a:t>하드웨어 </a:t>
             </a:r>
             <a:r>
               <a:rPr lang="en-US" altLang="ko-KR" dirty="0"/>
-              <a:t>. </a:t>
-            </a:r>
-            <a:r>
-              <a:rPr lang="ko-KR" altLang="en-US" dirty="0"/>
-              <a:t>기본적인 조작이 익숙해 진 이후에는 프로그램 파일을 만들어보고 그 파일에 프로그램을 입력해 본다</a:t>
+              <a:t>: </a:t>
+            </a:r>
+            <a:r>
+              <a:rPr lang="ko-KR" altLang="en-US" dirty="0"/>
+              <a:t>가정용 게임기</a:t>
             </a:r>
             <a:r>
               <a:rPr lang="en-US" altLang="ko-KR" dirty="0"/>
-              <a:t>.</a:t>
+              <a:t>, </a:t>
+            </a:r>
+            <a:r>
+              <a:rPr lang="ko-KR" altLang="en-US" dirty="0"/>
+              <a:t>스마트폰</a:t>
+            </a:r>
+            <a:r>
+              <a:rPr lang="en-US" altLang="ko-KR" dirty="0"/>
+              <a:t>, PC</a:t>
             </a:r>
             <a:endParaRPr lang="ko-KR" altLang="en-US" dirty="0"/>
+          </a:p>
+        </p:txBody>
+      </p:sp>
+      <p:sp>
+        <p:nvSpPr>
+          <p:cNvPr id="7" name="TextBox 6">
+            <a:extLst>
+              <a:ext uri="{FF2B5EF4-FFF2-40B4-BE49-F238E27FC236}">
+                <a16:creationId xmlns:a16="http://schemas.microsoft.com/office/drawing/2014/main" id="{E129B77C-BF4E-46D2-840E-7BA2A5118EF8}"/>
+              </a:ext>
+            </a:extLst>
+          </p:cNvPr>
+          <p:cNvSpPr txBox="1"/>
+          <p:nvPr/>
+        </p:nvSpPr>
+        <p:spPr>
+          <a:xfrm>
+            <a:off x="2106706" y="3675529"/>
+            <a:ext cx="3153427" cy="369332"/>
+          </a:xfrm>
+          <a:prstGeom prst="rect">
+            <a:avLst/>
+          </a:prstGeom>
+          <a:noFill/>
+        </p:spPr>
+        <p:txBody>
+          <a:bodyPr wrap="none" rtlCol="0">
+            <a:spAutoFit/>
+          </a:bodyPr>
+          <a:lstStyle/>
+          <a:p>
+            <a:r>
+              <a:rPr lang="ko-KR" altLang="en-US" dirty="0"/>
+              <a:t>가정용 게임기 </a:t>
+            </a:r>
+            <a:r>
+              <a:rPr lang="en-US" altLang="ko-KR" dirty="0"/>
+              <a:t>: </a:t>
+            </a:r>
+            <a:r>
+              <a:rPr lang="ko-KR" altLang="en-US" dirty="0"/>
+              <a:t>닌텐도</a:t>
+            </a:r>
+            <a:r>
+              <a:rPr lang="en-US" altLang="ko-KR" dirty="0"/>
+              <a:t>, </a:t>
+            </a:r>
+            <a:r>
+              <a:rPr lang="ko-KR" altLang="en-US" dirty="0"/>
+              <a:t>소니</a:t>
+            </a:r>
+          </a:p>
+        </p:txBody>
+      </p:sp>
+      <p:sp>
+        <p:nvSpPr>
+          <p:cNvPr id="8" name="TextBox 7">
+            <a:extLst>
+              <a:ext uri="{FF2B5EF4-FFF2-40B4-BE49-F238E27FC236}">
+                <a16:creationId xmlns:a16="http://schemas.microsoft.com/office/drawing/2014/main" id="{CE930414-B7A9-481B-BA01-A66B26C6E23A}"/>
+              </a:ext>
+            </a:extLst>
+          </p:cNvPr>
+          <p:cNvSpPr txBox="1"/>
+          <p:nvPr/>
+        </p:nvSpPr>
+        <p:spPr>
+          <a:xfrm>
+            <a:off x="2106706" y="4129001"/>
+            <a:ext cx="8648521" cy="369332"/>
+          </a:xfrm>
+          <a:prstGeom prst="rect">
+            <a:avLst/>
+          </a:prstGeom>
+          <a:noFill/>
+        </p:spPr>
+        <p:txBody>
+          <a:bodyPr wrap="none" rtlCol="0">
+            <a:spAutoFit/>
+          </a:bodyPr>
+          <a:lstStyle/>
+          <a:p>
+            <a:r>
+              <a:rPr lang="ko-KR" altLang="en-US" dirty="0"/>
+              <a:t>스마트폰 </a:t>
+            </a:r>
+            <a:r>
+              <a:rPr lang="en-US" altLang="ko-KR" dirty="0"/>
+              <a:t>: 2010</a:t>
+            </a:r>
+            <a:r>
+              <a:rPr lang="ko-KR" altLang="en-US" dirty="0"/>
+              <a:t>년 이후 스마트폰 게임 앱 시장이 가정용 게임기 시장을 뛰어 넘음</a:t>
+            </a:r>
+          </a:p>
+        </p:txBody>
+      </p:sp>
+      <p:sp>
+        <p:nvSpPr>
+          <p:cNvPr id="9" name="TextBox 8">
+            <a:extLst>
+              <a:ext uri="{FF2B5EF4-FFF2-40B4-BE49-F238E27FC236}">
+                <a16:creationId xmlns:a16="http://schemas.microsoft.com/office/drawing/2014/main" id="{A62B01A2-CF76-42C5-AE4E-E72B5BEAF45C}"/>
+              </a:ext>
+            </a:extLst>
+          </p:cNvPr>
+          <p:cNvSpPr txBox="1"/>
+          <p:nvPr/>
+        </p:nvSpPr>
+        <p:spPr>
+          <a:xfrm>
+            <a:off x="1246094" y="4944285"/>
+            <a:ext cx="1963999" cy="369332"/>
+          </a:xfrm>
+          <a:prstGeom prst="rect">
+            <a:avLst/>
+          </a:prstGeom>
+          <a:noFill/>
+        </p:spPr>
+        <p:txBody>
+          <a:bodyPr wrap="none" rtlCol="0">
+            <a:spAutoFit/>
+          </a:bodyPr>
+          <a:lstStyle/>
+          <a:p>
+            <a:r>
+              <a:rPr lang="ko-KR" altLang="en-US"/>
+              <a:t>가정용 게임 상품</a:t>
+            </a:r>
+          </a:p>
+        </p:txBody>
+      </p:sp>
+      <p:sp>
+        <p:nvSpPr>
+          <p:cNvPr id="10" name="TextBox 9">
+            <a:extLst>
+              <a:ext uri="{FF2B5EF4-FFF2-40B4-BE49-F238E27FC236}">
+                <a16:creationId xmlns:a16="http://schemas.microsoft.com/office/drawing/2014/main" id="{B219568F-CC8F-412D-A341-F2F58642BE80}"/>
+              </a:ext>
+            </a:extLst>
+          </p:cNvPr>
+          <p:cNvSpPr txBox="1"/>
+          <p:nvPr/>
+        </p:nvSpPr>
+        <p:spPr>
+          <a:xfrm>
+            <a:off x="2074885" y="5421696"/>
+            <a:ext cx="4286751" cy="369332"/>
+          </a:xfrm>
+          <a:prstGeom prst="rect">
+            <a:avLst/>
+          </a:prstGeom>
+          <a:noFill/>
+        </p:spPr>
+        <p:txBody>
+          <a:bodyPr wrap="none" rtlCol="0">
+            <a:spAutoFit/>
+          </a:bodyPr>
+          <a:lstStyle/>
+          <a:p>
+            <a:r>
+              <a:rPr lang="ko-KR" altLang="en-US" dirty="0"/>
+              <a:t>게임기 혹은 패키징 된 게임 소프트웨어</a:t>
+            </a:r>
+          </a:p>
+        </p:txBody>
+      </p:sp>
+      <p:sp>
+        <p:nvSpPr>
+          <p:cNvPr id="11" name="TextBox 10">
+            <a:extLst>
+              <a:ext uri="{FF2B5EF4-FFF2-40B4-BE49-F238E27FC236}">
+                <a16:creationId xmlns:a16="http://schemas.microsoft.com/office/drawing/2014/main" id="{176DDB68-F481-4685-87C8-08B4D2A05B53}"/>
+              </a:ext>
+            </a:extLst>
+          </p:cNvPr>
+          <p:cNvSpPr txBox="1"/>
+          <p:nvPr/>
+        </p:nvSpPr>
+        <p:spPr>
+          <a:xfrm>
+            <a:off x="2074885" y="5899107"/>
+            <a:ext cx="1651414" cy="369332"/>
+          </a:xfrm>
+          <a:prstGeom prst="rect">
+            <a:avLst/>
+          </a:prstGeom>
+          <a:noFill/>
+        </p:spPr>
+        <p:txBody>
+          <a:bodyPr wrap="none" rtlCol="0">
+            <a:spAutoFit/>
+          </a:bodyPr>
+          <a:lstStyle/>
+          <a:p>
+            <a:r>
+              <a:rPr lang="ko-KR" altLang="en-US" dirty="0"/>
+              <a:t>디지털 데이터</a:t>
+            </a:r>
+          </a:p>
+        </p:txBody>
+      </p:sp>
+      <p:sp>
+        <p:nvSpPr>
+          <p:cNvPr id="12" name="TextBox 11">
+            <a:extLst>
+              <a:ext uri="{FF2B5EF4-FFF2-40B4-BE49-F238E27FC236}">
+                <a16:creationId xmlns:a16="http://schemas.microsoft.com/office/drawing/2014/main" id="{CB612267-C818-46A2-A555-FF63A3AAC076}"/>
+              </a:ext>
+            </a:extLst>
+          </p:cNvPr>
+          <p:cNvSpPr txBox="1"/>
+          <p:nvPr/>
+        </p:nvSpPr>
+        <p:spPr>
+          <a:xfrm>
+            <a:off x="7064189" y="5421696"/>
+            <a:ext cx="2113079" cy="369332"/>
+          </a:xfrm>
+          <a:prstGeom prst="rect">
+            <a:avLst/>
+          </a:prstGeom>
+          <a:noFill/>
+        </p:spPr>
+        <p:txBody>
+          <a:bodyPr wrap="none" rtlCol="0">
+            <a:spAutoFit/>
+          </a:bodyPr>
+          <a:lstStyle/>
+          <a:p>
+            <a:r>
+              <a:rPr lang="ko-KR" altLang="en-US" b="1" dirty="0"/>
+              <a:t>패키징 소프트웨어</a:t>
+            </a:r>
+          </a:p>
+        </p:txBody>
+      </p:sp>
+      <p:sp>
+        <p:nvSpPr>
+          <p:cNvPr id="13" name="TextBox 12">
+            <a:extLst>
+              <a:ext uri="{FF2B5EF4-FFF2-40B4-BE49-F238E27FC236}">
+                <a16:creationId xmlns:a16="http://schemas.microsoft.com/office/drawing/2014/main" id="{3EF801EF-D29C-47A9-9FB9-B2A452C919E1}"/>
+              </a:ext>
+            </a:extLst>
+          </p:cNvPr>
+          <p:cNvSpPr txBox="1"/>
+          <p:nvPr/>
+        </p:nvSpPr>
+        <p:spPr>
+          <a:xfrm>
+            <a:off x="7064188" y="5899107"/>
+            <a:ext cx="2574744" cy="369332"/>
+          </a:xfrm>
+          <a:prstGeom prst="rect">
+            <a:avLst/>
+          </a:prstGeom>
+          <a:noFill/>
+        </p:spPr>
+        <p:txBody>
+          <a:bodyPr wrap="none" rtlCol="0">
+            <a:spAutoFit/>
+          </a:bodyPr>
+          <a:lstStyle/>
+          <a:p>
+            <a:r>
+              <a:rPr lang="ko-KR" altLang="en-US" b="1" dirty="0"/>
+              <a:t>다운로드형 소프트웨어</a:t>
+            </a:r>
           </a:p>
         </p:txBody>
       </p:sp>
     </p:spTree>
     <p:extLst>
       <p:ext uri="{BB962C8B-B14F-4D97-AF65-F5344CB8AC3E}">
-        <p14:creationId xmlns:p14="http://schemas.microsoft.com/office/powerpoint/2010/main" val="1507403729"/>
+        <p14:creationId xmlns:p14="http://schemas.microsoft.com/office/powerpoint/2010/main" val="3374850269"/>
       </p:ext>
     </p:extLst>
   </p:cSld>
@@ -3770,10 +4840,10 @@
       </p:grpSpPr>
       <p:sp>
         <p:nvSpPr>
-          <p:cNvPr id="4" name="제목 3">
-            <a:extLst>
-              <a:ext uri="{FF2B5EF4-FFF2-40B4-BE49-F238E27FC236}">
-                <a16:creationId xmlns:a16="http://schemas.microsoft.com/office/drawing/2014/main" id="{81702A56-76D2-439C-9DC6-6FF269B97556}"/>
+          <p:cNvPr id="2" name="제목 1">
+            <a:extLst>
+              <a:ext uri="{FF2B5EF4-FFF2-40B4-BE49-F238E27FC236}">
+                <a16:creationId xmlns:a16="http://schemas.microsoft.com/office/drawing/2014/main" id="{A5144ECA-A787-46AD-A3B7-C58440D40222}"/>
               </a:ext>
             </a:extLst>
           </p:cNvPr>
@@ -3791,108 +4861,409 @@
           <a:p>
             <a:r>
               <a:rPr lang="ko-KR" altLang="en-US" dirty="0"/>
-              <a:t>프로그래밍 기초</a:t>
-            </a:r>
-          </a:p>
-        </p:txBody>
-      </p:sp>
-      <p:sp>
-        <p:nvSpPr>
-          <p:cNvPr id="5" name="텍스트 개체 틀 4">
-            <a:extLst>
-              <a:ext uri="{FF2B5EF4-FFF2-40B4-BE49-F238E27FC236}">
-                <a16:creationId xmlns:a16="http://schemas.microsoft.com/office/drawing/2014/main" id="{71A559BC-4A04-48FF-B540-81314C9E3534}"/>
-              </a:ext>
-            </a:extLst>
-          </p:cNvPr>
-          <p:cNvSpPr>
-            <a:spLocks noGrp="1"/>
-          </p:cNvSpPr>
-          <p:nvPr>
-            <p:ph type="body" idx="1"/>
-          </p:nvPr>
-        </p:nvSpPr>
-        <p:spPr/>
-        <p:txBody>
-          <a:bodyPr/>
-          <a:lstStyle/>
-          <a:p>
-            <a:r>
-              <a:rPr lang="ko-KR" altLang="en-US" dirty="0"/>
-              <a:t>게임 개발에 앞서 프로그래밍 기초를 학습한다</a:t>
-            </a:r>
-            <a:r>
-              <a:rPr lang="en-US" altLang="ko-KR" dirty="0"/>
-              <a:t>. </a:t>
-            </a:r>
-            <a:r>
-              <a:rPr lang="ko-KR" altLang="en-US" dirty="0"/>
-              <a:t>여기에서는 변수</a:t>
-            </a:r>
-            <a:r>
-              <a:rPr lang="en-US" altLang="ko-KR" dirty="0"/>
-              <a:t>, </a:t>
-            </a:r>
-            <a:r>
-              <a:rPr lang="ko-KR" altLang="en-US" dirty="0"/>
-              <a:t>리스트</a:t>
-            </a:r>
-            <a:r>
-              <a:rPr lang="en-US" altLang="ko-KR" dirty="0"/>
-              <a:t>(C/C++, </a:t>
-            </a:r>
-            <a:r>
-              <a:rPr lang="ko-KR" altLang="en-US" dirty="0"/>
-              <a:t>자바에서 배열과 </a:t>
-            </a:r>
-            <a:r>
-              <a:rPr lang="ko-KR" altLang="en-US" dirty="0" err="1"/>
-              <a:t>비슷</a:t>
-            </a:r>
-            <a:r>
-              <a:rPr lang="en-US" altLang="ko-KR" dirty="0"/>
-              <a:t>), </a:t>
-            </a:r>
-            <a:r>
-              <a:rPr lang="ko-KR" altLang="en-US" dirty="0"/>
-              <a:t>조건 분기</a:t>
-            </a:r>
-            <a:r>
-              <a:rPr lang="en-US" altLang="ko-KR" dirty="0"/>
-              <a:t>, </a:t>
-            </a:r>
-            <a:r>
-              <a:rPr lang="ko-KR" altLang="en-US" dirty="0"/>
-              <a:t>반복</a:t>
-            </a:r>
-            <a:r>
-              <a:rPr lang="en-US" altLang="ko-KR" dirty="0"/>
-              <a:t>, </a:t>
-            </a:r>
-            <a:r>
-              <a:rPr lang="ko-KR" altLang="en-US" dirty="0"/>
-              <a:t>그리고 함수에 대해 공부한다</a:t>
-            </a:r>
-            <a:r>
-              <a:rPr lang="en-US" altLang="ko-KR" dirty="0"/>
-              <a:t>. </a:t>
-            </a:r>
-            <a:r>
-              <a:rPr lang="ko-KR" altLang="en-US" dirty="0"/>
-              <a:t>이번 강의에서 공부하는 내용은 게임 프로그램은 물론 모든 프로그램에서 매우 중요한 부분이므로 기초를 확실히 잡고 가자</a:t>
-            </a:r>
-            <a:r>
-              <a:rPr lang="en-US" altLang="ko-KR" dirty="0"/>
-              <a:t>.</a:t>
-            </a:r>
-            <a:endParaRPr lang="ko-KR" altLang="en-US" dirty="0"/>
-          </a:p>
-        </p:txBody>
-      </p:sp>
+              <a:t>게임 크리에이터</a:t>
+            </a:r>
+          </a:p>
+        </p:txBody>
+      </p:sp>
+      <p:graphicFrame>
+        <p:nvGraphicFramePr>
+          <p:cNvPr id="4" name="표 4">
+            <a:extLst>
+              <a:ext uri="{FF2B5EF4-FFF2-40B4-BE49-F238E27FC236}">
+                <a16:creationId xmlns:a16="http://schemas.microsoft.com/office/drawing/2014/main" id="{8357606E-FE7E-4B84-8BF0-63D2BF7FDBDF}"/>
+              </a:ext>
+            </a:extLst>
+          </p:cNvPr>
+          <p:cNvGraphicFramePr>
+            <a:graphicFrameLocks noGrp="1"/>
+          </p:cNvGraphicFramePr>
+          <p:nvPr>
+            <p:ph idx="1"/>
+            <p:extLst>
+              <p:ext uri="{D42A27DB-BD31-4B8C-83A1-F6EECF244321}">
+                <p14:modId xmlns:p14="http://schemas.microsoft.com/office/powerpoint/2010/main" val="3651512569"/>
+              </p:ext>
+            </p:extLst>
+          </p:nvPr>
+        </p:nvGraphicFramePr>
+        <p:xfrm>
+          <a:off x="838200" y="1825623"/>
+          <a:ext cx="10515600" cy="4470400"/>
+        </p:xfrm>
+        <a:graphic>
+          <a:graphicData uri="http://schemas.openxmlformats.org/drawingml/2006/table">
+            <a:tbl>
+              <a:tblPr firstRow="1" bandRow="1">
+                <a:tableStyleId>{93296810-A885-4BE3-A3E7-6D5BEEA58F35}</a:tableStyleId>
+              </a:tblPr>
+              <a:tblGrid>
+                <a:gridCol w="4065494">
+                  <a:extLst>
+                    <a:ext uri="{9D8B030D-6E8A-4147-A177-3AD203B41FA5}">
+                      <a16:colId xmlns:a16="http://schemas.microsoft.com/office/drawing/2014/main" val="795825845"/>
+                    </a:ext>
+                  </a:extLst>
+                </a:gridCol>
+                <a:gridCol w="6450106">
+                  <a:extLst>
+                    <a:ext uri="{9D8B030D-6E8A-4147-A177-3AD203B41FA5}">
+                      <a16:colId xmlns:a16="http://schemas.microsoft.com/office/drawing/2014/main" val="1396143121"/>
+                    </a:ext>
+                  </a:extLst>
+                </a:gridCol>
+              </a:tblGrid>
+              <a:tr h="558800">
+                <a:tc>
+                  <a:txBody>
+                    <a:bodyPr/>
+                    <a:lstStyle/>
+                    <a:p>
+                      <a:pPr latinLnBrk="1"/>
+                      <a:r>
+                        <a:rPr lang="ko-KR" altLang="en-US" dirty="0"/>
+                        <a:t>직종</a:t>
+                      </a:r>
+                    </a:p>
+                  </a:txBody>
+                  <a:tcPr/>
+                </a:tc>
+                <a:tc>
+                  <a:txBody>
+                    <a:bodyPr/>
+                    <a:lstStyle/>
+                    <a:p>
+                      <a:pPr latinLnBrk="1"/>
+                      <a:r>
+                        <a:rPr lang="ko-KR" altLang="en-US" dirty="0"/>
+                        <a:t>주요 업무</a:t>
+                      </a:r>
+                    </a:p>
+                  </a:txBody>
+                  <a:tcPr/>
+                </a:tc>
+                <a:extLst>
+                  <a:ext uri="{0D108BD9-81ED-4DB2-BD59-A6C34878D82A}">
+                    <a16:rowId xmlns:a16="http://schemas.microsoft.com/office/drawing/2014/main" val="2021856731"/>
+                  </a:ext>
+                </a:extLst>
+              </a:tr>
+              <a:tr h="558800">
+                <a:tc>
+                  <a:txBody>
+                    <a:bodyPr/>
+                    <a:lstStyle/>
+                    <a:p>
+                      <a:pPr latinLnBrk="1"/>
+                      <a:r>
+                        <a:rPr lang="ko-KR" altLang="en-US" dirty="0"/>
+                        <a:t>프로듀서</a:t>
+                      </a:r>
+                      <a:r>
+                        <a:rPr lang="en-US" altLang="ko-KR" dirty="0"/>
+                        <a:t>(producer)</a:t>
+                      </a:r>
+                      <a:endParaRPr lang="ko-KR" altLang="en-US" dirty="0"/>
+                    </a:p>
+                  </a:txBody>
+                  <a:tcPr/>
+                </a:tc>
+                <a:tc>
+                  <a:txBody>
+                    <a:bodyPr/>
+                    <a:lstStyle/>
+                    <a:p>
+                      <a:pPr latinLnBrk="1"/>
+                      <a:r>
+                        <a:rPr lang="ko-KR" altLang="en-US" dirty="0"/>
+                        <a:t>개발 전반 지휘</a:t>
+                      </a:r>
+                    </a:p>
+                  </a:txBody>
+                  <a:tcPr/>
+                </a:tc>
+                <a:extLst>
+                  <a:ext uri="{0D108BD9-81ED-4DB2-BD59-A6C34878D82A}">
+                    <a16:rowId xmlns:a16="http://schemas.microsoft.com/office/drawing/2014/main" val="1867537817"/>
+                  </a:ext>
+                </a:extLst>
+              </a:tr>
+              <a:tr h="558800">
+                <a:tc>
+                  <a:txBody>
+                    <a:bodyPr/>
+                    <a:lstStyle/>
+                    <a:p>
+                      <a:pPr latinLnBrk="1"/>
+                      <a:r>
+                        <a:rPr lang="ko-KR" altLang="en-US" dirty="0"/>
+                        <a:t>디렉터</a:t>
+                      </a:r>
+                      <a:r>
+                        <a:rPr lang="en-US" altLang="ko-KR" dirty="0"/>
+                        <a:t>(director)</a:t>
+                      </a:r>
+                      <a:endParaRPr lang="ko-KR" altLang="en-US" dirty="0"/>
+                    </a:p>
+                  </a:txBody>
+                  <a:tcPr/>
+                </a:tc>
+                <a:tc>
+                  <a:txBody>
+                    <a:bodyPr/>
+                    <a:lstStyle/>
+                    <a:p>
+                      <a:pPr latinLnBrk="1"/>
+                      <a:r>
+                        <a:rPr lang="ko-KR" altLang="en-US" dirty="0"/>
+                        <a:t>일정 등 개발 진척 관리</a:t>
+                      </a:r>
+                    </a:p>
+                  </a:txBody>
+                  <a:tcPr/>
+                </a:tc>
+                <a:extLst>
+                  <a:ext uri="{0D108BD9-81ED-4DB2-BD59-A6C34878D82A}">
+                    <a16:rowId xmlns:a16="http://schemas.microsoft.com/office/drawing/2014/main" val="140816375"/>
+                  </a:ext>
+                </a:extLst>
+              </a:tr>
+              <a:tr h="558800">
+                <a:tc>
+                  <a:txBody>
+                    <a:bodyPr/>
+                    <a:lstStyle/>
+                    <a:p>
+                      <a:pPr latinLnBrk="1"/>
+                      <a:r>
+                        <a:rPr lang="ko-KR" altLang="en-US" dirty="0"/>
+                        <a:t>기획자</a:t>
+                      </a:r>
+                      <a:r>
+                        <a:rPr lang="en-US" altLang="ko-KR" dirty="0"/>
+                        <a:t>(planner)</a:t>
+                      </a:r>
+                      <a:endParaRPr lang="ko-KR" altLang="en-US" dirty="0"/>
+                    </a:p>
+                  </a:txBody>
+                  <a:tcPr/>
+                </a:tc>
+                <a:tc>
+                  <a:txBody>
+                    <a:bodyPr/>
+                    <a:lstStyle/>
+                    <a:p>
+                      <a:pPr latinLnBrk="1"/>
+                      <a:r>
+                        <a:rPr lang="ko-KR" altLang="en-US" dirty="0"/>
+                        <a:t>게임 내용</a:t>
+                      </a:r>
+                      <a:r>
+                        <a:rPr lang="en-US" altLang="ko-KR" dirty="0"/>
+                        <a:t>, </a:t>
+                      </a:r>
+                      <a:r>
+                        <a:rPr lang="ko-KR" altLang="en-US" dirty="0"/>
+                        <a:t>사양 설계</a:t>
+                      </a:r>
+                    </a:p>
+                  </a:txBody>
+                  <a:tcPr/>
+                </a:tc>
+                <a:extLst>
+                  <a:ext uri="{0D108BD9-81ED-4DB2-BD59-A6C34878D82A}">
+                    <a16:rowId xmlns:a16="http://schemas.microsoft.com/office/drawing/2014/main" val="489914277"/>
+                  </a:ext>
+                </a:extLst>
+              </a:tr>
+              <a:tr h="558800">
+                <a:tc>
+                  <a:txBody>
+                    <a:bodyPr/>
+                    <a:lstStyle/>
+                    <a:p>
+                      <a:pPr latinLnBrk="1"/>
+                      <a:r>
+                        <a:rPr lang="ko-KR" altLang="en-US" dirty="0"/>
+                        <a:t>게임 프로그래머</a:t>
+                      </a:r>
+                      <a:r>
+                        <a:rPr lang="en-US" altLang="ko-KR" dirty="0"/>
+                        <a:t>(game programmer)</a:t>
+                      </a:r>
+                      <a:endParaRPr lang="ko-KR" altLang="en-US" dirty="0"/>
+                    </a:p>
+                  </a:txBody>
+                  <a:tcPr/>
+                </a:tc>
+                <a:tc>
+                  <a:txBody>
+                    <a:bodyPr/>
+                    <a:lstStyle/>
+                    <a:p>
+                      <a:pPr latinLnBrk="1"/>
+                      <a:r>
+                        <a:rPr lang="ko-KR" altLang="en-US" dirty="0"/>
+                        <a:t>프로그램 구현</a:t>
+                      </a:r>
+                      <a:r>
+                        <a:rPr lang="en-US" altLang="ko-KR" dirty="0"/>
+                        <a:t>, </a:t>
+                      </a:r>
+                      <a:r>
+                        <a:rPr lang="ko-KR" altLang="en-US" dirty="0"/>
+                        <a:t>게임이 움직이도록 함</a:t>
+                      </a:r>
+                    </a:p>
+                  </a:txBody>
+                  <a:tcPr/>
+                </a:tc>
+                <a:extLst>
+                  <a:ext uri="{0D108BD9-81ED-4DB2-BD59-A6C34878D82A}">
+                    <a16:rowId xmlns:a16="http://schemas.microsoft.com/office/drawing/2014/main" val="4041266096"/>
+                  </a:ext>
+                </a:extLst>
+              </a:tr>
+              <a:tr h="558800">
+                <a:tc>
+                  <a:txBody>
+                    <a:bodyPr/>
+                    <a:lstStyle/>
+                    <a:p>
+                      <a:pPr latinLnBrk="1"/>
+                      <a:r>
+                        <a:rPr lang="ko-KR" altLang="en-US" dirty="0"/>
+                        <a:t>그래픽 디자이너</a:t>
+                      </a:r>
+                      <a:r>
+                        <a:rPr lang="en-US" altLang="ko-KR" dirty="0"/>
+                        <a:t>(graphic designer)</a:t>
+                      </a:r>
+                      <a:endParaRPr lang="ko-KR" altLang="en-US" dirty="0"/>
+                    </a:p>
+                  </a:txBody>
+                  <a:tcPr/>
+                </a:tc>
+                <a:tc>
+                  <a:txBody>
+                    <a:bodyPr/>
+                    <a:lstStyle/>
+                    <a:p>
+                      <a:pPr latinLnBrk="1"/>
+                      <a:r>
+                        <a:rPr lang="ko-KR" altLang="en-US" dirty="0"/>
+                        <a:t>그래픽 데이터 제작</a:t>
+                      </a:r>
+                    </a:p>
+                  </a:txBody>
+                  <a:tcPr/>
+                </a:tc>
+                <a:extLst>
+                  <a:ext uri="{0D108BD9-81ED-4DB2-BD59-A6C34878D82A}">
+                    <a16:rowId xmlns:a16="http://schemas.microsoft.com/office/drawing/2014/main" val="61077605"/>
+                  </a:ext>
+                </a:extLst>
+              </a:tr>
+              <a:tr h="558800">
+                <a:tc>
+                  <a:txBody>
+                    <a:bodyPr/>
+                    <a:lstStyle/>
+                    <a:p>
+                      <a:pPr latinLnBrk="1"/>
+                      <a:r>
+                        <a:rPr lang="ko-KR" altLang="en-US" dirty="0"/>
+                        <a:t>사운드 크리에이터</a:t>
+                      </a:r>
+                      <a:r>
+                        <a:rPr lang="en-US" altLang="ko-KR" dirty="0"/>
+                        <a:t>(sound creator)</a:t>
+                      </a:r>
+                      <a:endParaRPr lang="ko-KR" altLang="en-US" dirty="0"/>
+                    </a:p>
+                  </a:txBody>
+                  <a:tcPr/>
+                </a:tc>
+                <a:tc>
+                  <a:txBody>
+                    <a:bodyPr/>
+                    <a:lstStyle/>
+                    <a:p>
+                      <a:pPr latinLnBrk="1"/>
+                      <a:r>
+                        <a:rPr lang="en-US" altLang="ko-KR" dirty="0"/>
+                        <a:t>BGM, </a:t>
+                      </a:r>
+                      <a:r>
+                        <a:rPr lang="ko-KR" altLang="en-US" dirty="0"/>
+                        <a:t>효과음 제작</a:t>
+                      </a:r>
+                    </a:p>
+                  </a:txBody>
+                  <a:tcPr/>
+                </a:tc>
+                <a:extLst>
+                  <a:ext uri="{0D108BD9-81ED-4DB2-BD59-A6C34878D82A}">
+                    <a16:rowId xmlns:a16="http://schemas.microsoft.com/office/drawing/2014/main" val="4277242819"/>
+                  </a:ext>
+                </a:extLst>
+              </a:tr>
+              <a:tr h="558800">
+                <a:tc>
+                  <a:txBody>
+                    <a:bodyPr/>
+                    <a:lstStyle/>
+                    <a:p>
+                      <a:pPr latinLnBrk="1"/>
+                      <a:r>
+                        <a:rPr lang="ko-KR" altLang="en-US" dirty="0" err="1"/>
+                        <a:t>디버거</a:t>
+                      </a:r>
+                      <a:r>
+                        <a:rPr lang="en-US" altLang="ko-KR" dirty="0"/>
+                        <a:t>(debugger)</a:t>
+                      </a:r>
+                      <a:endParaRPr lang="ko-KR" altLang="en-US" dirty="0"/>
+                    </a:p>
+                  </a:txBody>
+                  <a:tcPr/>
+                </a:tc>
+                <a:tc>
+                  <a:txBody>
+                    <a:bodyPr/>
+                    <a:lstStyle/>
+                    <a:p>
+                      <a:pPr latinLnBrk="1"/>
+                      <a:r>
+                        <a:rPr lang="ko-KR" altLang="en-US" dirty="0"/>
+                        <a:t>개발 중인 게임 오류 탐색</a:t>
+                      </a:r>
+                      <a:r>
+                        <a:rPr lang="en-US" altLang="ko-KR" dirty="0"/>
+                        <a:t>, </a:t>
+                      </a:r>
+                      <a:r>
+                        <a:rPr lang="ko-KR" altLang="en-US" dirty="0"/>
+                        <a:t>게임 난이도 의견 제시</a:t>
+                      </a:r>
+                    </a:p>
+                  </a:txBody>
+                  <a:tcPr/>
+                </a:tc>
+                <a:extLst>
+                  <a:ext uri="{0D108BD9-81ED-4DB2-BD59-A6C34878D82A}">
+                    <a16:rowId xmlns:a16="http://schemas.microsoft.com/office/drawing/2014/main" val="2899415992"/>
+                  </a:ext>
+                </a:extLst>
+              </a:tr>
+            </a:tbl>
+          </a:graphicData>
+        </a:graphic>
+      </p:graphicFrame>
     </p:spTree>
     <p:extLst>
       <p:ext uri="{BB962C8B-B14F-4D97-AF65-F5344CB8AC3E}">
-        <p14:creationId xmlns:p14="http://schemas.microsoft.com/office/powerpoint/2010/main" val="749501768"/>
+        <p14:creationId xmlns:p14="http://schemas.microsoft.com/office/powerpoint/2010/main" val="1305569509"/>
       </p:ext>
     </p:extLst>
   </p:cSld>
@@ -3921,10 +5292,10 @@
       </p:grpSpPr>
       <p:sp>
         <p:nvSpPr>
-          <p:cNvPr id="2" name="제목 1">
-            <a:extLst>
-              <a:ext uri="{FF2B5EF4-FFF2-40B4-BE49-F238E27FC236}">
-                <a16:creationId xmlns:a16="http://schemas.microsoft.com/office/drawing/2014/main" id="{3D7BA649-1ACB-4ADD-93E0-44BB47A53AD7}"/>
+          <p:cNvPr id="4" name="제목 3">
+            <a:extLst>
+              <a:ext uri="{FF2B5EF4-FFF2-40B4-BE49-F238E27FC236}">
+                <a16:creationId xmlns:a16="http://schemas.microsoft.com/office/drawing/2014/main" id="{81702A56-76D2-439C-9DC6-6FF269B97556}"/>
               </a:ext>
             </a:extLst>
           </p:cNvPr>
@@ -3941,40 +5312,52 @@
           <a:lstStyle/>
           <a:p>
             <a:r>
+              <a:rPr lang="ko-KR" altLang="en-US" dirty="0"/>
+              <a:t>파이썬 설치하기</a:t>
+            </a:r>
+          </a:p>
+        </p:txBody>
+      </p:sp>
+      <p:sp>
+        <p:nvSpPr>
+          <p:cNvPr id="5" name="텍스트 개체 틀 4">
+            <a:extLst>
+              <a:ext uri="{FF2B5EF4-FFF2-40B4-BE49-F238E27FC236}">
+                <a16:creationId xmlns:a16="http://schemas.microsoft.com/office/drawing/2014/main" id="{71A559BC-4A04-48FF-B540-81314C9E3534}"/>
+              </a:ext>
+            </a:extLst>
+          </p:cNvPr>
+          <p:cNvSpPr>
+            <a:spLocks noGrp="1"/>
+          </p:cNvSpPr>
+          <p:nvPr>
+            <p:ph type="body" idx="1"/>
+          </p:nvPr>
+        </p:nvSpPr>
+        <p:spPr/>
+        <p:txBody>
+          <a:bodyPr/>
+          <a:lstStyle/>
+          <a:p>
+            <a:r>
+              <a:rPr lang="ko-KR" altLang="en-US" dirty="0"/>
+              <a:t>이번 강의에서 파이썬 프로그래밍 언어에 대해 설명하고 여러분이 </a:t>
+            </a:r>
+            <a:r>
               <a:rPr lang="en-US" altLang="ko-KR" dirty="0"/>
-              <a:t>CUI</a:t>
-            </a:r>
-            <a:r>
-              <a:rPr lang="ko-KR" altLang="en-US" dirty="0"/>
-              <a:t>로 미니 게임 만들기</a:t>
-            </a:r>
-          </a:p>
-        </p:txBody>
-      </p:sp>
-      <p:sp>
-        <p:nvSpPr>
-          <p:cNvPr id="3" name="텍스트 개체 틀 2">
-            <a:extLst>
-              <a:ext uri="{FF2B5EF4-FFF2-40B4-BE49-F238E27FC236}">
-                <a16:creationId xmlns:a16="http://schemas.microsoft.com/office/drawing/2014/main" id="{F016602A-7015-479E-9D70-0C0CB241B56E}"/>
-              </a:ext>
-            </a:extLst>
-          </p:cNvPr>
-          <p:cNvSpPr>
-            <a:spLocks noGrp="1"/>
-          </p:cNvSpPr>
-          <p:nvPr>
-            <p:ph type="body" idx="1"/>
-          </p:nvPr>
-        </p:nvSpPr>
-        <p:spPr/>
-        <p:txBody>
-          <a:bodyPr/>
-          <a:lstStyle/>
-          <a:p>
-            <a:r>
-              <a:rPr lang="ko-KR" altLang="en-US" dirty="0"/>
-              <a:t>제일 먼저 문자열 입출력 명령을 이용해서 간단한 게임을 만들고 게임 개발 기초를 학습한다</a:t>
+              <a:t>PC</a:t>
+            </a:r>
+            <a:r>
+              <a:rPr lang="ko-KR" altLang="en-US" dirty="0"/>
+              <a:t>에 </a:t>
+            </a:r>
+            <a:r>
+              <a:rPr lang="ko-KR" altLang="en-US" dirty="0" err="1"/>
+              <a:t>파이썬을</a:t>
+            </a:r>
+            <a:r>
+              <a:rPr lang="ko-KR" altLang="en-US" dirty="0"/>
+              <a:t> 직접 설치한다</a:t>
             </a:r>
             <a:r>
               <a:rPr lang="en-US" altLang="ko-KR" dirty="0"/>
@@ -3982,7 +5365,23 @@
             </a:r>
             <a:r>
               <a:rPr lang="ko-KR" altLang="en-US" dirty="0"/>
-              <a:t>이미지를 표시하는 본격적인 게임 만들기에 앞서 무엇보다 중요한 기초이다</a:t>
+              <a:t>설치나 설정이 어려운 프로그래밍 언어들도 있으나 </a:t>
+            </a:r>
+            <a:r>
+              <a:rPr lang="ko-KR" altLang="en-US" dirty="0" err="1"/>
+              <a:t>파이썬은</a:t>
+            </a:r>
+            <a:r>
+              <a:rPr lang="ko-KR" altLang="en-US" dirty="0"/>
+              <a:t> 매우 쉽게 설치할 수 있다</a:t>
+            </a:r>
+            <a:r>
+              <a:rPr lang="en-US" altLang="ko-KR" dirty="0"/>
+              <a:t>. </a:t>
+            </a:r>
+            <a:r>
+              <a:rPr lang="ko-KR" altLang="en-US" dirty="0"/>
+              <a:t>그리고 바로 사용할 수 있다</a:t>
             </a:r>
             <a:r>
               <a:rPr lang="en-US" altLang="ko-KR" dirty="0"/>
@@ -3995,7 +5394,7 @@
     </p:spTree>
     <p:extLst>
       <p:ext uri="{BB962C8B-B14F-4D97-AF65-F5344CB8AC3E}">
-        <p14:creationId xmlns:p14="http://schemas.microsoft.com/office/powerpoint/2010/main" val="919456587"/>
+        <p14:creationId xmlns:p14="http://schemas.microsoft.com/office/powerpoint/2010/main" val="2039396956"/>
       </p:ext>
     </p:extLst>
   </p:cSld>
@@ -4024,10 +5423,10 @@
       </p:grpSpPr>
       <p:sp>
         <p:nvSpPr>
-          <p:cNvPr id="2" name="제목 1">
-            <a:extLst>
-              <a:ext uri="{FF2B5EF4-FFF2-40B4-BE49-F238E27FC236}">
-                <a16:creationId xmlns:a16="http://schemas.microsoft.com/office/drawing/2014/main" id="{5B82987C-7F10-4ECE-96E8-898A41770503}"/>
+          <p:cNvPr id="4" name="제목 3">
+            <a:extLst>
+              <a:ext uri="{FF2B5EF4-FFF2-40B4-BE49-F238E27FC236}">
+                <a16:creationId xmlns:a16="http://schemas.microsoft.com/office/drawing/2014/main" id="{81702A56-76D2-439C-9DC6-6FF269B97556}"/>
               </a:ext>
             </a:extLst>
           </p:cNvPr>
@@ -4044,27 +5443,18 @@
           <a:lstStyle/>
           <a:p>
             <a:r>
-              <a:rPr lang="en-US" altLang="ko-KR" dirty="0"/>
-              <a:t>GUI</a:t>
-            </a:r>
-            <a:r>
-              <a:rPr lang="ko-KR" altLang="en-US" dirty="0"/>
-              <a:t>기초</a:t>
-            </a:r>
-            <a:r>
-              <a:rPr lang="en-US" altLang="ko-KR" dirty="0"/>
-              <a:t>1</a:t>
-            </a:r>
-            <a:endParaRPr lang="ko-KR" altLang="en-US" dirty="0"/>
-          </a:p>
-        </p:txBody>
-      </p:sp>
-      <p:sp>
-        <p:nvSpPr>
-          <p:cNvPr id="3" name="텍스트 개체 틀 2">
-            <a:extLst>
-              <a:ext uri="{FF2B5EF4-FFF2-40B4-BE49-F238E27FC236}">
-                <a16:creationId xmlns:a16="http://schemas.microsoft.com/office/drawing/2014/main" id="{858429BF-343D-4DA6-89B0-78DBE6F70199}"/>
+              <a:rPr lang="ko-KR" altLang="en-US" dirty="0"/>
+              <a:t>파이썬 시작하기</a:t>
+            </a:r>
+          </a:p>
+        </p:txBody>
+      </p:sp>
+      <p:sp>
+        <p:nvSpPr>
+          <p:cNvPr id="5" name="텍스트 개체 틀 4">
+            <a:extLst>
+              <a:ext uri="{FF2B5EF4-FFF2-40B4-BE49-F238E27FC236}">
+                <a16:creationId xmlns:a16="http://schemas.microsoft.com/office/drawing/2014/main" id="{71A559BC-4A04-48FF-B540-81314C9E3534}"/>
               </a:ext>
             </a:extLst>
           </p:cNvPr>
@@ -4082,15 +5472,7 @@
           <a:p>
             <a:r>
               <a:rPr lang="ko-KR" altLang="en-US" dirty="0"/>
-              <a:t>본격적인 소프트웨어를 개발하기 위해서 </a:t>
-            </a:r>
-            <a:r>
-              <a:rPr lang="en-US" altLang="ko-KR" dirty="0"/>
-              <a:t>GUI(Graphic User Interface)</a:t>
-            </a:r>
-            <a:r>
-              <a:rPr lang="ko-KR" altLang="en-US" dirty="0"/>
-              <a:t>에 대해 반드시 알고 있어야 한다</a:t>
+              <a:t>파이썬 프로그래밍을 시작해 본다</a:t>
             </a:r>
             <a:r>
               <a:rPr lang="en-US" altLang="ko-KR" dirty="0"/>
@@ -4098,15 +5480,23 @@
             </a:r>
             <a:r>
               <a:rPr lang="ko-KR" altLang="en-US" dirty="0"/>
-              <a:t>이번 강의에서 </a:t>
+              <a:t>먼저 </a:t>
             </a:r>
             <a:r>
               <a:rPr lang="en-US" altLang="ko-KR" dirty="0"/>
-              <a:t>GUI</a:t>
-            </a:r>
-            <a:r>
-              <a:rPr lang="ko-KR" altLang="en-US" dirty="0"/>
-              <a:t>나 그래픽을 사용한 프로그램을 만들면서 프로그래밍 지식을 늘려간다</a:t>
+              <a:t>IDLE</a:t>
+            </a:r>
+            <a:r>
+              <a:rPr lang="ko-KR" altLang="en-US" dirty="0"/>
+              <a:t>에 직접 계산식이나 명령을 입력해 컴퓨터에 간단한 처리를 해본다</a:t>
+            </a:r>
+            <a:r>
+              <a:rPr lang="en-US" altLang="ko-KR" dirty="0"/>
+              <a:t>. </a:t>
+            </a:r>
+            <a:r>
+              <a:rPr lang="ko-KR" altLang="en-US" dirty="0"/>
+              <a:t>기본적인 조작이 익숙해 진 이후에는 프로그램 파일을 만들어보고 그 파일에 프로그램을 입력해 본다</a:t>
             </a:r>
             <a:r>
               <a:rPr lang="en-US" altLang="ko-KR" dirty="0"/>
@@ -4119,7 +5509,7 @@
     </p:spTree>
     <p:extLst>
       <p:ext uri="{BB962C8B-B14F-4D97-AF65-F5344CB8AC3E}">
-        <p14:creationId xmlns:p14="http://schemas.microsoft.com/office/powerpoint/2010/main" val="2737484897"/>
+        <p14:creationId xmlns:p14="http://schemas.microsoft.com/office/powerpoint/2010/main" val="1507403729"/>
       </p:ext>
     </p:extLst>
   </p:cSld>
@@ -4148,10 +5538,10 @@
       </p:grpSpPr>
       <p:sp>
         <p:nvSpPr>
-          <p:cNvPr id="2" name="제목 1">
-            <a:extLst>
-              <a:ext uri="{FF2B5EF4-FFF2-40B4-BE49-F238E27FC236}">
-                <a16:creationId xmlns:a16="http://schemas.microsoft.com/office/drawing/2014/main" id="{D86BD4B2-8B17-47A2-8E69-139A20B22C11}"/>
+          <p:cNvPr id="4" name="제목 3">
+            <a:extLst>
+              <a:ext uri="{FF2B5EF4-FFF2-40B4-BE49-F238E27FC236}">
+                <a16:creationId xmlns:a16="http://schemas.microsoft.com/office/drawing/2014/main" id="{81702A56-76D2-439C-9DC6-6FF269B97556}"/>
               </a:ext>
             </a:extLst>
           </p:cNvPr>
@@ -4168,61 +5558,96 @@
           <a:lstStyle/>
           <a:p>
             <a:r>
+              <a:rPr lang="ko-KR" altLang="en-US" dirty="0"/>
+              <a:t>프로그래밍 기초</a:t>
+            </a:r>
+          </a:p>
+        </p:txBody>
+      </p:sp>
+      <p:sp>
+        <p:nvSpPr>
+          <p:cNvPr id="5" name="텍스트 개체 틀 4">
+            <a:extLst>
+              <a:ext uri="{FF2B5EF4-FFF2-40B4-BE49-F238E27FC236}">
+                <a16:creationId xmlns:a16="http://schemas.microsoft.com/office/drawing/2014/main" id="{71A559BC-4A04-48FF-B540-81314C9E3534}"/>
+              </a:ext>
+            </a:extLst>
+          </p:cNvPr>
+          <p:cNvSpPr>
+            <a:spLocks noGrp="1"/>
+          </p:cNvSpPr>
+          <p:nvPr>
+            <p:ph type="body" idx="1"/>
+          </p:nvPr>
+        </p:nvSpPr>
+        <p:spPr/>
+        <p:txBody>
+          <a:bodyPr/>
+          <a:lstStyle/>
+          <a:p>
+            <a:r>
+              <a:rPr lang="ko-KR" altLang="en-US" dirty="0"/>
+              <a:t>게임 개발에 앞서 프로그래밍 기초를 학습한다</a:t>
+            </a:r>
+            <a:r>
               <a:rPr lang="en-US" altLang="ko-KR" dirty="0"/>
-              <a:t>GUI</a:t>
-            </a:r>
-            <a:r>
-              <a:rPr lang="ko-KR" altLang="en-US" dirty="0"/>
-              <a:t>기초</a:t>
+              <a:t>. </a:t>
+            </a:r>
+            <a:r>
+              <a:rPr lang="ko-KR" altLang="en-US" dirty="0"/>
+              <a:t>여기에서는 변수</a:t>
             </a:r>
             <a:r>
               <a:rPr lang="en-US" altLang="ko-KR" dirty="0"/>
-              <a:t>2</a:t>
-            </a:r>
-            <a:endParaRPr lang="ko-KR" altLang="en-US" dirty="0"/>
-          </a:p>
-        </p:txBody>
-      </p:sp>
-      <p:sp>
-        <p:nvSpPr>
-          <p:cNvPr id="3" name="텍스트 개체 틀 2">
-            <a:extLst>
-              <a:ext uri="{FF2B5EF4-FFF2-40B4-BE49-F238E27FC236}">
-                <a16:creationId xmlns:a16="http://schemas.microsoft.com/office/drawing/2014/main" id="{182D863E-2508-4F41-8291-36C7A05B6CD8}"/>
-              </a:ext>
-            </a:extLst>
-          </p:cNvPr>
-          <p:cNvSpPr>
-            <a:spLocks noGrp="1"/>
-          </p:cNvSpPr>
-          <p:nvPr>
-            <p:ph type="body" idx="1"/>
-          </p:nvPr>
-        </p:nvSpPr>
-        <p:spPr/>
-        <p:txBody>
-          <a:bodyPr/>
-          <a:lstStyle/>
-          <a:p>
-            <a:r>
-              <a:rPr lang="ko-KR" altLang="en-US" dirty="0"/>
-              <a:t>앞에서 공부한 텍스트 입력 필드 등 </a:t>
+              <a:t>, </a:t>
+            </a:r>
+            <a:r>
+              <a:rPr lang="ko-KR" altLang="en-US" dirty="0"/>
+              <a:t>리스트</a:t>
             </a:r>
             <a:r>
               <a:rPr lang="en-US" altLang="ko-KR" dirty="0"/>
-              <a:t>GUI</a:t>
-            </a:r>
-            <a:r>
-              <a:rPr lang="ko-KR" altLang="en-US" dirty="0"/>
-              <a:t> 사용 방법에 대해 설명한다</a:t>
+              <a:t>(C/C++, </a:t>
+            </a:r>
+            <a:r>
+              <a:rPr lang="ko-KR" altLang="en-US" dirty="0"/>
+              <a:t>자바에서 배열과 </a:t>
+            </a:r>
+            <a:r>
+              <a:rPr lang="ko-KR" altLang="en-US" dirty="0" err="1"/>
+              <a:t>비슷</a:t>
             </a:r>
             <a:r>
               <a:rPr lang="en-US" altLang="ko-KR" dirty="0"/>
-              <a:t>. GUI</a:t>
-            </a:r>
-            <a:r>
-              <a:rPr lang="ko-KR" altLang="en-US" dirty="0"/>
-              <a:t>를 통해 진단 게임을 만들면서 게임개발 기초지식을 익힌다</a:t>
+              <a:t>), </a:t>
+            </a:r>
+            <a:r>
+              <a:rPr lang="ko-KR" altLang="en-US" dirty="0"/>
+              <a:t>조건 분기</a:t>
+            </a:r>
+            <a:r>
+              <a:rPr lang="en-US" altLang="ko-KR" dirty="0"/>
+              <a:t>, </a:t>
+            </a:r>
+            <a:r>
+              <a:rPr lang="ko-KR" altLang="en-US" dirty="0"/>
+              <a:t>반복</a:t>
+            </a:r>
+            <a:r>
+              <a:rPr lang="en-US" altLang="ko-KR" dirty="0"/>
+              <a:t>, </a:t>
+            </a:r>
+            <a:r>
+              <a:rPr lang="ko-KR" altLang="en-US" dirty="0"/>
+              <a:t>그리고 함수에 대해 공부한다</a:t>
+            </a:r>
+            <a:r>
+              <a:rPr lang="en-US" altLang="ko-KR" dirty="0"/>
+              <a:t>. </a:t>
+            </a:r>
+            <a:r>
+              <a:rPr lang="ko-KR" altLang="en-US" dirty="0"/>
+              <a:t>이번 강의에서 공부하는 내용은 게임 프로그램은 물론 모든 프로그램에서 매우 중요한 부분이므로 기초를 확실히 잡고 가자</a:t>
             </a:r>
             <a:r>
               <a:rPr lang="en-US" altLang="ko-KR" dirty="0"/>
@@ -4235,7 +5660,7 @@
     </p:spTree>
     <p:extLst>
       <p:ext uri="{BB962C8B-B14F-4D97-AF65-F5344CB8AC3E}">
-        <p14:creationId xmlns:p14="http://schemas.microsoft.com/office/powerpoint/2010/main" val="925012681"/>
+        <p14:creationId xmlns:p14="http://schemas.microsoft.com/office/powerpoint/2010/main" val="749501768"/>
       </p:ext>
     </p:extLst>
   </p:cSld>
@@ -4267,7 +5692,7 @@
           <p:cNvPr id="2" name="제목 1">
             <a:extLst>
               <a:ext uri="{FF2B5EF4-FFF2-40B4-BE49-F238E27FC236}">
-                <a16:creationId xmlns:a16="http://schemas.microsoft.com/office/drawing/2014/main" id="{FB8EC036-C414-4E37-AFD3-A8F00E17AD55}"/>
+                <a16:creationId xmlns:a16="http://schemas.microsoft.com/office/drawing/2014/main" id="{3D7BA649-1ACB-4ADD-93E0-44BB47A53AD7}"/>
               </a:ext>
             </a:extLst>
           </p:cNvPr>
@@ -4284,8 +5709,12 @@
           <a:lstStyle/>
           <a:p>
             <a:r>
-              <a:rPr lang="ko-KR" altLang="en-US" dirty="0"/>
-              <a:t>기본적인 게임 개발 기술</a:t>
+              <a:rPr lang="en-US" altLang="ko-KR" dirty="0"/>
+              <a:t>CUI</a:t>
+            </a:r>
+            <a:r>
+              <a:rPr lang="ko-KR" altLang="en-US" dirty="0"/>
+              <a:t>로 미니 게임 만들기</a:t>
             </a:r>
           </a:p>
         </p:txBody>
@@ -4295,7 +5724,7 @@
           <p:cNvPr id="3" name="텍스트 개체 틀 2">
             <a:extLst>
               <a:ext uri="{FF2B5EF4-FFF2-40B4-BE49-F238E27FC236}">
-                <a16:creationId xmlns:a16="http://schemas.microsoft.com/office/drawing/2014/main" id="{6DE14B70-9911-49DA-973A-10F63208916A}"/>
+                <a16:creationId xmlns:a16="http://schemas.microsoft.com/office/drawing/2014/main" id="{F016602A-7015-479E-9D70-0C0CB241B56E}"/>
               </a:ext>
             </a:extLst>
           </p:cNvPr>
@@ -4313,7 +5742,7 @@
           <a:p>
             <a:r>
               <a:rPr lang="ko-KR" altLang="en-US" dirty="0"/>
-              <a:t>게임소프트웨어는 항상 키 입력을 받아 화면을 계속해서 변경하며 움직인다</a:t>
+              <a:t>제일 먼저 문자열 입출력 명령을 이용해서 간단한 게임을 만들고 게임 개발 기초를 학습한다</a:t>
             </a:r>
             <a:r>
               <a:rPr lang="en-US" altLang="ko-KR" dirty="0"/>
@@ -4321,15 +5750,7 @@
             </a:r>
             <a:r>
               <a:rPr lang="ko-KR" altLang="en-US" dirty="0"/>
-              <a:t>이를 실시간 처리라고 하는데 </a:t>
-            </a:r>
-            <a:r>
-              <a:rPr lang="ko-KR" altLang="en-US" dirty="0" err="1"/>
-              <a:t>파이썬에서</a:t>
-            </a:r>
-            <a:r>
-              <a:rPr lang="ko-KR" altLang="en-US" dirty="0"/>
-              <a:t> 실시간 처리를 수행하는 방법을 학습하고 캐릭터를 움직여 미로를 탈출하는 게임을 만들어 보자</a:t>
+              <a:t>이미지를 표시하는 본격적인 게임 만들기에 앞서 무엇보다 중요한 기초이다</a:t>
             </a:r>
             <a:r>
               <a:rPr lang="en-US" altLang="ko-KR" dirty="0"/>
@@ -4342,7 +5763,7 @@
     </p:spTree>
     <p:extLst>
       <p:ext uri="{BB962C8B-B14F-4D97-AF65-F5344CB8AC3E}">
-        <p14:creationId xmlns:p14="http://schemas.microsoft.com/office/powerpoint/2010/main" val="1342480703"/>
+        <p14:creationId xmlns:p14="http://schemas.microsoft.com/office/powerpoint/2010/main" val="919456587"/>
       </p:ext>
     </p:extLst>
   </p:cSld>

--- a/게임개발기초과정 파이썬.pptx
+++ b/게임개발기초과정 파이썬.pptx
@@ -10,13 +10,25 @@
     <p:sldId id="265" r:id="rId4"/>
     <p:sldId id="266" r:id="rId5"/>
     <p:sldId id="267" r:id="rId6"/>
-    <p:sldId id="258" r:id="rId7"/>
-    <p:sldId id="259" r:id="rId8"/>
-    <p:sldId id="260" r:id="rId9"/>
-    <p:sldId id="261" r:id="rId10"/>
-    <p:sldId id="262" r:id="rId11"/>
-    <p:sldId id="263" r:id="rId12"/>
-    <p:sldId id="264" r:id="rId13"/>
+    <p:sldId id="268" r:id="rId7"/>
+    <p:sldId id="269" r:id="rId8"/>
+    <p:sldId id="270" r:id="rId9"/>
+    <p:sldId id="258" r:id="rId10"/>
+    <p:sldId id="271" r:id="rId11"/>
+    <p:sldId id="272" r:id="rId12"/>
+    <p:sldId id="273" r:id="rId13"/>
+    <p:sldId id="274" r:id="rId14"/>
+    <p:sldId id="275" r:id="rId15"/>
+    <p:sldId id="259" r:id="rId16"/>
+    <p:sldId id="276" r:id="rId17"/>
+    <p:sldId id="277" r:id="rId18"/>
+    <p:sldId id="278" r:id="rId19"/>
+    <p:sldId id="279" r:id="rId20"/>
+    <p:sldId id="260" r:id="rId21"/>
+    <p:sldId id="261" r:id="rId22"/>
+    <p:sldId id="262" r:id="rId23"/>
+    <p:sldId id="263" r:id="rId24"/>
+    <p:sldId id="264" r:id="rId25"/>
   </p:sldIdLst>
   <p:sldSz cx="12192000" cy="6858000"/>
   <p:notesSz cx="6858000" cy="9144000"/>
@@ -3425,10 +3437,10 @@
       </p:grpSpPr>
       <p:sp>
         <p:nvSpPr>
-          <p:cNvPr id="2" name="제목 1">
-            <a:extLst>
-              <a:ext uri="{FF2B5EF4-FFF2-40B4-BE49-F238E27FC236}">
-                <a16:creationId xmlns:a16="http://schemas.microsoft.com/office/drawing/2014/main" id="{5B82987C-7F10-4ECE-96E8-898A41770503}"/>
+          <p:cNvPr id="4" name="제목 3">
+            <a:extLst>
+              <a:ext uri="{FF2B5EF4-FFF2-40B4-BE49-F238E27FC236}">
+                <a16:creationId xmlns:a16="http://schemas.microsoft.com/office/drawing/2014/main" id="{E48ECEA1-9809-4E2F-A6EE-56348AAE63D3}"/>
               </a:ext>
             </a:extLst>
           </p:cNvPr>
@@ -3439,75 +3451,754 @@
             <p:ph type="title"/>
           </p:nvPr>
         </p:nvSpPr>
-        <p:spPr/>
+        <p:spPr>
+          <a:xfrm>
+            <a:off x="282389" y="308271"/>
+            <a:ext cx="10515600" cy="1325563"/>
+          </a:xfrm>
+        </p:spPr>
         <p:txBody>
           <a:bodyPr/>
           <a:lstStyle/>
           <a:p>
             <a:r>
+              <a:rPr lang="ko-KR" altLang="en-US" dirty="0" err="1"/>
+              <a:t>파이썬이란</a:t>
+            </a:r>
+            <a:r>
               <a:rPr lang="en-US" altLang="ko-KR" dirty="0"/>
-              <a:t>GUI</a:t>
-            </a:r>
-            <a:r>
-              <a:rPr lang="ko-KR" altLang="en-US" dirty="0"/>
-              <a:t>기초</a:t>
+              <a:t>?</a:t>
+            </a:r>
+            <a:endParaRPr lang="ko-KR" altLang="en-US" dirty="0"/>
+          </a:p>
+        </p:txBody>
+      </p:sp>
+      <p:graphicFrame>
+        <p:nvGraphicFramePr>
+          <p:cNvPr id="9" name="표 9">
+            <a:extLst>
+              <a:ext uri="{FF2B5EF4-FFF2-40B4-BE49-F238E27FC236}">
+                <a16:creationId xmlns:a16="http://schemas.microsoft.com/office/drawing/2014/main" id="{3E2614CE-9D3E-4C08-B92F-DE3FA0F010DC}"/>
+              </a:ext>
+            </a:extLst>
+          </p:cNvPr>
+          <p:cNvGraphicFramePr>
+            <a:graphicFrameLocks noGrp="1"/>
+          </p:cNvGraphicFramePr>
+          <p:nvPr>
+            <p:extLst>
+              <p:ext uri="{D42A27DB-BD31-4B8C-83A1-F6EECF244321}">
+                <p14:modId xmlns:p14="http://schemas.microsoft.com/office/powerpoint/2010/main" val="907861483"/>
+              </p:ext>
+            </p:extLst>
+          </p:nvPr>
+        </p:nvGraphicFramePr>
+        <p:xfrm>
+          <a:off x="430306" y="1741411"/>
+          <a:ext cx="6499415" cy="4417344"/>
+        </p:xfrm>
+        <a:graphic>
+          <a:graphicData uri="http://schemas.openxmlformats.org/drawingml/2006/table">
+            <a:tbl>
+              <a:tblPr firstRow="1" bandRow="1">
+                <a:tableStyleId>{5C22544A-7EE6-4342-B048-85BDC9FD1C3A}</a:tableStyleId>
+              </a:tblPr>
+              <a:tblGrid>
+                <a:gridCol w="1488141">
+                  <a:extLst>
+                    <a:ext uri="{9D8B030D-6E8A-4147-A177-3AD203B41FA5}">
+                      <a16:colId xmlns:a16="http://schemas.microsoft.com/office/drawing/2014/main" val="2905016211"/>
+                    </a:ext>
+                  </a:extLst>
+                </a:gridCol>
+                <a:gridCol w="1111623">
+                  <a:extLst>
+                    <a:ext uri="{9D8B030D-6E8A-4147-A177-3AD203B41FA5}">
+                      <a16:colId xmlns:a16="http://schemas.microsoft.com/office/drawing/2014/main" val="2546814631"/>
+                    </a:ext>
+                  </a:extLst>
+                </a:gridCol>
+                <a:gridCol w="2274797">
+                  <a:extLst>
+                    <a:ext uri="{9D8B030D-6E8A-4147-A177-3AD203B41FA5}">
+                      <a16:colId xmlns:a16="http://schemas.microsoft.com/office/drawing/2014/main" val="1192081486"/>
+                    </a:ext>
+                  </a:extLst>
+                </a:gridCol>
+                <a:gridCol w="1624854">
+                  <a:extLst>
+                    <a:ext uri="{9D8B030D-6E8A-4147-A177-3AD203B41FA5}">
+                      <a16:colId xmlns:a16="http://schemas.microsoft.com/office/drawing/2014/main" val="2692648491"/>
+                    </a:ext>
+                  </a:extLst>
+                </a:gridCol>
+              </a:tblGrid>
+              <a:tr h="736224">
+                <a:tc>
+                  <a:txBody>
+                    <a:bodyPr/>
+                    <a:lstStyle/>
+                    <a:p>
+                      <a:pPr algn="ctr" latinLnBrk="1"/>
+                      <a:r>
+                        <a:rPr lang="ko-KR" altLang="en-US" dirty="0" err="1"/>
+                        <a:t>검색량</a:t>
+                      </a:r>
+                      <a:r>
+                        <a:rPr lang="ko-KR" altLang="en-US" dirty="0"/>
+                        <a:t> 순위</a:t>
+                      </a:r>
+                    </a:p>
+                  </a:txBody>
+                  <a:tcPr/>
+                </a:tc>
+                <a:tc>
+                  <a:txBody>
+                    <a:bodyPr/>
+                    <a:lstStyle/>
+                    <a:p>
+                      <a:pPr algn="ctr" latinLnBrk="1"/>
+                      <a:r>
+                        <a:rPr lang="ko-KR" altLang="en-US" dirty="0"/>
+                        <a:t>언어</a:t>
+                      </a:r>
+                    </a:p>
+                  </a:txBody>
+                  <a:tcPr/>
+                </a:tc>
+                <a:tc>
+                  <a:txBody>
+                    <a:bodyPr/>
+                    <a:lstStyle/>
+                    <a:p>
+                      <a:pPr algn="ctr" latinLnBrk="1"/>
+                      <a:r>
+                        <a:rPr lang="ko-KR" altLang="en-US" dirty="0"/>
+                        <a:t>사용 분야</a:t>
+                      </a:r>
+                    </a:p>
+                  </a:txBody>
+                  <a:tcPr/>
+                </a:tc>
+                <a:tc>
+                  <a:txBody>
+                    <a:bodyPr/>
+                    <a:lstStyle/>
+                    <a:p>
+                      <a:pPr algn="ctr" latinLnBrk="1"/>
+                      <a:r>
+                        <a:rPr lang="ko-KR" altLang="en-US" dirty="0"/>
+                        <a:t>초보자 추천</a:t>
+                      </a:r>
+                    </a:p>
+                  </a:txBody>
+                  <a:tcPr/>
+                </a:tc>
+                <a:extLst>
+                  <a:ext uri="{0D108BD9-81ED-4DB2-BD59-A6C34878D82A}">
+                    <a16:rowId xmlns:a16="http://schemas.microsoft.com/office/drawing/2014/main" val="2817177348"/>
+                  </a:ext>
+                </a:extLst>
+              </a:tr>
+              <a:tr h="736224">
+                <a:tc>
+                  <a:txBody>
+                    <a:bodyPr/>
+                    <a:lstStyle/>
+                    <a:p>
+                      <a:pPr algn="ctr" latinLnBrk="1"/>
+                      <a:r>
+                        <a:rPr lang="en-US" altLang="ko-KR" dirty="0"/>
+                        <a:t>1</a:t>
+                      </a:r>
+                      <a:endParaRPr lang="ko-KR" altLang="en-US" dirty="0"/>
+                    </a:p>
+                  </a:txBody>
+                  <a:tcPr/>
+                </a:tc>
+                <a:tc>
+                  <a:txBody>
+                    <a:bodyPr/>
+                    <a:lstStyle/>
+                    <a:p>
+                      <a:pPr algn="ctr" latinLnBrk="1"/>
+                      <a:r>
+                        <a:rPr lang="en-US" altLang="ko-KR" dirty="0"/>
+                        <a:t>C</a:t>
+                      </a:r>
+                      <a:endParaRPr lang="ko-KR" altLang="en-US" dirty="0"/>
+                    </a:p>
+                  </a:txBody>
+                  <a:tcPr/>
+                </a:tc>
+                <a:tc>
+                  <a:txBody>
+                    <a:bodyPr/>
+                    <a:lstStyle/>
+                    <a:p>
+                      <a:pPr algn="ctr" latinLnBrk="1"/>
+                      <a:r>
+                        <a:rPr lang="ko-KR" altLang="en-US" dirty="0"/>
+                        <a:t>임베디드</a:t>
+                      </a:r>
+                      <a:r>
+                        <a:rPr lang="en-US" altLang="ko-KR" dirty="0"/>
+                        <a:t>, </a:t>
+                      </a:r>
+                      <a:r>
+                        <a:rPr lang="ko-KR" altLang="en-US" dirty="0"/>
+                        <a:t>시스템</a:t>
+                      </a:r>
+                    </a:p>
+                  </a:txBody>
+                  <a:tcPr/>
+                </a:tc>
+                <a:tc>
+                  <a:txBody>
+                    <a:bodyPr/>
+                    <a:lstStyle/>
+                    <a:p>
+                      <a:pPr algn="ctr" latinLnBrk="1"/>
+                      <a:r>
+                        <a:rPr lang="ko-KR" altLang="en-US" dirty="0"/>
+                        <a:t>중간</a:t>
+                      </a:r>
+                    </a:p>
+                  </a:txBody>
+                  <a:tcPr/>
+                </a:tc>
+                <a:extLst>
+                  <a:ext uri="{0D108BD9-81ED-4DB2-BD59-A6C34878D82A}">
+                    <a16:rowId xmlns:a16="http://schemas.microsoft.com/office/drawing/2014/main" val="1471829068"/>
+                  </a:ext>
+                </a:extLst>
+              </a:tr>
+              <a:tr h="736224">
+                <a:tc>
+                  <a:txBody>
+                    <a:bodyPr/>
+                    <a:lstStyle/>
+                    <a:p>
+                      <a:pPr algn="ctr" latinLnBrk="1"/>
+                      <a:r>
+                        <a:rPr lang="en-US" altLang="ko-KR" dirty="0"/>
+                        <a:t>2</a:t>
+                      </a:r>
+                      <a:endParaRPr lang="ko-KR" altLang="en-US" dirty="0"/>
+                    </a:p>
+                  </a:txBody>
+                  <a:tcPr/>
+                </a:tc>
+                <a:tc>
+                  <a:txBody>
+                    <a:bodyPr/>
+                    <a:lstStyle/>
+                    <a:p>
+                      <a:pPr algn="ctr" latinLnBrk="1"/>
+                      <a:r>
+                        <a:rPr lang="en-US" altLang="ko-KR" dirty="0"/>
+                        <a:t>Java</a:t>
+                      </a:r>
+                      <a:endParaRPr lang="ko-KR" altLang="en-US" dirty="0"/>
+                    </a:p>
+                  </a:txBody>
+                  <a:tcPr/>
+                </a:tc>
+                <a:tc>
+                  <a:txBody>
+                    <a:bodyPr/>
+                    <a:lstStyle/>
+                    <a:p>
+                      <a:pPr algn="ctr" latinLnBrk="1"/>
+                      <a:r>
+                        <a:rPr lang="ko-KR" altLang="en-US" dirty="0"/>
+                        <a:t>웹 프로그래밍</a:t>
+                      </a:r>
+                      <a:r>
+                        <a:rPr lang="en-US" altLang="ko-KR" dirty="0"/>
+                        <a:t>, </a:t>
+                      </a:r>
+                      <a:r>
+                        <a:rPr lang="ko-KR" altLang="en-US" dirty="0"/>
+                        <a:t>모바일 앱 등</a:t>
+                      </a:r>
+                    </a:p>
+                  </a:txBody>
+                  <a:tcPr/>
+                </a:tc>
+                <a:tc>
+                  <a:txBody>
+                    <a:bodyPr/>
+                    <a:lstStyle/>
+                    <a:p>
+                      <a:pPr algn="ctr" latinLnBrk="1"/>
+                      <a:r>
+                        <a:rPr lang="ko-KR" altLang="en-US" dirty="0"/>
+                        <a:t>중간</a:t>
+                      </a:r>
+                    </a:p>
+                  </a:txBody>
+                  <a:tcPr/>
+                </a:tc>
+                <a:extLst>
+                  <a:ext uri="{0D108BD9-81ED-4DB2-BD59-A6C34878D82A}">
+                    <a16:rowId xmlns:a16="http://schemas.microsoft.com/office/drawing/2014/main" val="982129319"/>
+                  </a:ext>
+                </a:extLst>
+              </a:tr>
+              <a:tr h="736224">
+                <a:tc>
+                  <a:txBody>
+                    <a:bodyPr/>
+                    <a:lstStyle/>
+                    <a:p>
+                      <a:pPr algn="ctr" latinLnBrk="1"/>
+                      <a:r>
+                        <a:rPr lang="en-US" altLang="ko-KR" dirty="0"/>
+                        <a:t>3</a:t>
+                      </a:r>
+                      <a:endParaRPr lang="ko-KR" altLang="en-US" dirty="0"/>
+                    </a:p>
+                  </a:txBody>
+                  <a:tcPr/>
+                </a:tc>
+                <a:tc>
+                  <a:txBody>
+                    <a:bodyPr/>
+                    <a:lstStyle/>
+                    <a:p>
+                      <a:pPr algn="ctr" latinLnBrk="1"/>
+                      <a:r>
+                        <a:rPr lang="en-US" altLang="ko-KR" dirty="0"/>
+                        <a:t>Python</a:t>
+                      </a:r>
+                      <a:endParaRPr lang="ko-KR" altLang="en-US" dirty="0"/>
+                    </a:p>
+                  </a:txBody>
+                  <a:tcPr/>
+                </a:tc>
+                <a:tc>
+                  <a:txBody>
+                    <a:bodyPr/>
+                    <a:lstStyle/>
+                    <a:p>
+                      <a:pPr algn="ctr" latinLnBrk="1"/>
+                      <a:r>
+                        <a:rPr lang="ko-KR" altLang="en-US" dirty="0"/>
+                        <a:t>웹</a:t>
+                      </a:r>
+                      <a:r>
+                        <a:rPr lang="en-US" altLang="ko-KR" dirty="0"/>
+                        <a:t>, </a:t>
+                      </a:r>
+                      <a:r>
+                        <a:rPr lang="ko-KR" altLang="en-US" dirty="0"/>
+                        <a:t>모바일 앱</a:t>
+                      </a:r>
+                      <a:r>
+                        <a:rPr lang="en-US" altLang="ko-KR" dirty="0"/>
+                        <a:t>, </a:t>
+                      </a:r>
+                      <a:r>
+                        <a:rPr lang="ko-KR" altLang="en-US" dirty="0"/>
+                        <a:t>빅데이터</a:t>
+                      </a:r>
+                      <a:r>
+                        <a:rPr lang="en-US" altLang="ko-KR" dirty="0"/>
+                        <a:t>, </a:t>
+                      </a:r>
+                      <a:r>
+                        <a:rPr lang="ko-KR" altLang="en-US" dirty="0"/>
+                        <a:t>인공지능 등</a:t>
+                      </a:r>
+                    </a:p>
+                  </a:txBody>
+                  <a:tcPr/>
+                </a:tc>
+                <a:tc>
+                  <a:txBody>
+                    <a:bodyPr/>
+                    <a:lstStyle/>
+                    <a:p>
+                      <a:pPr algn="ctr" latinLnBrk="1"/>
+                      <a:r>
+                        <a:rPr lang="ko-KR" altLang="en-US" dirty="0"/>
+                        <a:t>추천</a:t>
+                      </a:r>
+                    </a:p>
+                  </a:txBody>
+                  <a:tcPr/>
+                </a:tc>
+                <a:extLst>
+                  <a:ext uri="{0D108BD9-81ED-4DB2-BD59-A6C34878D82A}">
+                    <a16:rowId xmlns:a16="http://schemas.microsoft.com/office/drawing/2014/main" val="4134312159"/>
+                  </a:ext>
+                </a:extLst>
+              </a:tr>
+              <a:tr h="736224">
+                <a:tc>
+                  <a:txBody>
+                    <a:bodyPr/>
+                    <a:lstStyle/>
+                    <a:p>
+                      <a:pPr algn="ctr" latinLnBrk="1"/>
+                      <a:r>
+                        <a:rPr lang="en-US" altLang="ko-KR" dirty="0"/>
+                        <a:t>4</a:t>
+                      </a:r>
+                      <a:endParaRPr lang="ko-KR" altLang="en-US" dirty="0"/>
+                    </a:p>
+                  </a:txBody>
+                  <a:tcPr/>
+                </a:tc>
+                <a:tc>
+                  <a:txBody>
+                    <a:bodyPr/>
+                    <a:lstStyle/>
+                    <a:p>
+                      <a:pPr algn="ctr" latinLnBrk="1"/>
+                      <a:r>
+                        <a:rPr lang="en-US" altLang="ko-KR" dirty="0"/>
+                        <a:t>C++</a:t>
+                      </a:r>
+                      <a:endParaRPr lang="ko-KR" altLang="en-US" dirty="0"/>
+                    </a:p>
+                  </a:txBody>
+                  <a:tcPr/>
+                </a:tc>
+                <a:tc>
+                  <a:txBody>
+                    <a:bodyPr/>
+                    <a:lstStyle/>
+                    <a:p>
+                      <a:pPr algn="ctr" latinLnBrk="1"/>
+                      <a:r>
+                        <a:rPr lang="ko-KR" altLang="en-US" dirty="0" err="1"/>
+                        <a:t>고사양</a:t>
+                      </a:r>
+                      <a:r>
+                        <a:rPr lang="ko-KR" altLang="en-US" dirty="0"/>
+                        <a:t> 게임</a:t>
+                      </a:r>
+                      <a:r>
+                        <a:rPr lang="en-US" altLang="ko-KR" dirty="0"/>
+                        <a:t>, </a:t>
+                      </a:r>
+                      <a:r>
+                        <a:rPr lang="ko-KR" altLang="en-US" dirty="0"/>
+                        <a:t>서버 프로그래밍</a:t>
+                      </a:r>
+                    </a:p>
+                  </a:txBody>
+                  <a:tcPr/>
+                </a:tc>
+                <a:tc>
+                  <a:txBody>
+                    <a:bodyPr/>
+                    <a:lstStyle/>
+                    <a:p>
+                      <a:pPr algn="ctr" latinLnBrk="1"/>
+                      <a:r>
+                        <a:rPr lang="ko-KR" altLang="en-US" dirty="0" err="1"/>
+                        <a:t>비추천</a:t>
+                      </a:r>
+                      <a:endParaRPr lang="ko-KR" altLang="en-US" dirty="0"/>
+                    </a:p>
+                  </a:txBody>
+                  <a:tcPr/>
+                </a:tc>
+                <a:extLst>
+                  <a:ext uri="{0D108BD9-81ED-4DB2-BD59-A6C34878D82A}">
+                    <a16:rowId xmlns:a16="http://schemas.microsoft.com/office/drawing/2014/main" val="2539715248"/>
+                  </a:ext>
+                </a:extLst>
+              </a:tr>
+              <a:tr h="736224">
+                <a:tc>
+                  <a:txBody>
+                    <a:bodyPr/>
+                    <a:lstStyle/>
+                    <a:p>
+                      <a:pPr algn="ctr" latinLnBrk="1"/>
+                      <a:r>
+                        <a:rPr lang="en-US" altLang="ko-KR" dirty="0"/>
+                        <a:t>5</a:t>
+                      </a:r>
+                      <a:endParaRPr lang="ko-KR" altLang="en-US" dirty="0"/>
+                    </a:p>
+                  </a:txBody>
+                  <a:tcPr/>
+                </a:tc>
+                <a:tc>
+                  <a:txBody>
+                    <a:bodyPr/>
+                    <a:lstStyle/>
+                    <a:p>
+                      <a:pPr algn="ctr" latinLnBrk="1"/>
+                      <a:r>
+                        <a:rPr lang="en-US" altLang="ko-KR" dirty="0"/>
+                        <a:t>C#</a:t>
+                      </a:r>
+                      <a:endParaRPr lang="ko-KR" altLang="en-US" dirty="0"/>
+                    </a:p>
+                  </a:txBody>
+                  <a:tcPr/>
+                </a:tc>
+                <a:tc>
+                  <a:txBody>
+                    <a:bodyPr/>
+                    <a:lstStyle/>
+                    <a:p>
+                      <a:pPr algn="ctr" latinLnBrk="1"/>
+                      <a:r>
+                        <a:rPr lang="ko-KR" altLang="en-US" dirty="0"/>
+                        <a:t>게임프로그래밍</a:t>
+                      </a:r>
+                      <a:r>
+                        <a:rPr lang="en-US" altLang="ko-KR" dirty="0"/>
+                        <a:t>, VR </a:t>
+                      </a:r>
+                      <a:r>
+                        <a:rPr lang="ko-KR" altLang="en-US" dirty="0"/>
+                        <a:t>및 </a:t>
+                      </a:r>
+                      <a:r>
+                        <a:rPr lang="en-US" altLang="ko-KR" dirty="0"/>
+                        <a:t>AR</a:t>
+                      </a:r>
+                      <a:endParaRPr lang="ko-KR" altLang="en-US" dirty="0"/>
+                    </a:p>
+                  </a:txBody>
+                  <a:tcPr/>
+                </a:tc>
+                <a:tc>
+                  <a:txBody>
+                    <a:bodyPr/>
+                    <a:lstStyle/>
+                    <a:p>
+                      <a:pPr algn="ctr" latinLnBrk="1"/>
+                      <a:r>
+                        <a:rPr lang="ko-KR" altLang="en-US" dirty="0" err="1"/>
+                        <a:t>비추천</a:t>
+                      </a:r>
+                      <a:endParaRPr lang="ko-KR" altLang="en-US" dirty="0"/>
+                    </a:p>
+                  </a:txBody>
+                  <a:tcPr/>
+                </a:tc>
+                <a:extLst>
+                  <a:ext uri="{0D108BD9-81ED-4DB2-BD59-A6C34878D82A}">
+                    <a16:rowId xmlns:a16="http://schemas.microsoft.com/office/drawing/2014/main" val="4137040561"/>
+                  </a:ext>
+                </a:extLst>
+              </a:tr>
+            </a:tbl>
+          </a:graphicData>
+        </a:graphic>
+      </p:graphicFrame>
+      <p:sp>
+        <p:nvSpPr>
+          <p:cNvPr id="10" name="TextBox 9">
+            <a:extLst>
+              <a:ext uri="{FF2B5EF4-FFF2-40B4-BE49-F238E27FC236}">
+                <a16:creationId xmlns:a16="http://schemas.microsoft.com/office/drawing/2014/main" id="{980EBCC9-9BB9-48BC-9AA7-C3826BD7E69B}"/>
+              </a:ext>
+            </a:extLst>
+          </p:cNvPr>
+          <p:cNvSpPr txBox="1"/>
+          <p:nvPr/>
+        </p:nvSpPr>
+        <p:spPr>
+          <a:xfrm>
+            <a:off x="7297271" y="1891552"/>
+            <a:ext cx="4599336" cy="2031325"/>
+          </a:xfrm>
+          <a:prstGeom prst="rect">
+            <a:avLst/>
+          </a:prstGeom>
+          <a:noFill/>
+        </p:spPr>
+        <p:txBody>
+          <a:bodyPr wrap="none" rtlCol="0">
+            <a:spAutoFit/>
+          </a:bodyPr>
+          <a:lstStyle/>
+          <a:p>
+            <a:r>
+              <a:rPr lang="ko-KR" altLang="en-US" dirty="0"/>
+              <a:t>이 언어들 중 </a:t>
+            </a:r>
+            <a:r>
+              <a:rPr lang="ko-KR" altLang="en-US" dirty="0" err="1"/>
+              <a:t>파이썬은</a:t>
+            </a:r>
+            <a:r>
+              <a:rPr lang="ko-KR" altLang="en-US" dirty="0"/>
+              <a:t> 작성 방법이</a:t>
+            </a:r>
+            <a:endParaRPr lang="en-US" altLang="ko-KR" dirty="0"/>
+          </a:p>
+          <a:p>
+            <a:r>
+              <a:rPr lang="ko-KR" altLang="en-US" dirty="0"/>
+              <a:t>간단해 비교적 학습이 쉽다</a:t>
             </a:r>
             <a:r>
               <a:rPr lang="en-US" altLang="ko-KR" dirty="0"/>
-              <a:t>1</a:t>
-            </a:r>
-            <a:endParaRPr lang="ko-KR" altLang="en-US" dirty="0"/>
-          </a:p>
-        </p:txBody>
-      </p:sp>
-      <p:sp>
-        <p:nvSpPr>
-          <p:cNvPr id="3" name="텍스트 개체 틀 2">
-            <a:extLst>
-              <a:ext uri="{FF2B5EF4-FFF2-40B4-BE49-F238E27FC236}">
-                <a16:creationId xmlns:a16="http://schemas.microsoft.com/office/drawing/2014/main" id="{858429BF-343D-4DA6-89B0-78DBE6F70199}"/>
-              </a:ext>
-            </a:extLst>
-          </p:cNvPr>
-          <p:cNvSpPr>
-            <a:spLocks noGrp="1"/>
-          </p:cNvSpPr>
-          <p:nvPr>
-            <p:ph type="body" idx="1"/>
-          </p:nvPr>
-        </p:nvSpPr>
-        <p:spPr/>
-        <p:txBody>
-          <a:bodyPr/>
-          <a:lstStyle/>
-          <a:p>
-            <a:r>
-              <a:rPr lang="ko-KR" altLang="en-US" dirty="0"/>
-              <a:t>본격적인 소프트웨어를 개발하기 위해서 </a:t>
+              <a:t>.</a:t>
+            </a:r>
+          </a:p>
+          <a:p>
+            <a:endParaRPr lang="en-US" altLang="ko-KR" dirty="0"/>
+          </a:p>
+          <a:p>
+            <a:r>
+              <a:rPr lang="ko-KR" altLang="en-US" dirty="0" err="1"/>
+              <a:t>파이썬은</a:t>
+            </a:r>
+            <a:r>
+              <a:rPr lang="ko-KR" altLang="en-US" dirty="0"/>
+              <a:t> 코드를 작성한 후 즉시 실행해서 </a:t>
+            </a:r>
+            <a:endParaRPr lang="en-US" altLang="ko-KR" dirty="0"/>
+          </a:p>
+          <a:p>
+            <a:r>
+              <a:rPr lang="ko-KR" altLang="en-US" dirty="0"/>
+              <a:t>그 동작을 확인할 수 있기 때문에</a:t>
+            </a:r>
+            <a:endParaRPr lang="en-US" altLang="ko-KR" dirty="0"/>
+          </a:p>
+          <a:p>
+            <a:r>
+              <a:rPr lang="ko-KR" altLang="en-US" dirty="0"/>
+              <a:t>학습하기 좋은 프로그래밍 언어라고 </a:t>
+            </a:r>
+            <a:endParaRPr lang="en-US" altLang="ko-KR" dirty="0"/>
+          </a:p>
+          <a:p>
+            <a:r>
+              <a:rPr lang="ko-KR" altLang="en-US" dirty="0"/>
+              <a:t>할 수 있다</a:t>
             </a:r>
             <a:r>
               <a:rPr lang="en-US" altLang="ko-KR" dirty="0"/>
-              <a:t>GUI(Graphic User Interface)</a:t>
-            </a:r>
-            <a:r>
-              <a:rPr lang="ko-KR" altLang="en-US" dirty="0"/>
-              <a:t>에 대해 반드시 알고 있어야 한다</a:t>
+              <a:t>.</a:t>
+            </a:r>
+            <a:r>
+              <a:rPr lang="ko-KR" altLang="en-US" dirty="0"/>
+              <a:t> </a:t>
+            </a:r>
+          </a:p>
+        </p:txBody>
+      </p:sp>
+      <p:sp>
+        <p:nvSpPr>
+          <p:cNvPr id="11" name="TextBox 10">
+            <a:extLst>
+              <a:ext uri="{FF2B5EF4-FFF2-40B4-BE49-F238E27FC236}">
+                <a16:creationId xmlns:a16="http://schemas.microsoft.com/office/drawing/2014/main" id="{0BF1CE6C-793F-4DAB-A910-3F91D7517CC4}"/>
+              </a:ext>
+            </a:extLst>
+          </p:cNvPr>
+          <p:cNvSpPr txBox="1"/>
+          <p:nvPr/>
+        </p:nvSpPr>
+        <p:spPr>
+          <a:xfrm>
+            <a:off x="7297271" y="4127430"/>
+            <a:ext cx="4830168" cy="2031325"/>
+          </a:xfrm>
+          <a:prstGeom prst="rect">
+            <a:avLst/>
+          </a:prstGeom>
+          <a:noFill/>
+        </p:spPr>
+        <p:txBody>
+          <a:bodyPr wrap="none" rtlCol="0">
+            <a:spAutoFit/>
+          </a:bodyPr>
+          <a:lstStyle/>
+          <a:p>
+            <a:r>
+              <a:rPr lang="ko-KR" altLang="en-US" dirty="0" err="1"/>
+              <a:t>파이썬은</a:t>
+            </a:r>
+            <a:r>
+              <a:rPr lang="ko-KR" altLang="en-US" dirty="0"/>
+              <a:t> 다양한 분야의 프로그램을 개발할</a:t>
+            </a:r>
+            <a:endParaRPr lang="en-US" altLang="ko-KR" dirty="0"/>
+          </a:p>
+          <a:p>
+            <a:r>
+              <a:rPr lang="ko-KR" altLang="en-US" dirty="0"/>
+              <a:t>수 있는 기능을 제공한다</a:t>
             </a:r>
             <a:r>
               <a:rPr lang="en-US" altLang="ko-KR" dirty="0"/>
-              <a:t>. </a:t>
-            </a:r>
-            <a:r>
-              <a:rPr lang="ko-KR" altLang="en-US" dirty="0"/>
-              <a:t>이번 강의에서 </a:t>
+              <a:t>.</a:t>
+            </a:r>
+          </a:p>
+          <a:p>
+            <a:r>
+              <a:rPr lang="ko-KR" altLang="en-US" dirty="0" err="1"/>
+              <a:t>예를들어</a:t>
             </a:r>
             <a:r>
               <a:rPr lang="en-US" altLang="ko-KR" dirty="0"/>
-              <a:t>GUI</a:t>
-            </a:r>
-            <a:r>
-              <a:rPr lang="ko-KR" altLang="en-US" dirty="0"/>
-              <a:t>나 그래픽을 사용한 프로그램을 만들면서 프로그래밍 지식을 늘려간다</a:t>
+              <a:t>, </a:t>
+            </a:r>
+            <a:r>
+              <a:rPr lang="ko-KR" altLang="en-US" dirty="0"/>
+              <a:t>캘린더 모듈</a:t>
+            </a:r>
+            <a:r>
+              <a:rPr lang="en-US" altLang="ko-KR" dirty="0"/>
+              <a:t>, GUI</a:t>
+            </a:r>
+            <a:r>
+              <a:rPr lang="ko-KR" altLang="en-US" dirty="0"/>
+              <a:t>모듈</a:t>
+            </a:r>
+            <a:r>
+              <a:rPr lang="en-US" altLang="ko-KR" dirty="0"/>
+              <a:t>, </a:t>
+            </a:r>
+            <a:r>
+              <a:rPr lang="ko-KR" altLang="en-US" dirty="0"/>
+              <a:t>수학계산</a:t>
+            </a:r>
+            <a:endParaRPr lang="en-US" altLang="ko-KR" dirty="0"/>
+          </a:p>
+          <a:p>
+            <a:r>
+              <a:rPr lang="ko-KR" altLang="en-US" dirty="0"/>
+              <a:t>모듈이 그것이다</a:t>
+            </a:r>
+            <a:r>
+              <a:rPr lang="en-US" altLang="ko-KR" dirty="0"/>
+              <a:t>.</a:t>
+            </a:r>
+          </a:p>
+          <a:p>
+            <a:endParaRPr lang="en-US" altLang="ko-KR" dirty="0"/>
+          </a:p>
+          <a:p>
+            <a:r>
+              <a:rPr lang="ko-KR" altLang="en-US" dirty="0"/>
+              <a:t>이 외에도 수많은 기능을 가진 모듈이 </a:t>
+            </a:r>
+            <a:r>
+              <a:rPr lang="ko-KR" altLang="en-US" dirty="0" err="1"/>
+              <a:t>개발되</a:t>
+            </a:r>
+            <a:endParaRPr lang="en-US" altLang="ko-KR" dirty="0"/>
+          </a:p>
+          <a:p>
+            <a:r>
+              <a:rPr lang="ko-KR" altLang="en-US" dirty="0"/>
+              <a:t>고 있으며 이를 확장해서 이용할 수 있다</a:t>
             </a:r>
             <a:r>
               <a:rPr lang="en-US" altLang="ko-KR" dirty="0"/>
@@ -3520,7 +4211,7 @@
     </p:spTree>
     <p:extLst>
       <p:ext uri="{BB962C8B-B14F-4D97-AF65-F5344CB8AC3E}">
-        <p14:creationId xmlns:p14="http://schemas.microsoft.com/office/powerpoint/2010/main" val="2737484897"/>
+        <p14:creationId xmlns:p14="http://schemas.microsoft.com/office/powerpoint/2010/main" val="1516088044"/>
       </p:ext>
     </p:extLst>
   </p:cSld>
@@ -3552,7 +4243,7 @@
           <p:cNvPr id="2" name="제목 1">
             <a:extLst>
               <a:ext uri="{FF2B5EF4-FFF2-40B4-BE49-F238E27FC236}">
-                <a16:creationId xmlns:a16="http://schemas.microsoft.com/office/drawing/2014/main" id="{D86BD4B2-8B17-47A2-8E69-139A20B22C11}"/>
+                <a16:creationId xmlns:a16="http://schemas.microsoft.com/office/drawing/2014/main" id="{E4A34513-CAA4-4B69-92C5-DDA8D67DCC64}"/>
               </a:ext>
             </a:extLst>
           </p:cNvPr>
@@ -3569,74 +4260,260 @@
           <a:lstStyle/>
           <a:p>
             <a:r>
-              <a:rPr lang="en-US" altLang="ko-KR" dirty="0"/>
-              <a:t>GUI</a:t>
-            </a:r>
-            <a:r>
-              <a:rPr lang="ko-KR" altLang="en-US" dirty="0"/>
-              <a:t>기초</a:t>
-            </a:r>
-            <a:r>
-              <a:rPr lang="en-US" altLang="ko-KR" dirty="0"/>
-              <a:t>2</a:t>
-            </a:r>
-            <a:endParaRPr lang="ko-KR" altLang="en-US" dirty="0"/>
-          </a:p>
-        </p:txBody>
-      </p:sp>
-      <p:sp>
-        <p:nvSpPr>
-          <p:cNvPr id="3" name="텍스트 개체 틀 2">
-            <a:extLst>
-              <a:ext uri="{FF2B5EF4-FFF2-40B4-BE49-F238E27FC236}">
-                <a16:creationId xmlns:a16="http://schemas.microsoft.com/office/drawing/2014/main" id="{182D863E-2508-4F41-8291-36C7A05B6CD8}"/>
-              </a:ext>
-            </a:extLst>
-          </p:cNvPr>
-          <p:cNvSpPr>
-            <a:spLocks noGrp="1"/>
-          </p:cNvSpPr>
-          <p:nvPr>
-            <p:ph type="body" idx="1"/>
-          </p:nvPr>
-        </p:nvSpPr>
-        <p:spPr/>
-        <p:txBody>
-          <a:bodyPr/>
-          <a:lstStyle/>
-          <a:p>
-            <a:r>
-              <a:rPr lang="ko-KR" altLang="en-US" dirty="0"/>
-              <a:t>앞에서 공부한 텍스트 입력 필드 등 </a:t>
-            </a:r>
-            <a:r>
-              <a:rPr lang="en-US" altLang="ko-KR" dirty="0"/>
-              <a:t>GUI</a:t>
-            </a:r>
-            <a:r>
-              <a:rPr lang="ko-KR" altLang="en-US" dirty="0"/>
-              <a:t> 사용 방법에 대해 설명한다</a:t>
-            </a:r>
-            <a:r>
-              <a:rPr lang="en-US" altLang="ko-KR" dirty="0"/>
-              <a:t>. GUI</a:t>
-            </a:r>
-            <a:r>
-              <a:rPr lang="ko-KR" altLang="en-US" dirty="0"/>
-              <a:t>를 통해 진단 게임을 만들면서 게임개발 기초지식을 익힌다</a:t>
-            </a:r>
-            <a:r>
-              <a:rPr lang="en-US" altLang="ko-KR" dirty="0"/>
-              <a:t>.</a:t>
-            </a:r>
-            <a:endParaRPr lang="ko-KR" altLang="en-US" dirty="0"/>
+              <a:rPr lang="ko-KR" altLang="en-US" dirty="0"/>
+              <a:t>파이썬 설치하기</a:t>
+            </a:r>
+          </a:p>
+        </p:txBody>
+      </p:sp>
+      <p:pic>
+        <p:nvPicPr>
+          <p:cNvPr id="5" name="그림 4">
+            <a:extLst>
+              <a:ext uri="{FF2B5EF4-FFF2-40B4-BE49-F238E27FC236}">
+                <a16:creationId xmlns:a16="http://schemas.microsoft.com/office/drawing/2014/main" id="{74EACA2C-48A8-429B-B4C4-AAF85F206BAD}"/>
+              </a:ext>
+            </a:extLst>
+          </p:cNvPr>
+          <p:cNvPicPr>
+            <a:picLocks noChangeAspect="1"/>
+          </p:cNvPicPr>
+          <p:nvPr/>
+        </p:nvPicPr>
+        <p:blipFill>
+          <a:blip r:embed="rId2"/>
+          <a:stretch>
+            <a:fillRect/>
+          </a:stretch>
+        </p:blipFill>
+        <p:spPr>
+          <a:xfrm>
+            <a:off x="838200" y="1549400"/>
+            <a:ext cx="8341528" cy="4474882"/>
+          </a:xfrm>
+          <a:prstGeom prst="rect">
+            <a:avLst/>
+          </a:prstGeom>
+        </p:spPr>
+      </p:pic>
+      <p:sp>
+        <p:nvSpPr>
+          <p:cNvPr id="6" name="직사각형 5">
+            <a:extLst>
+              <a:ext uri="{FF2B5EF4-FFF2-40B4-BE49-F238E27FC236}">
+                <a16:creationId xmlns:a16="http://schemas.microsoft.com/office/drawing/2014/main" id="{665926A0-6B72-4E14-8FB8-D609F5ACD83E}"/>
+              </a:ext>
+            </a:extLst>
+          </p:cNvPr>
+          <p:cNvSpPr/>
+          <p:nvPr/>
+        </p:nvSpPr>
+        <p:spPr>
+          <a:xfrm>
+            <a:off x="3043516" y="2839104"/>
+            <a:ext cx="721659" cy="316472"/>
+          </a:xfrm>
+          <a:prstGeom prst="rect">
+            <a:avLst/>
+          </a:prstGeom>
+          <a:noFill/>
+          <a:ln>
+            <a:solidFill>
+              <a:srgbClr val="FF0000"/>
+            </a:solidFill>
+          </a:ln>
+        </p:spPr>
+        <p:style>
+          <a:lnRef idx="2">
+            <a:schemeClr val="accent1">
+              <a:shade val="50000"/>
+            </a:schemeClr>
+          </a:lnRef>
+          <a:fillRef idx="1">
+            <a:schemeClr val="accent1"/>
+          </a:fillRef>
+          <a:effectRef idx="0">
+            <a:schemeClr val="accent1"/>
+          </a:effectRef>
+          <a:fontRef idx="minor">
+            <a:schemeClr val="lt1"/>
+          </a:fontRef>
+        </p:style>
+        <p:txBody>
+          <a:bodyPr rtlCol="0" anchor="ctr"/>
+          <a:lstStyle/>
+          <a:p>
+            <a:pPr algn="ctr"/>
+            <a:endParaRPr lang="ko-KR" altLang="en-US"/>
+          </a:p>
+        </p:txBody>
+      </p:sp>
+      <p:pic>
+        <p:nvPicPr>
+          <p:cNvPr id="8" name="그림 7">
+            <a:extLst>
+              <a:ext uri="{FF2B5EF4-FFF2-40B4-BE49-F238E27FC236}">
+                <a16:creationId xmlns:a16="http://schemas.microsoft.com/office/drawing/2014/main" id="{FF6E8D0E-FD9C-489A-962F-C9F75A94CA0F}"/>
+              </a:ext>
+            </a:extLst>
+          </p:cNvPr>
+          <p:cNvPicPr>
+            <a:picLocks noChangeAspect="1"/>
+          </p:cNvPicPr>
+          <p:nvPr/>
+        </p:nvPicPr>
+        <p:blipFill rotWithShape="1">
+          <a:blip r:embed="rId3"/>
+          <a:srcRect l="7352" t="6031" r="34707" b="23243"/>
+          <a:stretch/>
+        </p:blipFill>
+        <p:spPr>
+          <a:xfrm>
+            <a:off x="5970491" y="94970"/>
+            <a:ext cx="4873742" cy="3191435"/>
+          </a:xfrm>
+          <a:prstGeom prst="rect">
+            <a:avLst/>
+          </a:prstGeom>
+        </p:spPr>
+      </p:pic>
+      <p:sp>
+        <p:nvSpPr>
+          <p:cNvPr id="9" name="직사각형 8">
+            <a:extLst>
+              <a:ext uri="{FF2B5EF4-FFF2-40B4-BE49-F238E27FC236}">
+                <a16:creationId xmlns:a16="http://schemas.microsoft.com/office/drawing/2014/main" id="{40998474-9AB6-4193-BE5E-87B4A5531E50}"/>
+              </a:ext>
+            </a:extLst>
+          </p:cNvPr>
+          <p:cNvSpPr/>
+          <p:nvPr/>
+        </p:nvSpPr>
+        <p:spPr>
+          <a:xfrm>
+            <a:off x="8606759" y="2059733"/>
+            <a:ext cx="567084" cy="195824"/>
+          </a:xfrm>
+          <a:prstGeom prst="rect">
+            <a:avLst/>
+          </a:prstGeom>
+          <a:noFill/>
+          <a:ln>
+            <a:solidFill>
+              <a:srgbClr val="FF0000"/>
+            </a:solidFill>
+          </a:ln>
+        </p:spPr>
+        <p:style>
+          <a:lnRef idx="2">
+            <a:schemeClr val="accent1">
+              <a:shade val="50000"/>
+            </a:schemeClr>
+          </a:lnRef>
+          <a:fillRef idx="1">
+            <a:schemeClr val="accent1"/>
+          </a:fillRef>
+          <a:effectRef idx="0">
+            <a:schemeClr val="accent1"/>
+          </a:effectRef>
+          <a:fontRef idx="minor">
+            <a:schemeClr val="lt1"/>
+          </a:fontRef>
+        </p:style>
+        <p:txBody>
+          <a:bodyPr rtlCol="0" anchor="ctr"/>
+          <a:lstStyle/>
+          <a:p>
+            <a:pPr algn="ctr"/>
+            <a:endParaRPr lang="ko-KR" altLang="en-US"/>
+          </a:p>
+        </p:txBody>
+      </p:sp>
+      <p:pic>
+        <p:nvPicPr>
+          <p:cNvPr id="11" name="그림 10">
+            <a:extLst>
+              <a:ext uri="{FF2B5EF4-FFF2-40B4-BE49-F238E27FC236}">
+                <a16:creationId xmlns:a16="http://schemas.microsoft.com/office/drawing/2014/main" id="{1739E6EE-F743-4EE3-A0BD-7AACAC648C1C}"/>
+              </a:ext>
+            </a:extLst>
+          </p:cNvPr>
+          <p:cNvPicPr>
+            <a:picLocks noChangeAspect="1"/>
+          </p:cNvPicPr>
+          <p:nvPr/>
+        </p:nvPicPr>
+        <p:blipFill rotWithShape="1">
+          <a:blip r:embed="rId4"/>
+          <a:srcRect l="4118" t="16350" r="40809" b="29943"/>
+          <a:stretch/>
+        </p:blipFill>
+        <p:spPr>
+          <a:xfrm>
+            <a:off x="6490080" y="3672494"/>
+            <a:ext cx="5095275" cy="2665553"/>
+          </a:xfrm>
+          <a:prstGeom prst="rect">
+            <a:avLst/>
+          </a:prstGeom>
+        </p:spPr>
+      </p:pic>
+      <p:sp>
+        <p:nvSpPr>
+          <p:cNvPr id="12" name="직사각형 11">
+            <a:extLst>
+              <a:ext uri="{FF2B5EF4-FFF2-40B4-BE49-F238E27FC236}">
+                <a16:creationId xmlns:a16="http://schemas.microsoft.com/office/drawing/2014/main" id="{9834CC93-D534-471B-A01D-ACE203133546}"/>
+              </a:ext>
+            </a:extLst>
+          </p:cNvPr>
+          <p:cNvSpPr/>
+          <p:nvPr/>
+        </p:nvSpPr>
+        <p:spPr>
+          <a:xfrm>
+            <a:off x="7088775" y="5691653"/>
+            <a:ext cx="1759390" cy="216088"/>
+          </a:xfrm>
+          <a:prstGeom prst="rect">
+            <a:avLst/>
+          </a:prstGeom>
+          <a:noFill/>
+          <a:ln>
+            <a:solidFill>
+              <a:srgbClr val="FF0000"/>
+            </a:solidFill>
+          </a:ln>
+        </p:spPr>
+        <p:style>
+          <a:lnRef idx="2">
+            <a:schemeClr val="accent1">
+              <a:shade val="50000"/>
+            </a:schemeClr>
+          </a:lnRef>
+          <a:fillRef idx="1">
+            <a:schemeClr val="accent1"/>
+          </a:fillRef>
+          <a:effectRef idx="0">
+            <a:schemeClr val="accent1"/>
+          </a:effectRef>
+          <a:fontRef idx="minor">
+            <a:schemeClr val="lt1"/>
+          </a:fontRef>
+        </p:style>
+        <p:txBody>
+          <a:bodyPr rtlCol="0" anchor="ctr"/>
+          <a:lstStyle/>
+          <a:p>
+            <a:pPr algn="ctr"/>
+            <a:endParaRPr lang="ko-KR" altLang="en-US"/>
           </a:p>
         </p:txBody>
       </p:sp>
     </p:spTree>
     <p:extLst>
       <p:ext uri="{BB962C8B-B14F-4D97-AF65-F5344CB8AC3E}">
-        <p14:creationId xmlns:p14="http://schemas.microsoft.com/office/powerpoint/2010/main" val="925012681"/>
+        <p14:creationId xmlns:p14="http://schemas.microsoft.com/office/powerpoint/2010/main" val="712356154"/>
       </p:ext>
     </p:extLst>
   </p:cSld>
@@ -3668,7 +4545,7 @@
           <p:cNvPr id="2" name="제목 1">
             <a:extLst>
               <a:ext uri="{FF2B5EF4-FFF2-40B4-BE49-F238E27FC236}">
-                <a16:creationId xmlns:a16="http://schemas.microsoft.com/office/drawing/2014/main" id="{FB8EC036-C414-4E37-AFD3-A8F00E17AD55}"/>
+                <a16:creationId xmlns:a16="http://schemas.microsoft.com/office/drawing/2014/main" id="{1E7592E4-CAA4-4848-870B-F8E19AC8BCEB}"/>
               </a:ext>
             </a:extLst>
           </p:cNvPr>
@@ -3686,64 +4563,1220 @@
           <a:p>
             <a:r>
               <a:rPr lang="ko-KR" altLang="en-US" dirty="0"/>
-              <a:t>기본적인 게임 개발 기술</a:t>
-            </a:r>
-          </a:p>
-        </p:txBody>
-      </p:sp>
-      <p:sp>
-        <p:nvSpPr>
-          <p:cNvPr id="3" name="텍스트 개체 틀 2">
-            <a:extLst>
-              <a:ext uri="{FF2B5EF4-FFF2-40B4-BE49-F238E27FC236}">
-                <a16:creationId xmlns:a16="http://schemas.microsoft.com/office/drawing/2014/main" id="{6DE14B70-9911-49DA-973A-10F63208916A}"/>
-              </a:ext>
-            </a:extLst>
-          </p:cNvPr>
-          <p:cNvSpPr>
-            <a:spLocks noGrp="1"/>
-          </p:cNvSpPr>
-          <p:nvPr>
-            <p:ph type="body" idx="1"/>
-          </p:nvPr>
-        </p:nvSpPr>
-        <p:spPr/>
-        <p:txBody>
-          <a:bodyPr/>
-          <a:lstStyle/>
-          <a:p>
-            <a:r>
-              <a:rPr lang="ko-KR" altLang="en-US" dirty="0"/>
-              <a:t>게임소프트웨어는 항상 키 입력을 받아 화면을 계속해서 변경하며 움직인다</a:t>
-            </a:r>
-            <a:r>
-              <a:rPr lang="en-US" altLang="ko-KR" dirty="0"/>
-              <a:t>. </a:t>
-            </a:r>
-            <a:r>
-              <a:rPr lang="ko-KR" altLang="en-US" dirty="0"/>
-              <a:t>이를 실시간 처리라고 하는데 </a:t>
-            </a:r>
-            <a:r>
-              <a:rPr lang="ko-KR" altLang="en-US" dirty="0" err="1"/>
-              <a:t>파이썬에서</a:t>
-            </a:r>
-            <a:r>
-              <a:rPr lang="ko-KR" altLang="en-US" dirty="0"/>
-              <a:t> 실시간 처리를 수행하는 방법을 학습하고 캐릭터를 움직여 미로를 탈출하는 게임을 만들어 보자</a:t>
-            </a:r>
-            <a:r>
-              <a:rPr lang="en-US" altLang="ko-KR" dirty="0"/>
-              <a:t>.</a:t>
-            </a:r>
-            <a:endParaRPr lang="ko-KR" altLang="en-US" dirty="0"/>
+              <a:t>파이썬 설치하기</a:t>
+            </a:r>
+          </a:p>
+        </p:txBody>
+      </p:sp>
+      <p:pic>
+        <p:nvPicPr>
+          <p:cNvPr id="5" name="그림 4">
+            <a:extLst>
+              <a:ext uri="{FF2B5EF4-FFF2-40B4-BE49-F238E27FC236}">
+                <a16:creationId xmlns:a16="http://schemas.microsoft.com/office/drawing/2014/main" id="{B1CB3475-FC5E-451A-8227-67170527D656}"/>
+              </a:ext>
+            </a:extLst>
+          </p:cNvPr>
+          <p:cNvPicPr>
+            <a:picLocks noChangeAspect="1"/>
+          </p:cNvPicPr>
+          <p:nvPr/>
+        </p:nvPicPr>
+        <p:blipFill rotWithShape="1">
+          <a:blip r:embed="rId2"/>
+          <a:srcRect l="2266" t="15595" r="8125" b="4843"/>
+          <a:stretch/>
+        </p:blipFill>
+        <p:spPr>
+          <a:xfrm>
+            <a:off x="838200" y="1851625"/>
+            <a:ext cx="9744076" cy="4641250"/>
+          </a:xfrm>
+          <a:prstGeom prst="rect">
+            <a:avLst/>
+          </a:prstGeom>
+        </p:spPr>
+      </p:pic>
+      <p:sp>
+        <p:nvSpPr>
+          <p:cNvPr id="6" name="직사각형 5">
+            <a:extLst>
+              <a:ext uri="{FF2B5EF4-FFF2-40B4-BE49-F238E27FC236}">
+                <a16:creationId xmlns:a16="http://schemas.microsoft.com/office/drawing/2014/main" id="{294BE2F5-C7DF-4B01-AE09-6BC0349B92BD}"/>
+              </a:ext>
+            </a:extLst>
+          </p:cNvPr>
+          <p:cNvSpPr/>
+          <p:nvPr/>
+        </p:nvSpPr>
+        <p:spPr>
+          <a:xfrm>
+            <a:off x="1704975" y="5803057"/>
+            <a:ext cx="4563743" cy="226267"/>
+          </a:xfrm>
+          <a:prstGeom prst="rect">
+            <a:avLst/>
+          </a:prstGeom>
+          <a:noFill/>
+          <a:ln>
+            <a:solidFill>
+              <a:srgbClr val="FF0000"/>
+            </a:solidFill>
+          </a:ln>
+        </p:spPr>
+        <p:style>
+          <a:lnRef idx="2">
+            <a:schemeClr val="accent1">
+              <a:shade val="50000"/>
+            </a:schemeClr>
+          </a:lnRef>
+          <a:fillRef idx="1">
+            <a:schemeClr val="accent1"/>
+          </a:fillRef>
+          <a:effectRef idx="0">
+            <a:schemeClr val="accent1"/>
+          </a:effectRef>
+          <a:fontRef idx="minor">
+            <a:schemeClr val="lt1"/>
+          </a:fontRef>
+        </p:style>
+        <p:txBody>
+          <a:bodyPr rtlCol="0" anchor="ctr"/>
+          <a:lstStyle/>
+          <a:p>
+            <a:pPr algn="ctr"/>
+            <a:endParaRPr lang="ko-KR" altLang="en-US"/>
           </a:p>
         </p:txBody>
       </p:sp>
     </p:spTree>
     <p:extLst>
       <p:ext uri="{BB962C8B-B14F-4D97-AF65-F5344CB8AC3E}">
-        <p14:creationId xmlns:p14="http://schemas.microsoft.com/office/powerpoint/2010/main" val="1342480703"/>
+        <p14:creationId xmlns:p14="http://schemas.microsoft.com/office/powerpoint/2010/main" val="924973173"/>
+      </p:ext>
+    </p:extLst>
+  </p:cSld>
+  <p:clrMapOvr>
+    <a:masterClrMapping/>
+  </p:clrMapOvr>
+</p:sld>
+</file>
+
+<file path=ppt/slides/slide13.xml><?xml version="1.0" encoding="utf-8"?>
+<p:sld xmlns:a="http://schemas.openxmlformats.org/drawingml/2006/main" xmlns:r="http://schemas.openxmlformats.org/officeDocument/2006/relationships" xmlns:p="http://schemas.openxmlformats.org/presentationml/2006/main">
+  <p:cSld>
+    <p:spTree>
+      <p:nvGrpSpPr>
+        <p:cNvPr id="1" name=""/>
+        <p:cNvGrpSpPr/>
+        <p:nvPr/>
+      </p:nvGrpSpPr>
+      <p:grpSpPr>
+        <a:xfrm>
+          <a:off x="0" y="0"/>
+          <a:ext cx="0" cy="0"/>
+          <a:chOff x="0" y="0"/>
+          <a:chExt cx="0" cy="0"/>
+        </a:xfrm>
+      </p:grpSpPr>
+      <p:sp>
+        <p:nvSpPr>
+          <p:cNvPr id="2" name="제목 1">
+            <a:extLst>
+              <a:ext uri="{FF2B5EF4-FFF2-40B4-BE49-F238E27FC236}">
+                <a16:creationId xmlns:a16="http://schemas.microsoft.com/office/drawing/2014/main" id="{3262FCE7-88C2-450E-8783-589545176739}"/>
+              </a:ext>
+            </a:extLst>
+          </p:cNvPr>
+          <p:cNvSpPr>
+            <a:spLocks noGrp="1"/>
+          </p:cNvSpPr>
+          <p:nvPr>
+            <p:ph type="title"/>
+          </p:nvPr>
+        </p:nvSpPr>
+        <p:spPr/>
+        <p:txBody>
+          <a:bodyPr/>
+          <a:lstStyle/>
+          <a:p>
+            <a:r>
+              <a:rPr lang="ko-KR" altLang="en-US" dirty="0"/>
+              <a:t>파이썬 설치</a:t>
+            </a:r>
+          </a:p>
+        </p:txBody>
+      </p:sp>
+      <p:pic>
+        <p:nvPicPr>
+          <p:cNvPr id="7" name="그림 6">
+            <a:extLst>
+              <a:ext uri="{FF2B5EF4-FFF2-40B4-BE49-F238E27FC236}">
+                <a16:creationId xmlns:a16="http://schemas.microsoft.com/office/drawing/2014/main" id="{DC489FF8-73E4-4463-8F39-EBD979153B7E}"/>
+              </a:ext>
+            </a:extLst>
+          </p:cNvPr>
+          <p:cNvPicPr>
+            <a:picLocks noChangeAspect="1"/>
+          </p:cNvPicPr>
+          <p:nvPr/>
+        </p:nvPicPr>
+        <p:blipFill>
+          <a:blip r:embed="rId2"/>
+          <a:stretch>
+            <a:fillRect/>
+          </a:stretch>
+        </p:blipFill>
+        <p:spPr>
+          <a:xfrm>
+            <a:off x="838200" y="1819275"/>
+            <a:ext cx="6206728" cy="3819525"/>
+          </a:xfrm>
+          <a:prstGeom prst="rect">
+            <a:avLst/>
+          </a:prstGeom>
+        </p:spPr>
+      </p:pic>
+      <p:sp>
+        <p:nvSpPr>
+          <p:cNvPr id="8" name="직사각형 7">
+            <a:extLst>
+              <a:ext uri="{FF2B5EF4-FFF2-40B4-BE49-F238E27FC236}">
+                <a16:creationId xmlns:a16="http://schemas.microsoft.com/office/drawing/2014/main" id="{560CACEB-AC10-4C81-BAB9-66B31F339B60}"/>
+              </a:ext>
+            </a:extLst>
+          </p:cNvPr>
+          <p:cNvSpPr/>
+          <p:nvPr/>
+        </p:nvSpPr>
+        <p:spPr>
+          <a:xfrm>
+            <a:off x="2266950" y="5298232"/>
+            <a:ext cx="2152650" cy="245318"/>
+          </a:xfrm>
+          <a:prstGeom prst="rect">
+            <a:avLst/>
+          </a:prstGeom>
+          <a:noFill/>
+          <a:ln>
+            <a:solidFill>
+              <a:srgbClr val="FF0000"/>
+            </a:solidFill>
+          </a:ln>
+        </p:spPr>
+        <p:style>
+          <a:lnRef idx="2">
+            <a:schemeClr val="accent1">
+              <a:shade val="50000"/>
+            </a:schemeClr>
+          </a:lnRef>
+          <a:fillRef idx="1">
+            <a:schemeClr val="accent1"/>
+          </a:fillRef>
+          <a:effectRef idx="0">
+            <a:schemeClr val="accent1"/>
+          </a:effectRef>
+          <a:fontRef idx="minor">
+            <a:schemeClr val="lt1"/>
+          </a:fontRef>
+        </p:style>
+        <p:txBody>
+          <a:bodyPr rtlCol="0" anchor="ctr"/>
+          <a:lstStyle/>
+          <a:p>
+            <a:pPr algn="ctr"/>
+            <a:endParaRPr lang="ko-KR" altLang="en-US"/>
+          </a:p>
+        </p:txBody>
+      </p:sp>
+      <p:pic>
+        <p:nvPicPr>
+          <p:cNvPr id="10" name="그림 9">
+            <a:extLst>
+              <a:ext uri="{FF2B5EF4-FFF2-40B4-BE49-F238E27FC236}">
+                <a16:creationId xmlns:a16="http://schemas.microsoft.com/office/drawing/2014/main" id="{78C2EE15-690C-477C-9F0C-433814E6E38A}"/>
+              </a:ext>
+            </a:extLst>
+          </p:cNvPr>
+          <p:cNvPicPr>
+            <a:picLocks noChangeAspect="1"/>
+          </p:cNvPicPr>
+          <p:nvPr/>
+        </p:nvPicPr>
+        <p:blipFill>
+          <a:blip r:embed="rId3"/>
+          <a:stretch>
+            <a:fillRect/>
+          </a:stretch>
+        </p:blipFill>
+        <p:spPr>
+          <a:xfrm>
+            <a:off x="6153150" y="1690688"/>
+            <a:ext cx="5200650" cy="3200400"/>
+          </a:xfrm>
+          <a:prstGeom prst="rect">
+            <a:avLst/>
+          </a:prstGeom>
+        </p:spPr>
+      </p:pic>
+      <p:sp>
+        <p:nvSpPr>
+          <p:cNvPr id="11" name="직사각형 10">
+            <a:extLst>
+              <a:ext uri="{FF2B5EF4-FFF2-40B4-BE49-F238E27FC236}">
+                <a16:creationId xmlns:a16="http://schemas.microsoft.com/office/drawing/2014/main" id="{E49E27AB-BA11-4FC4-A600-413B500ED43F}"/>
+              </a:ext>
+            </a:extLst>
+          </p:cNvPr>
+          <p:cNvSpPr/>
+          <p:nvPr/>
+        </p:nvSpPr>
+        <p:spPr>
+          <a:xfrm>
+            <a:off x="10344149" y="4507656"/>
+            <a:ext cx="1304925" cy="383431"/>
+          </a:xfrm>
+          <a:prstGeom prst="rect">
+            <a:avLst/>
+          </a:prstGeom>
+          <a:noFill/>
+          <a:ln>
+            <a:solidFill>
+              <a:srgbClr val="FF0000"/>
+            </a:solidFill>
+          </a:ln>
+        </p:spPr>
+        <p:style>
+          <a:lnRef idx="2">
+            <a:schemeClr val="accent1">
+              <a:shade val="50000"/>
+            </a:schemeClr>
+          </a:lnRef>
+          <a:fillRef idx="1">
+            <a:schemeClr val="accent1"/>
+          </a:fillRef>
+          <a:effectRef idx="0">
+            <a:schemeClr val="accent1"/>
+          </a:effectRef>
+          <a:fontRef idx="minor">
+            <a:schemeClr val="lt1"/>
+          </a:fontRef>
+        </p:style>
+        <p:txBody>
+          <a:bodyPr rtlCol="0" anchor="ctr"/>
+          <a:lstStyle/>
+          <a:p>
+            <a:pPr algn="ctr"/>
+            <a:endParaRPr lang="ko-KR" altLang="en-US"/>
+          </a:p>
+        </p:txBody>
+      </p:sp>
+    </p:spTree>
+    <p:extLst>
+      <p:ext uri="{BB962C8B-B14F-4D97-AF65-F5344CB8AC3E}">
+        <p14:creationId xmlns:p14="http://schemas.microsoft.com/office/powerpoint/2010/main" val="2346210789"/>
+      </p:ext>
+    </p:extLst>
+  </p:cSld>
+  <p:clrMapOvr>
+    <a:masterClrMapping/>
+  </p:clrMapOvr>
+</p:sld>
+</file>
+
+<file path=ppt/slides/slide14.xml><?xml version="1.0" encoding="utf-8"?>
+<p:sld xmlns:a="http://schemas.openxmlformats.org/drawingml/2006/main" xmlns:r="http://schemas.openxmlformats.org/officeDocument/2006/relationships" xmlns:p="http://schemas.openxmlformats.org/presentationml/2006/main">
+  <p:cSld>
+    <p:spTree>
+      <p:nvGrpSpPr>
+        <p:cNvPr id="1" name=""/>
+        <p:cNvGrpSpPr/>
+        <p:nvPr/>
+      </p:nvGrpSpPr>
+      <p:grpSpPr>
+        <a:xfrm>
+          <a:off x="0" y="0"/>
+          <a:ext cx="0" cy="0"/>
+          <a:chOff x="0" y="0"/>
+          <a:chExt cx="0" cy="0"/>
+        </a:xfrm>
+      </p:grpSpPr>
+      <p:sp>
+        <p:nvSpPr>
+          <p:cNvPr id="2" name="제목 1">
+            <a:extLst>
+              <a:ext uri="{FF2B5EF4-FFF2-40B4-BE49-F238E27FC236}">
+                <a16:creationId xmlns:a16="http://schemas.microsoft.com/office/drawing/2014/main" id="{7C4DE2BD-BED3-4CCB-83B9-94E3D08D44CE}"/>
+              </a:ext>
+            </a:extLst>
+          </p:cNvPr>
+          <p:cNvSpPr>
+            <a:spLocks noGrp="1"/>
+          </p:cNvSpPr>
+          <p:nvPr>
+            <p:ph type="title"/>
+          </p:nvPr>
+        </p:nvSpPr>
+        <p:spPr/>
+        <p:txBody>
+          <a:bodyPr/>
+          <a:lstStyle/>
+          <a:p>
+            <a:r>
+              <a:rPr lang="ko-KR" altLang="en-US" dirty="0"/>
+              <a:t>파이썬 실행</a:t>
+            </a:r>
+          </a:p>
+        </p:txBody>
+      </p:sp>
+      <p:pic>
+        <p:nvPicPr>
+          <p:cNvPr id="5" name="그림 4">
+            <a:extLst>
+              <a:ext uri="{FF2B5EF4-FFF2-40B4-BE49-F238E27FC236}">
+                <a16:creationId xmlns:a16="http://schemas.microsoft.com/office/drawing/2014/main" id="{5D368E89-F33A-463B-85B5-C57B3F9AC1D5}"/>
+              </a:ext>
+            </a:extLst>
+          </p:cNvPr>
+          <p:cNvPicPr>
+            <a:picLocks noChangeAspect="1"/>
+          </p:cNvPicPr>
+          <p:nvPr/>
+        </p:nvPicPr>
+        <p:blipFill rotWithShape="1">
+          <a:blip r:embed="rId2"/>
+          <a:srcRect r="64817"/>
+          <a:stretch/>
+        </p:blipFill>
+        <p:spPr>
+          <a:xfrm>
+            <a:off x="1151964" y="1476375"/>
+            <a:ext cx="2781861" cy="5295900"/>
+          </a:xfrm>
+          <a:prstGeom prst="rect">
+            <a:avLst/>
+          </a:prstGeom>
+        </p:spPr>
+      </p:pic>
+      <p:sp>
+        <p:nvSpPr>
+          <p:cNvPr id="6" name="직사각형 5">
+            <a:extLst>
+              <a:ext uri="{FF2B5EF4-FFF2-40B4-BE49-F238E27FC236}">
+                <a16:creationId xmlns:a16="http://schemas.microsoft.com/office/drawing/2014/main" id="{5DC0DC0A-E52A-407B-BD60-01F2FCB45BD4}"/>
+              </a:ext>
+            </a:extLst>
+          </p:cNvPr>
+          <p:cNvSpPr/>
+          <p:nvPr/>
+        </p:nvSpPr>
+        <p:spPr>
+          <a:xfrm>
+            <a:off x="1323975" y="1770434"/>
+            <a:ext cx="2523845" cy="383431"/>
+          </a:xfrm>
+          <a:prstGeom prst="rect">
+            <a:avLst/>
+          </a:prstGeom>
+          <a:noFill/>
+          <a:ln>
+            <a:solidFill>
+              <a:srgbClr val="FF0000"/>
+            </a:solidFill>
+          </a:ln>
+        </p:spPr>
+        <p:style>
+          <a:lnRef idx="2">
+            <a:schemeClr val="accent1">
+              <a:shade val="50000"/>
+            </a:schemeClr>
+          </a:lnRef>
+          <a:fillRef idx="1">
+            <a:schemeClr val="accent1"/>
+          </a:fillRef>
+          <a:effectRef idx="0">
+            <a:schemeClr val="accent1"/>
+          </a:effectRef>
+          <a:fontRef idx="minor">
+            <a:schemeClr val="lt1"/>
+          </a:fontRef>
+        </p:style>
+        <p:txBody>
+          <a:bodyPr rtlCol="0" anchor="ctr"/>
+          <a:lstStyle/>
+          <a:p>
+            <a:pPr algn="ctr"/>
+            <a:endParaRPr lang="ko-KR" altLang="en-US"/>
+          </a:p>
+        </p:txBody>
+      </p:sp>
+      <p:pic>
+        <p:nvPicPr>
+          <p:cNvPr id="8" name="그림 7">
+            <a:extLst>
+              <a:ext uri="{FF2B5EF4-FFF2-40B4-BE49-F238E27FC236}">
+                <a16:creationId xmlns:a16="http://schemas.microsoft.com/office/drawing/2014/main" id="{E2E444D0-942D-487E-AD8C-905C5700CF7E}"/>
+              </a:ext>
+            </a:extLst>
+          </p:cNvPr>
+          <p:cNvPicPr>
+            <a:picLocks noChangeAspect="1"/>
+          </p:cNvPicPr>
+          <p:nvPr/>
+        </p:nvPicPr>
+        <p:blipFill>
+          <a:blip r:embed="rId3"/>
+          <a:stretch>
+            <a:fillRect/>
+          </a:stretch>
+        </p:blipFill>
+        <p:spPr>
+          <a:xfrm>
+            <a:off x="5840761" y="1310470"/>
+            <a:ext cx="4834832" cy="4709330"/>
+          </a:xfrm>
+          <a:prstGeom prst="rect">
+            <a:avLst/>
+          </a:prstGeom>
+        </p:spPr>
+      </p:pic>
+    </p:spTree>
+    <p:extLst>
+      <p:ext uri="{BB962C8B-B14F-4D97-AF65-F5344CB8AC3E}">
+        <p14:creationId xmlns:p14="http://schemas.microsoft.com/office/powerpoint/2010/main" val="1198723274"/>
+      </p:ext>
+    </p:extLst>
+  </p:cSld>
+  <p:clrMapOvr>
+    <a:masterClrMapping/>
+  </p:clrMapOvr>
+</p:sld>
+</file>
+
+<file path=ppt/slides/slide15.xml><?xml version="1.0" encoding="utf-8"?>
+<p:sld xmlns:a="http://schemas.openxmlformats.org/drawingml/2006/main" xmlns:r="http://schemas.openxmlformats.org/officeDocument/2006/relationships" xmlns:p="http://schemas.openxmlformats.org/presentationml/2006/main">
+  <p:cSld>
+    <p:spTree>
+      <p:nvGrpSpPr>
+        <p:cNvPr id="1" name=""/>
+        <p:cNvGrpSpPr/>
+        <p:nvPr/>
+      </p:nvGrpSpPr>
+      <p:grpSpPr>
+        <a:xfrm>
+          <a:off x="0" y="0"/>
+          <a:ext cx="0" cy="0"/>
+          <a:chOff x="0" y="0"/>
+          <a:chExt cx="0" cy="0"/>
+        </a:xfrm>
+      </p:grpSpPr>
+      <p:sp>
+        <p:nvSpPr>
+          <p:cNvPr id="4" name="제목 3">
+            <a:extLst>
+              <a:ext uri="{FF2B5EF4-FFF2-40B4-BE49-F238E27FC236}">
+                <a16:creationId xmlns:a16="http://schemas.microsoft.com/office/drawing/2014/main" id="{81702A56-76D2-439C-9DC6-6FF269B97556}"/>
+              </a:ext>
+            </a:extLst>
+          </p:cNvPr>
+          <p:cNvSpPr>
+            <a:spLocks noGrp="1"/>
+          </p:cNvSpPr>
+          <p:nvPr>
+            <p:ph type="title"/>
+          </p:nvPr>
+        </p:nvSpPr>
+        <p:spPr/>
+        <p:txBody>
+          <a:bodyPr/>
+          <a:lstStyle/>
+          <a:p>
+            <a:r>
+              <a:rPr lang="ko-KR" altLang="en-US" dirty="0"/>
+              <a:t>파이썬 시작하기</a:t>
+            </a:r>
+          </a:p>
+        </p:txBody>
+      </p:sp>
+      <p:sp>
+        <p:nvSpPr>
+          <p:cNvPr id="5" name="텍스트 개체 틀 4">
+            <a:extLst>
+              <a:ext uri="{FF2B5EF4-FFF2-40B4-BE49-F238E27FC236}">
+                <a16:creationId xmlns:a16="http://schemas.microsoft.com/office/drawing/2014/main" id="{71A559BC-4A04-48FF-B540-81314C9E3534}"/>
+              </a:ext>
+            </a:extLst>
+          </p:cNvPr>
+          <p:cNvSpPr>
+            <a:spLocks noGrp="1"/>
+          </p:cNvSpPr>
+          <p:nvPr>
+            <p:ph type="body" idx="1"/>
+          </p:nvPr>
+        </p:nvSpPr>
+        <p:spPr/>
+        <p:txBody>
+          <a:bodyPr/>
+          <a:lstStyle/>
+          <a:p>
+            <a:r>
+              <a:rPr lang="ko-KR" altLang="en-US" dirty="0"/>
+              <a:t>파이썬 프로그래밍을 시작해 본다</a:t>
+            </a:r>
+            <a:r>
+              <a:rPr lang="en-US" altLang="ko-KR" dirty="0"/>
+              <a:t>. </a:t>
+            </a:r>
+            <a:r>
+              <a:rPr lang="ko-KR" altLang="en-US" dirty="0"/>
+              <a:t>먼저 </a:t>
+            </a:r>
+            <a:r>
+              <a:rPr lang="en-US" altLang="ko-KR" dirty="0"/>
+              <a:t>IDLE</a:t>
+            </a:r>
+            <a:r>
+              <a:rPr lang="ko-KR" altLang="en-US" dirty="0"/>
+              <a:t>에 직접 계산식이나 명령을 입력해 컴퓨터에 간단한 처리를 해본다</a:t>
+            </a:r>
+            <a:r>
+              <a:rPr lang="en-US" altLang="ko-KR" dirty="0"/>
+              <a:t>. </a:t>
+            </a:r>
+            <a:r>
+              <a:rPr lang="ko-KR" altLang="en-US" dirty="0"/>
+              <a:t>기본적인 조작이 익숙해 진 이후에는 프로그램 파일을 만들어보고 그 파일에 프로그램을 입력해 본다</a:t>
+            </a:r>
+            <a:r>
+              <a:rPr lang="en-US" altLang="ko-KR" dirty="0"/>
+              <a:t>.</a:t>
+            </a:r>
+            <a:endParaRPr lang="ko-KR" altLang="en-US" dirty="0"/>
+          </a:p>
+        </p:txBody>
+      </p:sp>
+    </p:spTree>
+    <p:extLst>
+      <p:ext uri="{BB962C8B-B14F-4D97-AF65-F5344CB8AC3E}">
+        <p14:creationId xmlns:p14="http://schemas.microsoft.com/office/powerpoint/2010/main" val="1507403729"/>
+      </p:ext>
+    </p:extLst>
+  </p:cSld>
+  <p:clrMapOvr>
+    <a:masterClrMapping/>
+  </p:clrMapOvr>
+</p:sld>
+</file>
+
+<file path=ppt/slides/slide16.xml><?xml version="1.0" encoding="utf-8"?>
+<p:sld xmlns:a="http://schemas.openxmlformats.org/drawingml/2006/main" xmlns:r="http://schemas.openxmlformats.org/officeDocument/2006/relationships" xmlns:p="http://schemas.openxmlformats.org/presentationml/2006/main">
+  <p:cSld>
+    <p:spTree>
+      <p:nvGrpSpPr>
+        <p:cNvPr id="1" name=""/>
+        <p:cNvGrpSpPr/>
+        <p:nvPr/>
+      </p:nvGrpSpPr>
+      <p:grpSpPr>
+        <a:xfrm>
+          <a:off x="0" y="0"/>
+          <a:ext cx="0" cy="0"/>
+          <a:chOff x="0" y="0"/>
+          <a:chExt cx="0" cy="0"/>
+        </a:xfrm>
+      </p:grpSpPr>
+      <p:sp>
+        <p:nvSpPr>
+          <p:cNvPr id="4" name="제목 3">
+            <a:extLst>
+              <a:ext uri="{FF2B5EF4-FFF2-40B4-BE49-F238E27FC236}">
+                <a16:creationId xmlns:a16="http://schemas.microsoft.com/office/drawing/2014/main" id="{5E03ED99-1AB7-456D-81EC-B2E81E48BBD7}"/>
+              </a:ext>
+            </a:extLst>
+          </p:cNvPr>
+          <p:cNvSpPr>
+            <a:spLocks noGrp="1"/>
+          </p:cNvSpPr>
+          <p:nvPr>
+            <p:ph type="title"/>
+          </p:nvPr>
+        </p:nvSpPr>
+        <p:spPr/>
+        <p:txBody>
+          <a:bodyPr/>
+          <a:lstStyle/>
+          <a:p>
+            <a:r>
+              <a:rPr lang="ko-KR" altLang="en-US" dirty="0"/>
+              <a:t>계산하기</a:t>
+            </a:r>
+          </a:p>
+        </p:txBody>
+      </p:sp>
+      <p:pic>
+        <p:nvPicPr>
+          <p:cNvPr id="7" name="그림 6">
+            <a:extLst>
+              <a:ext uri="{FF2B5EF4-FFF2-40B4-BE49-F238E27FC236}">
+                <a16:creationId xmlns:a16="http://schemas.microsoft.com/office/drawing/2014/main" id="{B059740B-9F69-45C2-939D-8922F006439B}"/>
+              </a:ext>
+            </a:extLst>
+          </p:cNvPr>
+          <p:cNvPicPr>
+            <a:picLocks noChangeAspect="1"/>
+          </p:cNvPicPr>
+          <p:nvPr/>
+        </p:nvPicPr>
+        <p:blipFill rotWithShape="1">
+          <a:blip r:embed="rId2"/>
+          <a:srcRect b="64306"/>
+          <a:stretch/>
+        </p:blipFill>
+        <p:spPr>
+          <a:xfrm>
+            <a:off x="956368" y="1690688"/>
+            <a:ext cx="7040764" cy="2447925"/>
+          </a:xfrm>
+          <a:prstGeom prst="rect">
+            <a:avLst/>
+          </a:prstGeom>
+        </p:spPr>
+      </p:pic>
+      <p:sp>
+        <p:nvSpPr>
+          <p:cNvPr id="8" name="TextBox 7">
+            <a:extLst>
+              <a:ext uri="{FF2B5EF4-FFF2-40B4-BE49-F238E27FC236}">
+                <a16:creationId xmlns:a16="http://schemas.microsoft.com/office/drawing/2014/main" id="{51090CB1-88FB-4764-84D9-12D5708F35B2}"/>
+              </a:ext>
+            </a:extLst>
+          </p:cNvPr>
+          <p:cNvSpPr txBox="1"/>
+          <p:nvPr/>
+        </p:nvSpPr>
+        <p:spPr>
+          <a:xfrm>
+            <a:off x="8534400" y="1371600"/>
+            <a:ext cx="1266693" cy="369332"/>
+          </a:xfrm>
+          <a:prstGeom prst="rect">
+            <a:avLst/>
+          </a:prstGeom>
+          <a:noFill/>
+        </p:spPr>
+        <p:txBody>
+          <a:bodyPr wrap="none" rtlCol="0">
+            <a:spAutoFit/>
+          </a:bodyPr>
+          <a:lstStyle/>
+          <a:p>
+            <a:r>
+              <a:rPr lang="en-US" altLang="ko-KR" dirty="0"/>
+              <a:t>&gt;&gt;&gt; 7 * 8</a:t>
+            </a:r>
+            <a:endParaRPr lang="ko-KR" altLang="en-US" dirty="0"/>
+          </a:p>
+        </p:txBody>
+      </p:sp>
+      <p:sp>
+        <p:nvSpPr>
+          <p:cNvPr id="9" name="TextBox 8">
+            <a:extLst>
+              <a:ext uri="{FF2B5EF4-FFF2-40B4-BE49-F238E27FC236}">
+                <a16:creationId xmlns:a16="http://schemas.microsoft.com/office/drawing/2014/main" id="{6DE71C07-6AE5-4752-9F55-394F9A63C310}"/>
+              </a:ext>
+            </a:extLst>
+          </p:cNvPr>
+          <p:cNvSpPr txBox="1"/>
+          <p:nvPr/>
+        </p:nvSpPr>
+        <p:spPr>
+          <a:xfrm>
+            <a:off x="8534399" y="2095500"/>
+            <a:ext cx="1386918" cy="369332"/>
+          </a:xfrm>
+          <a:prstGeom prst="rect">
+            <a:avLst/>
+          </a:prstGeom>
+          <a:noFill/>
+        </p:spPr>
+        <p:txBody>
+          <a:bodyPr wrap="none" rtlCol="0">
+            <a:spAutoFit/>
+          </a:bodyPr>
+          <a:lstStyle/>
+          <a:p>
+            <a:r>
+              <a:rPr lang="en-US" altLang="ko-KR" dirty="0"/>
+              <a:t>&gt;&gt;&gt; 10 / 2</a:t>
+            </a:r>
+            <a:endParaRPr lang="ko-KR" altLang="en-US" dirty="0"/>
+          </a:p>
+        </p:txBody>
+      </p:sp>
+    </p:spTree>
+    <p:extLst>
+      <p:ext uri="{BB962C8B-B14F-4D97-AF65-F5344CB8AC3E}">
+        <p14:creationId xmlns:p14="http://schemas.microsoft.com/office/powerpoint/2010/main" val="2242711612"/>
+      </p:ext>
+    </p:extLst>
+  </p:cSld>
+  <p:clrMapOvr>
+    <a:masterClrMapping/>
+  </p:clrMapOvr>
+</p:sld>
+</file>
+
+<file path=ppt/slides/slide17.xml><?xml version="1.0" encoding="utf-8"?>
+<p:sld xmlns:a="http://schemas.openxmlformats.org/drawingml/2006/main" xmlns:r="http://schemas.openxmlformats.org/officeDocument/2006/relationships" xmlns:p="http://schemas.openxmlformats.org/presentationml/2006/main">
+  <p:cSld>
+    <p:spTree>
+      <p:nvGrpSpPr>
+        <p:cNvPr id="1" name=""/>
+        <p:cNvGrpSpPr/>
+        <p:nvPr/>
+      </p:nvGrpSpPr>
+      <p:grpSpPr>
+        <a:xfrm>
+          <a:off x="0" y="0"/>
+          <a:ext cx="0" cy="0"/>
+          <a:chOff x="0" y="0"/>
+          <a:chExt cx="0" cy="0"/>
+        </a:xfrm>
+      </p:grpSpPr>
+      <p:sp>
+        <p:nvSpPr>
+          <p:cNvPr id="2" name="제목 1">
+            <a:extLst>
+              <a:ext uri="{FF2B5EF4-FFF2-40B4-BE49-F238E27FC236}">
+                <a16:creationId xmlns:a16="http://schemas.microsoft.com/office/drawing/2014/main" id="{0E47E1E1-D89D-4C98-8389-C810B0609876}"/>
+              </a:ext>
+            </a:extLst>
+          </p:cNvPr>
+          <p:cNvSpPr>
+            <a:spLocks noGrp="1"/>
+          </p:cNvSpPr>
+          <p:nvPr>
+            <p:ph type="title"/>
+          </p:nvPr>
+        </p:nvSpPr>
+        <p:spPr/>
+        <p:txBody>
+          <a:bodyPr/>
+          <a:lstStyle/>
+          <a:p>
+            <a:r>
+              <a:rPr lang="ko-KR" altLang="en-US" dirty="0"/>
+              <a:t>문자열 출력하기</a:t>
+            </a:r>
+          </a:p>
+        </p:txBody>
+      </p:sp>
+      <p:sp>
+        <p:nvSpPr>
+          <p:cNvPr id="3" name="내용 개체 틀 2">
+            <a:extLst>
+              <a:ext uri="{FF2B5EF4-FFF2-40B4-BE49-F238E27FC236}">
+                <a16:creationId xmlns:a16="http://schemas.microsoft.com/office/drawing/2014/main" id="{E4AD79B3-33C0-4537-9961-464DA11A1D25}"/>
+              </a:ext>
+            </a:extLst>
+          </p:cNvPr>
+          <p:cNvSpPr>
+            <a:spLocks noGrp="1"/>
+          </p:cNvSpPr>
+          <p:nvPr>
+            <p:ph idx="1"/>
+          </p:nvPr>
+        </p:nvSpPr>
+        <p:spPr/>
+        <p:txBody>
+          <a:bodyPr/>
+          <a:lstStyle/>
+          <a:p>
+            <a:r>
+              <a:rPr lang="ko-KR" altLang="en-US" dirty="0"/>
+              <a:t>문자열을 출력하기 위해서 </a:t>
+            </a:r>
+            <a:r>
+              <a:rPr lang="en-US" altLang="ko-KR" dirty="0"/>
+              <a:t>print()</a:t>
+            </a:r>
+            <a:r>
+              <a:rPr lang="ko-KR" altLang="en-US" dirty="0"/>
+              <a:t>라는 명령어를 사용한다</a:t>
+            </a:r>
+            <a:r>
+              <a:rPr lang="en-US" altLang="ko-KR" dirty="0"/>
+              <a:t>.</a:t>
+            </a:r>
+            <a:endParaRPr lang="ko-KR" altLang="en-US" dirty="0"/>
+          </a:p>
+        </p:txBody>
+      </p:sp>
+      <p:pic>
+        <p:nvPicPr>
+          <p:cNvPr id="5" name="그림 4">
+            <a:extLst>
+              <a:ext uri="{FF2B5EF4-FFF2-40B4-BE49-F238E27FC236}">
+                <a16:creationId xmlns:a16="http://schemas.microsoft.com/office/drawing/2014/main" id="{1455CEEE-BBB4-471E-A133-EDC265ED378E}"/>
+              </a:ext>
+            </a:extLst>
+          </p:cNvPr>
+          <p:cNvPicPr>
+            <a:picLocks noChangeAspect="1"/>
+          </p:cNvPicPr>
+          <p:nvPr/>
+        </p:nvPicPr>
+        <p:blipFill rotWithShape="1">
+          <a:blip r:embed="rId2"/>
+          <a:srcRect b="65694"/>
+          <a:stretch/>
+        </p:blipFill>
+        <p:spPr>
+          <a:xfrm>
+            <a:off x="1228724" y="2609850"/>
+            <a:ext cx="9056463" cy="2905125"/>
+          </a:xfrm>
+          <a:prstGeom prst="rect">
+            <a:avLst/>
+          </a:prstGeom>
+        </p:spPr>
+      </p:pic>
+    </p:spTree>
+    <p:extLst>
+      <p:ext uri="{BB962C8B-B14F-4D97-AF65-F5344CB8AC3E}">
+        <p14:creationId xmlns:p14="http://schemas.microsoft.com/office/powerpoint/2010/main" val="2522562813"/>
+      </p:ext>
+    </p:extLst>
+  </p:cSld>
+  <p:clrMapOvr>
+    <a:masterClrMapping/>
+  </p:clrMapOvr>
+</p:sld>
+</file>
+
+<file path=ppt/slides/slide18.xml><?xml version="1.0" encoding="utf-8"?>
+<p:sld xmlns:a="http://schemas.openxmlformats.org/drawingml/2006/main" xmlns:r="http://schemas.openxmlformats.org/officeDocument/2006/relationships" xmlns:p="http://schemas.openxmlformats.org/presentationml/2006/main">
+  <p:cSld>
+    <p:spTree>
+      <p:nvGrpSpPr>
+        <p:cNvPr id="1" name=""/>
+        <p:cNvGrpSpPr/>
+        <p:nvPr/>
+      </p:nvGrpSpPr>
+      <p:grpSpPr>
+        <a:xfrm>
+          <a:off x="0" y="0"/>
+          <a:ext cx="0" cy="0"/>
+          <a:chOff x="0" y="0"/>
+          <a:chExt cx="0" cy="0"/>
+        </a:xfrm>
+      </p:grpSpPr>
+      <p:sp>
+        <p:nvSpPr>
+          <p:cNvPr id="2" name="제목 1">
+            <a:extLst>
+              <a:ext uri="{FF2B5EF4-FFF2-40B4-BE49-F238E27FC236}">
+                <a16:creationId xmlns:a16="http://schemas.microsoft.com/office/drawing/2014/main" id="{D7C13012-A2D3-4717-8472-2ADDB23A99E7}"/>
+              </a:ext>
+            </a:extLst>
+          </p:cNvPr>
+          <p:cNvSpPr>
+            <a:spLocks noGrp="1"/>
+          </p:cNvSpPr>
+          <p:nvPr>
+            <p:ph type="title"/>
+          </p:nvPr>
+        </p:nvSpPr>
+        <p:spPr/>
+        <p:txBody>
+          <a:bodyPr/>
+          <a:lstStyle/>
+          <a:p>
+            <a:r>
+              <a:rPr lang="ko-KR" altLang="en-US" dirty="0"/>
+              <a:t>프로그램 작성하기</a:t>
+            </a:r>
+          </a:p>
+        </p:txBody>
+      </p:sp>
+      <p:sp>
+        <p:nvSpPr>
+          <p:cNvPr id="3" name="내용 개체 틀 2">
+            <a:extLst>
+              <a:ext uri="{FF2B5EF4-FFF2-40B4-BE49-F238E27FC236}">
+                <a16:creationId xmlns:a16="http://schemas.microsoft.com/office/drawing/2014/main" id="{99E165AF-99A0-4205-A4D0-A5EF3EEFFF44}"/>
+              </a:ext>
+            </a:extLst>
+          </p:cNvPr>
+          <p:cNvSpPr>
+            <a:spLocks noGrp="1"/>
+          </p:cNvSpPr>
+          <p:nvPr>
+            <p:ph idx="1"/>
+          </p:nvPr>
+        </p:nvSpPr>
+        <p:spPr>
+          <a:xfrm>
+            <a:off x="838200" y="1825625"/>
+            <a:ext cx="10515600" cy="1536140"/>
+          </a:xfrm>
+        </p:spPr>
+        <p:txBody>
+          <a:bodyPr/>
+          <a:lstStyle/>
+          <a:p>
+            <a:r>
+              <a:rPr lang="ko-KR" altLang="en-US" dirty="0"/>
+              <a:t>소스코드 신규 작성 및 저장</a:t>
+            </a:r>
+            <a:endParaRPr lang="en-US" altLang="ko-KR" dirty="0"/>
+          </a:p>
+          <a:p>
+            <a:pPr lvl="1"/>
+            <a:r>
+              <a:rPr lang="en-US" altLang="ko-KR" dirty="0"/>
+              <a:t>IDLE</a:t>
+            </a:r>
+            <a:r>
+              <a:rPr lang="ko-KR" altLang="en-US" dirty="0"/>
+              <a:t>의 셸 윈도우 메뉴에 있는 </a:t>
+            </a:r>
+            <a:r>
+              <a:rPr lang="en-US" altLang="ko-KR" dirty="0"/>
+              <a:t>FILE-New File</a:t>
+            </a:r>
+            <a:r>
+              <a:rPr lang="ko-KR" altLang="en-US" dirty="0"/>
+              <a:t>을 선택하면 편집창이 열린다</a:t>
+            </a:r>
+            <a:r>
+              <a:rPr lang="en-US" altLang="ko-KR" dirty="0"/>
+              <a:t>. </a:t>
+            </a:r>
+            <a:r>
+              <a:rPr lang="ko-KR" altLang="en-US" dirty="0"/>
+              <a:t>이 곳이 프로그램을 입력하는 텍스트 에디터 이다</a:t>
+            </a:r>
+            <a:r>
+              <a:rPr lang="en-US" altLang="ko-KR" dirty="0"/>
+              <a:t>.</a:t>
+            </a:r>
+            <a:endParaRPr lang="ko-KR" altLang="en-US" dirty="0"/>
+          </a:p>
+        </p:txBody>
+      </p:sp>
+      <p:pic>
+        <p:nvPicPr>
+          <p:cNvPr id="5" name="그림 4">
+            <a:extLst>
+              <a:ext uri="{FF2B5EF4-FFF2-40B4-BE49-F238E27FC236}">
+                <a16:creationId xmlns:a16="http://schemas.microsoft.com/office/drawing/2014/main" id="{05A46B83-43B9-497C-B04C-C60850C0ECE2}"/>
+              </a:ext>
+            </a:extLst>
+          </p:cNvPr>
+          <p:cNvPicPr>
+            <a:picLocks noChangeAspect="1"/>
+          </p:cNvPicPr>
+          <p:nvPr/>
+        </p:nvPicPr>
+        <p:blipFill>
+          <a:blip r:embed="rId2"/>
+          <a:stretch>
+            <a:fillRect/>
+          </a:stretch>
+        </p:blipFill>
+        <p:spPr>
+          <a:xfrm>
+            <a:off x="838200" y="3199840"/>
+            <a:ext cx="8024813" cy="2737469"/>
+          </a:xfrm>
+          <a:prstGeom prst="rect">
+            <a:avLst/>
+          </a:prstGeom>
+        </p:spPr>
+      </p:pic>
+      <p:sp>
+        <p:nvSpPr>
+          <p:cNvPr id="6" name="TextBox 5">
+            <a:extLst>
+              <a:ext uri="{FF2B5EF4-FFF2-40B4-BE49-F238E27FC236}">
+                <a16:creationId xmlns:a16="http://schemas.microsoft.com/office/drawing/2014/main" id="{306C887D-ED91-4B4A-8CD2-8910BEFC4D3E}"/>
+              </a:ext>
+            </a:extLst>
+          </p:cNvPr>
+          <p:cNvSpPr txBox="1"/>
+          <p:nvPr/>
+        </p:nvSpPr>
+        <p:spPr>
+          <a:xfrm>
+            <a:off x="9182100" y="3657600"/>
+            <a:ext cx="2738250" cy="1200329"/>
+          </a:xfrm>
+          <a:prstGeom prst="rect">
+            <a:avLst/>
+          </a:prstGeom>
+          <a:noFill/>
+        </p:spPr>
+        <p:txBody>
+          <a:bodyPr wrap="none" rtlCol="0">
+            <a:spAutoFit/>
+          </a:bodyPr>
+          <a:lstStyle/>
+          <a:p>
+            <a:r>
+              <a:rPr lang="ko-KR" altLang="en-US" dirty="0"/>
+              <a:t>프로그램 실행은</a:t>
+            </a:r>
+            <a:endParaRPr lang="en-US" altLang="ko-KR" dirty="0"/>
+          </a:p>
+          <a:p>
+            <a:r>
+              <a:rPr lang="ko-KR" altLang="en-US" dirty="0"/>
+              <a:t>에디터 윈도우 메뉴 바의</a:t>
+            </a:r>
+            <a:endParaRPr lang="en-US" altLang="ko-KR" dirty="0"/>
+          </a:p>
+          <a:p>
+            <a:r>
+              <a:rPr lang="en-US" altLang="ko-KR" dirty="0"/>
+              <a:t>Run-Run Module</a:t>
+            </a:r>
+            <a:r>
+              <a:rPr lang="ko-KR" altLang="en-US" dirty="0"/>
+              <a:t> </a:t>
+            </a:r>
+            <a:r>
+              <a:rPr lang="en-US" altLang="ko-KR" dirty="0"/>
+              <a:t>F5</a:t>
+            </a:r>
+          </a:p>
+          <a:p>
+            <a:r>
+              <a:rPr lang="ko-KR" altLang="en-US" dirty="0"/>
+              <a:t>이다</a:t>
+            </a:r>
+            <a:r>
+              <a:rPr lang="en-US" altLang="ko-KR" dirty="0"/>
+              <a:t>.</a:t>
+            </a:r>
+            <a:endParaRPr lang="ko-KR" altLang="en-US" dirty="0"/>
+          </a:p>
+        </p:txBody>
+      </p:sp>
+    </p:spTree>
+    <p:extLst>
+      <p:ext uri="{BB962C8B-B14F-4D97-AF65-F5344CB8AC3E}">
+        <p14:creationId xmlns:p14="http://schemas.microsoft.com/office/powerpoint/2010/main" val="1628028704"/>
+      </p:ext>
+    </p:extLst>
+  </p:cSld>
+  <p:clrMapOvr>
+    <a:masterClrMapping/>
+  </p:clrMapOvr>
+</p:sld>
+</file>
+
+<file path=ppt/slides/slide19.xml><?xml version="1.0" encoding="utf-8"?>
+<p:sld xmlns:a="http://schemas.openxmlformats.org/drawingml/2006/main" xmlns:r="http://schemas.openxmlformats.org/officeDocument/2006/relationships" xmlns:p="http://schemas.openxmlformats.org/presentationml/2006/main">
+  <p:cSld>
+    <p:spTree>
+      <p:nvGrpSpPr>
+        <p:cNvPr id="1" name=""/>
+        <p:cNvGrpSpPr/>
+        <p:nvPr/>
+      </p:nvGrpSpPr>
+      <p:grpSpPr>
+        <a:xfrm>
+          <a:off x="0" y="0"/>
+          <a:ext cx="0" cy="0"/>
+          <a:chOff x="0" y="0"/>
+          <a:chExt cx="0" cy="0"/>
+        </a:xfrm>
+      </p:grpSpPr>
+      <p:sp>
+        <p:nvSpPr>
+          <p:cNvPr id="2" name="제목 1">
+            <a:extLst>
+              <a:ext uri="{FF2B5EF4-FFF2-40B4-BE49-F238E27FC236}">
+                <a16:creationId xmlns:a16="http://schemas.microsoft.com/office/drawing/2014/main" id="{8441866E-4355-49A0-86C5-929BF679FE4C}"/>
+              </a:ext>
+            </a:extLst>
+          </p:cNvPr>
+          <p:cNvSpPr>
+            <a:spLocks noGrp="1"/>
+          </p:cNvSpPr>
+          <p:nvPr>
+            <p:ph type="title"/>
+          </p:nvPr>
+        </p:nvSpPr>
+        <p:spPr/>
+        <p:txBody>
+          <a:bodyPr/>
+          <a:lstStyle/>
+          <a:p>
+            <a:r>
+              <a:rPr lang="ko-KR" altLang="en-US" dirty="0"/>
+              <a:t>입출력 명령</a:t>
+            </a:r>
+          </a:p>
+        </p:txBody>
+      </p:sp>
+      <p:sp>
+        <p:nvSpPr>
+          <p:cNvPr id="3" name="내용 개체 틀 2">
+            <a:extLst>
+              <a:ext uri="{FF2B5EF4-FFF2-40B4-BE49-F238E27FC236}">
+                <a16:creationId xmlns:a16="http://schemas.microsoft.com/office/drawing/2014/main" id="{2240AD02-57BD-4D2C-AE59-BA48DCF997F8}"/>
+              </a:ext>
+            </a:extLst>
+          </p:cNvPr>
+          <p:cNvSpPr>
+            <a:spLocks noGrp="1"/>
+          </p:cNvSpPr>
+          <p:nvPr>
+            <p:ph idx="1"/>
+          </p:nvPr>
+        </p:nvSpPr>
+        <p:spPr/>
+        <p:txBody>
+          <a:bodyPr/>
+          <a:lstStyle/>
+          <a:p>
+            <a:r>
+              <a:rPr lang="ko-KR" altLang="en-US" dirty="0"/>
+              <a:t>출력을 수행하는 </a:t>
+            </a:r>
+            <a:r>
+              <a:rPr lang="en-US" altLang="ko-KR" dirty="0"/>
+              <a:t>print()</a:t>
+            </a:r>
+          </a:p>
+          <a:p>
+            <a:endParaRPr lang="en-US" altLang="ko-KR" dirty="0"/>
+          </a:p>
+          <a:p>
+            <a:endParaRPr lang="en-US" altLang="ko-KR" dirty="0"/>
+          </a:p>
+          <a:p>
+            <a:endParaRPr lang="en-US" altLang="ko-KR" dirty="0"/>
+          </a:p>
+          <a:p>
+            <a:r>
+              <a:rPr lang="ko-KR" altLang="en-US" dirty="0"/>
+              <a:t>입력을 수행하는 </a:t>
+            </a:r>
+            <a:r>
+              <a:rPr lang="en-US" altLang="ko-KR" dirty="0"/>
+              <a:t>input()</a:t>
+            </a:r>
+          </a:p>
+        </p:txBody>
+      </p:sp>
+    </p:spTree>
+    <p:extLst>
+      <p:ext uri="{BB962C8B-B14F-4D97-AF65-F5344CB8AC3E}">
+        <p14:creationId xmlns:p14="http://schemas.microsoft.com/office/powerpoint/2010/main" val="3240712337"/>
       </p:ext>
     </p:extLst>
   </p:cSld>
@@ -3860,6 +5893,607 @@
 </p:sld>
 </file>
 
+<file path=ppt/slides/slide20.xml><?xml version="1.0" encoding="utf-8"?>
+<p:sld xmlns:a="http://schemas.openxmlformats.org/drawingml/2006/main" xmlns:r="http://schemas.openxmlformats.org/officeDocument/2006/relationships" xmlns:p="http://schemas.openxmlformats.org/presentationml/2006/main">
+  <p:cSld>
+    <p:spTree>
+      <p:nvGrpSpPr>
+        <p:cNvPr id="1" name=""/>
+        <p:cNvGrpSpPr/>
+        <p:nvPr/>
+      </p:nvGrpSpPr>
+      <p:grpSpPr>
+        <a:xfrm>
+          <a:off x="0" y="0"/>
+          <a:ext cx="0" cy="0"/>
+          <a:chOff x="0" y="0"/>
+          <a:chExt cx="0" cy="0"/>
+        </a:xfrm>
+      </p:grpSpPr>
+      <p:sp>
+        <p:nvSpPr>
+          <p:cNvPr id="4" name="제목 3">
+            <a:extLst>
+              <a:ext uri="{FF2B5EF4-FFF2-40B4-BE49-F238E27FC236}">
+                <a16:creationId xmlns:a16="http://schemas.microsoft.com/office/drawing/2014/main" id="{81702A56-76D2-439C-9DC6-6FF269B97556}"/>
+              </a:ext>
+            </a:extLst>
+          </p:cNvPr>
+          <p:cNvSpPr>
+            <a:spLocks noGrp="1"/>
+          </p:cNvSpPr>
+          <p:nvPr>
+            <p:ph type="title"/>
+          </p:nvPr>
+        </p:nvSpPr>
+        <p:spPr/>
+        <p:txBody>
+          <a:bodyPr/>
+          <a:lstStyle/>
+          <a:p>
+            <a:r>
+              <a:rPr lang="ko-KR" altLang="en-US" dirty="0"/>
+              <a:t>프로그래밍 기초</a:t>
+            </a:r>
+          </a:p>
+        </p:txBody>
+      </p:sp>
+      <p:sp>
+        <p:nvSpPr>
+          <p:cNvPr id="5" name="텍스트 개체 틀 4">
+            <a:extLst>
+              <a:ext uri="{FF2B5EF4-FFF2-40B4-BE49-F238E27FC236}">
+                <a16:creationId xmlns:a16="http://schemas.microsoft.com/office/drawing/2014/main" id="{71A559BC-4A04-48FF-B540-81314C9E3534}"/>
+              </a:ext>
+            </a:extLst>
+          </p:cNvPr>
+          <p:cNvSpPr>
+            <a:spLocks noGrp="1"/>
+          </p:cNvSpPr>
+          <p:nvPr>
+            <p:ph type="body" idx="1"/>
+          </p:nvPr>
+        </p:nvSpPr>
+        <p:spPr/>
+        <p:txBody>
+          <a:bodyPr/>
+          <a:lstStyle/>
+          <a:p>
+            <a:r>
+              <a:rPr lang="ko-KR" altLang="en-US" dirty="0"/>
+              <a:t>게임 개발에 앞서 프로그래밍 기초를 학습한다</a:t>
+            </a:r>
+            <a:r>
+              <a:rPr lang="en-US" altLang="ko-KR" dirty="0"/>
+              <a:t>. </a:t>
+            </a:r>
+            <a:r>
+              <a:rPr lang="ko-KR" altLang="en-US" dirty="0"/>
+              <a:t>여기에서는 변수</a:t>
+            </a:r>
+            <a:r>
+              <a:rPr lang="en-US" altLang="ko-KR" dirty="0"/>
+              <a:t>, </a:t>
+            </a:r>
+            <a:r>
+              <a:rPr lang="ko-KR" altLang="en-US" dirty="0"/>
+              <a:t>리스트</a:t>
+            </a:r>
+            <a:r>
+              <a:rPr lang="en-US" altLang="ko-KR" dirty="0"/>
+              <a:t>(C/C++, </a:t>
+            </a:r>
+            <a:r>
+              <a:rPr lang="ko-KR" altLang="en-US" dirty="0"/>
+              <a:t>자바에서 배열과 </a:t>
+            </a:r>
+            <a:r>
+              <a:rPr lang="ko-KR" altLang="en-US" dirty="0" err="1"/>
+              <a:t>비슷</a:t>
+            </a:r>
+            <a:r>
+              <a:rPr lang="en-US" altLang="ko-KR" dirty="0"/>
+              <a:t>), </a:t>
+            </a:r>
+            <a:r>
+              <a:rPr lang="ko-KR" altLang="en-US" dirty="0"/>
+              <a:t>조건 분기</a:t>
+            </a:r>
+            <a:r>
+              <a:rPr lang="en-US" altLang="ko-KR" dirty="0"/>
+              <a:t>, </a:t>
+            </a:r>
+            <a:r>
+              <a:rPr lang="ko-KR" altLang="en-US" dirty="0"/>
+              <a:t>반복</a:t>
+            </a:r>
+            <a:r>
+              <a:rPr lang="en-US" altLang="ko-KR" dirty="0"/>
+              <a:t>, </a:t>
+            </a:r>
+            <a:r>
+              <a:rPr lang="ko-KR" altLang="en-US" dirty="0"/>
+              <a:t>그리고 함수에 대해 공부한다</a:t>
+            </a:r>
+            <a:r>
+              <a:rPr lang="en-US" altLang="ko-KR" dirty="0"/>
+              <a:t>. </a:t>
+            </a:r>
+            <a:r>
+              <a:rPr lang="ko-KR" altLang="en-US" dirty="0"/>
+              <a:t>이번 강의에서 공부하는 내용은 게임 프로그램은 물론 모든 프로그램에서 매우 중요한 부분이므로 기초를 확실히 잡고 가자</a:t>
+            </a:r>
+            <a:r>
+              <a:rPr lang="en-US" altLang="ko-KR" dirty="0"/>
+              <a:t>.</a:t>
+            </a:r>
+            <a:endParaRPr lang="ko-KR" altLang="en-US" dirty="0"/>
+          </a:p>
+        </p:txBody>
+      </p:sp>
+    </p:spTree>
+    <p:extLst>
+      <p:ext uri="{BB962C8B-B14F-4D97-AF65-F5344CB8AC3E}">
+        <p14:creationId xmlns:p14="http://schemas.microsoft.com/office/powerpoint/2010/main" val="749501768"/>
+      </p:ext>
+    </p:extLst>
+  </p:cSld>
+  <p:clrMapOvr>
+    <a:masterClrMapping/>
+  </p:clrMapOvr>
+</p:sld>
+</file>
+
+<file path=ppt/slides/slide21.xml><?xml version="1.0" encoding="utf-8"?>
+<p:sld xmlns:a="http://schemas.openxmlformats.org/drawingml/2006/main" xmlns:r="http://schemas.openxmlformats.org/officeDocument/2006/relationships" xmlns:p="http://schemas.openxmlformats.org/presentationml/2006/main">
+  <p:cSld>
+    <p:spTree>
+      <p:nvGrpSpPr>
+        <p:cNvPr id="1" name=""/>
+        <p:cNvGrpSpPr/>
+        <p:nvPr/>
+      </p:nvGrpSpPr>
+      <p:grpSpPr>
+        <a:xfrm>
+          <a:off x="0" y="0"/>
+          <a:ext cx="0" cy="0"/>
+          <a:chOff x="0" y="0"/>
+          <a:chExt cx="0" cy="0"/>
+        </a:xfrm>
+      </p:grpSpPr>
+      <p:sp>
+        <p:nvSpPr>
+          <p:cNvPr id="2" name="제목 1">
+            <a:extLst>
+              <a:ext uri="{FF2B5EF4-FFF2-40B4-BE49-F238E27FC236}">
+                <a16:creationId xmlns:a16="http://schemas.microsoft.com/office/drawing/2014/main" id="{3D7BA649-1ACB-4ADD-93E0-44BB47A53AD7}"/>
+              </a:ext>
+            </a:extLst>
+          </p:cNvPr>
+          <p:cNvSpPr>
+            <a:spLocks noGrp="1"/>
+          </p:cNvSpPr>
+          <p:nvPr>
+            <p:ph type="title"/>
+          </p:nvPr>
+        </p:nvSpPr>
+        <p:spPr/>
+        <p:txBody>
+          <a:bodyPr/>
+          <a:lstStyle/>
+          <a:p>
+            <a:r>
+              <a:rPr lang="en-US" altLang="ko-KR" dirty="0"/>
+              <a:t>CUI</a:t>
+            </a:r>
+            <a:r>
+              <a:rPr lang="ko-KR" altLang="en-US" dirty="0"/>
+              <a:t>로 미니 게임 만들기</a:t>
+            </a:r>
+          </a:p>
+        </p:txBody>
+      </p:sp>
+      <p:sp>
+        <p:nvSpPr>
+          <p:cNvPr id="3" name="텍스트 개체 틀 2">
+            <a:extLst>
+              <a:ext uri="{FF2B5EF4-FFF2-40B4-BE49-F238E27FC236}">
+                <a16:creationId xmlns:a16="http://schemas.microsoft.com/office/drawing/2014/main" id="{F016602A-7015-479E-9D70-0C0CB241B56E}"/>
+              </a:ext>
+            </a:extLst>
+          </p:cNvPr>
+          <p:cNvSpPr>
+            <a:spLocks noGrp="1"/>
+          </p:cNvSpPr>
+          <p:nvPr>
+            <p:ph type="body" idx="1"/>
+          </p:nvPr>
+        </p:nvSpPr>
+        <p:spPr/>
+        <p:txBody>
+          <a:bodyPr/>
+          <a:lstStyle/>
+          <a:p>
+            <a:r>
+              <a:rPr lang="ko-KR" altLang="en-US" dirty="0"/>
+              <a:t>제일 먼저 문자열 입출력 명령을 이용해서 간단한 게임을 만들고 게임 개발 기초를 학습한다</a:t>
+            </a:r>
+            <a:r>
+              <a:rPr lang="en-US" altLang="ko-KR" dirty="0"/>
+              <a:t>. </a:t>
+            </a:r>
+            <a:r>
+              <a:rPr lang="ko-KR" altLang="en-US" dirty="0"/>
+              <a:t>이미지를 표시하는 본격적인 게임 만들기에 앞서 무엇보다 중요한 기초이다</a:t>
+            </a:r>
+            <a:r>
+              <a:rPr lang="en-US" altLang="ko-KR" dirty="0"/>
+              <a:t>.</a:t>
+            </a:r>
+            <a:endParaRPr lang="ko-KR" altLang="en-US" dirty="0"/>
+          </a:p>
+        </p:txBody>
+      </p:sp>
+    </p:spTree>
+    <p:extLst>
+      <p:ext uri="{BB962C8B-B14F-4D97-AF65-F5344CB8AC3E}">
+        <p14:creationId xmlns:p14="http://schemas.microsoft.com/office/powerpoint/2010/main" val="919456587"/>
+      </p:ext>
+    </p:extLst>
+  </p:cSld>
+  <p:clrMapOvr>
+    <a:masterClrMapping/>
+  </p:clrMapOvr>
+</p:sld>
+</file>
+
+<file path=ppt/slides/slide22.xml><?xml version="1.0" encoding="utf-8"?>
+<p:sld xmlns:a="http://schemas.openxmlformats.org/drawingml/2006/main" xmlns:r="http://schemas.openxmlformats.org/officeDocument/2006/relationships" xmlns:p="http://schemas.openxmlformats.org/presentationml/2006/main">
+  <p:cSld>
+    <p:spTree>
+      <p:nvGrpSpPr>
+        <p:cNvPr id="1" name=""/>
+        <p:cNvGrpSpPr/>
+        <p:nvPr/>
+      </p:nvGrpSpPr>
+      <p:grpSpPr>
+        <a:xfrm>
+          <a:off x="0" y="0"/>
+          <a:ext cx="0" cy="0"/>
+          <a:chOff x="0" y="0"/>
+          <a:chExt cx="0" cy="0"/>
+        </a:xfrm>
+      </p:grpSpPr>
+      <p:sp>
+        <p:nvSpPr>
+          <p:cNvPr id="2" name="제목 1">
+            <a:extLst>
+              <a:ext uri="{FF2B5EF4-FFF2-40B4-BE49-F238E27FC236}">
+                <a16:creationId xmlns:a16="http://schemas.microsoft.com/office/drawing/2014/main" id="{5B82987C-7F10-4ECE-96E8-898A41770503}"/>
+              </a:ext>
+            </a:extLst>
+          </p:cNvPr>
+          <p:cNvSpPr>
+            <a:spLocks noGrp="1"/>
+          </p:cNvSpPr>
+          <p:nvPr>
+            <p:ph type="title"/>
+          </p:nvPr>
+        </p:nvSpPr>
+        <p:spPr/>
+        <p:txBody>
+          <a:bodyPr/>
+          <a:lstStyle/>
+          <a:p>
+            <a:r>
+              <a:rPr lang="en-US" altLang="ko-KR" dirty="0"/>
+              <a:t>GUI</a:t>
+            </a:r>
+            <a:r>
+              <a:rPr lang="ko-KR" altLang="en-US" dirty="0"/>
+              <a:t>기초</a:t>
+            </a:r>
+            <a:r>
+              <a:rPr lang="en-US" altLang="ko-KR" dirty="0"/>
+              <a:t>1</a:t>
+            </a:r>
+            <a:endParaRPr lang="ko-KR" altLang="en-US" dirty="0"/>
+          </a:p>
+        </p:txBody>
+      </p:sp>
+      <p:sp>
+        <p:nvSpPr>
+          <p:cNvPr id="3" name="텍스트 개체 틀 2">
+            <a:extLst>
+              <a:ext uri="{FF2B5EF4-FFF2-40B4-BE49-F238E27FC236}">
+                <a16:creationId xmlns:a16="http://schemas.microsoft.com/office/drawing/2014/main" id="{858429BF-343D-4DA6-89B0-78DBE6F70199}"/>
+              </a:ext>
+            </a:extLst>
+          </p:cNvPr>
+          <p:cNvSpPr>
+            <a:spLocks noGrp="1"/>
+          </p:cNvSpPr>
+          <p:nvPr>
+            <p:ph type="body" idx="1"/>
+          </p:nvPr>
+        </p:nvSpPr>
+        <p:spPr/>
+        <p:txBody>
+          <a:bodyPr/>
+          <a:lstStyle/>
+          <a:p>
+            <a:r>
+              <a:rPr lang="ko-KR" altLang="en-US" dirty="0"/>
+              <a:t>본격적인 소프트웨어를 개발하기 위해서 </a:t>
+            </a:r>
+            <a:r>
+              <a:rPr lang="en-US" altLang="ko-KR" dirty="0"/>
+              <a:t>GUI(Graphic User Interface)</a:t>
+            </a:r>
+            <a:r>
+              <a:rPr lang="ko-KR" altLang="en-US" dirty="0"/>
+              <a:t>에 대해 반드시 알고 있어야 한다</a:t>
+            </a:r>
+            <a:r>
+              <a:rPr lang="en-US" altLang="ko-KR" dirty="0"/>
+              <a:t>. </a:t>
+            </a:r>
+            <a:r>
+              <a:rPr lang="ko-KR" altLang="en-US" dirty="0"/>
+              <a:t>이번 강의에서 </a:t>
+            </a:r>
+            <a:r>
+              <a:rPr lang="en-US" altLang="ko-KR" dirty="0"/>
+              <a:t>GUI</a:t>
+            </a:r>
+            <a:r>
+              <a:rPr lang="ko-KR" altLang="en-US" dirty="0"/>
+              <a:t>나 그래픽을 사용한 프로그램을 만들면서 프로그래밍 지식을 늘려간다</a:t>
+            </a:r>
+            <a:r>
+              <a:rPr lang="en-US" altLang="ko-KR" dirty="0"/>
+              <a:t>.</a:t>
+            </a:r>
+            <a:endParaRPr lang="ko-KR" altLang="en-US" dirty="0"/>
+          </a:p>
+        </p:txBody>
+      </p:sp>
+    </p:spTree>
+    <p:extLst>
+      <p:ext uri="{BB962C8B-B14F-4D97-AF65-F5344CB8AC3E}">
+        <p14:creationId xmlns:p14="http://schemas.microsoft.com/office/powerpoint/2010/main" val="2737484897"/>
+      </p:ext>
+    </p:extLst>
+  </p:cSld>
+  <p:clrMapOvr>
+    <a:masterClrMapping/>
+  </p:clrMapOvr>
+</p:sld>
+</file>
+
+<file path=ppt/slides/slide23.xml><?xml version="1.0" encoding="utf-8"?>
+<p:sld xmlns:a="http://schemas.openxmlformats.org/drawingml/2006/main" xmlns:r="http://schemas.openxmlformats.org/officeDocument/2006/relationships" xmlns:p="http://schemas.openxmlformats.org/presentationml/2006/main">
+  <p:cSld>
+    <p:spTree>
+      <p:nvGrpSpPr>
+        <p:cNvPr id="1" name=""/>
+        <p:cNvGrpSpPr/>
+        <p:nvPr/>
+      </p:nvGrpSpPr>
+      <p:grpSpPr>
+        <a:xfrm>
+          <a:off x="0" y="0"/>
+          <a:ext cx="0" cy="0"/>
+          <a:chOff x="0" y="0"/>
+          <a:chExt cx="0" cy="0"/>
+        </a:xfrm>
+      </p:grpSpPr>
+      <p:sp>
+        <p:nvSpPr>
+          <p:cNvPr id="2" name="제목 1">
+            <a:extLst>
+              <a:ext uri="{FF2B5EF4-FFF2-40B4-BE49-F238E27FC236}">
+                <a16:creationId xmlns:a16="http://schemas.microsoft.com/office/drawing/2014/main" id="{D86BD4B2-8B17-47A2-8E69-139A20B22C11}"/>
+              </a:ext>
+            </a:extLst>
+          </p:cNvPr>
+          <p:cNvSpPr>
+            <a:spLocks noGrp="1"/>
+          </p:cNvSpPr>
+          <p:nvPr>
+            <p:ph type="title"/>
+          </p:nvPr>
+        </p:nvSpPr>
+        <p:spPr/>
+        <p:txBody>
+          <a:bodyPr/>
+          <a:lstStyle/>
+          <a:p>
+            <a:r>
+              <a:rPr lang="en-US" altLang="ko-KR" dirty="0"/>
+              <a:t>GUI</a:t>
+            </a:r>
+            <a:r>
+              <a:rPr lang="ko-KR" altLang="en-US" dirty="0"/>
+              <a:t>기초</a:t>
+            </a:r>
+            <a:r>
+              <a:rPr lang="en-US" altLang="ko-KR" dirty="0"/>
+              <a:t>2</a:t>
+            </a:r>
+            <a:endParaRPr lang="ko-KR" altLang="en-US" dirty="0"/>
+          </a:p>
+        </p:txBody>
+      </p:sp>
+      <p:sp>
+        <p:nvSpPr>
+          <p:cNvPr id="3" name="텍스트 개체 틀 2">
+            <a:extLst>
+              <a:ext uri="{FF2B5EF4-FFF2-40B4-BE49-F238E27FC236}">
+                <a16:creationId xmlns:a16="http://schemas.microsoft.com/office/drawing/2014/main" id="{182D863E-2508-4F41-8291-36C7A05B6CD8}"/>
+              </a:ext>
+            </a:extLst>
+          </p:cNvPr>
+          <p:cNvSpPr>
+            <a:spLocks noGrp="1"/>
+          </p:cNvSpPr>
+          <p:nvPr>
+            <p:ph type="body" idx="1"/>
+          </p:nvPr>
+        </p:nvSpPr>
+        <p:spPr/>
+        <p:txBody>
+          <a:bodyPr/>
+          <a:lstStyle/>
+          <a:p>
+            <a:r>
+              <a:rPr lang="ko-KR" altLang="en-US" dirty="0"/>
+              <a:t>앞에서 공부한 텍스트 입력 필드 등 </a:t>
+            </a:r>
+            <a:r>
+              <a:rPr lang="en-US" altLang="ko-KR" dirty="0"/>
+              <a:t>GUI</a:t>
+            </a:r>
+            <a:r>
+              <a:rPr lang="ko-KR" altLang="en-US" dirty="0"/>
+              <a:t> 사용 방법에 대해 설명한다</a:t>
+            </a:r>
+            <a:r>
+              <a:rPr lang="en-US" altLang="ko-KR" dirty="0"/>
+              <a:t>. GUI</a:t>
+            </a:r>
+            <a:r>
+              <a:rPr lang="ko-KR" altLang="en-US" dirty="0"/>
+              <a:t>를 통해 진단 게임을 만들면서 게임개발 기초지식을 익힌다</a:t>
+            </a:r>
+            <a:r>
+              <a:rPr lang="en-US" altLang="ko-KR" dirty="0"/>
+              <a:t>.</a:t>
+            </a:r>
+            <a:endParaRPr lang="ko-KR" altLang="en-US" dirty="0"/>
+          </a:p>
+        </p:txBody>
+      </p:sp>
+    </p:spTree>
+    <p:extLst>
+      <p:ext uri="{BB962C8B-B14F-4D97-AF65-F5344CB8AC3E}">
+        <p14:creationId xmlns:p14="http://schemas.microsoft.com/office/powerpoint/2010/main" val="925012681"/>
+      </p:ext>
+    </p:extLst>
+  </p:cSld>
+  <p:clrMapOvr>
+    <a:masterClrMapping/>
+  </p:clrMapOvr>
+</p:sld>
+</file>
+
+<file path=ppt/slides/slide24.xml><?xml version="1.0" encoding="utf-8"?>
+<p:sld xmlns:a="http://schemas.openxmlformats.org/drawingml/2006/main" xmlns:r="http://schemas.openxmlformats.org/officeDocument/2006/relationships" xmlns:p="http://schemas.openxmlformats.org/presentationml/2006/main">
+  <p:cSld>
+    <p:spTree>
+      <p:nvGrpSpPr>
+        <p:cNvPr id="1" name=""/>
+        <p:cNvGrpSpPr/>
+        <p:nvPr/>
+      </p:nvGrpSpPr>
+      <p:grpSpPr>
+        <a:xfrm>
+          <a:off x="0" y="0"/>
+          <a:ext cx="0" cy="0"/>
+          <a:chOff x="0" y="0"/>
+          <a:chExt cx="0" cy="0"/>
+        </a:xfrm>
+      </p:grpSpPr>
+      <p:sp>
+        <p:nvSpPr>
+          <p:cNvPr id="2" name="제목 1">
+            <a:extLst>
+              <a:ext uri="{FF2B5EF4-FFF2-40B4-BE49-F238E27FC236}">
+                <a16:creationId xmlns:a16="http://schemas.microsoft.com/office/drawing/2014/main" id="{FB8EC036-C414-4E37-AFD3-A8F00E17AD55}"/>
+              </a:ext>
+            </a:extLst>
+          </p:cNvPr>
+          <p:cNvSpPr>
+            <a:spLocks noGrp="1"/>
+          </p:cNvSpPr>
+          <p:nvPr>
+            <p:ph type="title"/>
+          </p:nvPr>
+        </p:nvSpPr>
+        <p:spPr/>
+        <p:txBody>
+          <a:bodyPr/>
+          <a:lstStyle/>
+          <a:p>
+            <a:r>
+              <a:rPr lang="ko-KR" altLang="en-US" dirty="0"/>
+              <a:t>기본적인 게임 개발 기술</a:t>
+            </a:r>
+          </a:p>
+        </p:txBody>
+      </p:sp>
+      <p:sp>
+        <p:nvSpPr>
+          <p:cNvPr id="3" name="텍스트 개체 틀 2">
+            <a:extLst>
+              <a:ext uri="{FF2B5EF4-FFF2-40B4-BE49-F238E27FC236}">
+                <a16:creationId xmlns:a16="http://schemas.microsoft.com/office/drawing/2014/main" id="{6DE14B70-9911-49DA-973A-10F63208916A}"/>
+              </a:ext>
+            </a:extLst>
+          </p:cNvPr>
+          <p:cNvSpPr>
+            <a:spLocks noGrp="1"/>
+          </p:cNvSpPr>
+          <p:nvPr>
+            <p:ph type="body" idx="1"/>
+          </p:nvPr>
+        </p:nvSpPr>
+        <p:spPr/>
+        <p:txBody>
+          <a:bodyPr/>
+          <a:lstStyle/>
+          <a:p>
+            <a:r>
+              <a:rPr lang="ko-KR" altLang="en-US" dirty="0"/>
+              <a:t>게임소프트웨어는 항상 키 입력을 받아 화면을 계속해서 변경하며 움직인다</a:t>
+            </a:r>
+            <a:r>
+              <a:rPr lang="en-US" altLang="ko-KR" dirty="0"/>
+              <a:t>. </a:t>
+            </a:r>
+            <a:r>
+              <a:rPr lang="ko-KR" altLang="en-US" dirty="0"/>
+              <a:t>이를 실시간 처리라고 하는데 </a:t>
+            </a:r>
+            <a:r>
+              <a:rPr lang="ko-KR" altLang="en-US" dirty="0" err="1"/>
+              <a:t>파이썬에서</a:t>
+            </a:r>
+            <a:r>
+              <a:rPr lang="ko-KR" altLang="en-US" dirty="0"/>
+              <a:t> 실시간 처리를 수행하는 방법을 학습하고 캐릭터를 움직여 미로를 탈출하는 게임을 만들어 보자</a:t>
+            </a:r>
+            <a:r>
+              <a:rPr lang="en-US" altLang="ko-KR" dirty="0"/>
+              <a:t>.</a:t>
+            </a:r>
+            <a:endParaRPr lang="ko-KR" altLang="en-US" dirty="0"/>
+          </a:p>
+        </p:txBody>
+      </p:sp>
+    </p:spTree>
+    <p:extLst>
+      <p:ext uri="{BB962C8B-B14F-4D97-AF65-F5344CB8AC3E}">
+        <p14:creationId xmlns:p14="http://schemas.microsoft.com/office/powerpoint/2010/main" val="1342480703"/>
+      </p:ext>
+    </p:extLst>
+  </p:cSld>
+  <p:clrMapOvr>
+    <a:masterClrMapping/>
+  </p:clrMapOvr>
+</p:sld>
+</file>
+
 <file path=ppt/slides/slide3.xml><?xml version="1.0" encoding="utf-8"?>
 <p:sld xmlns:a="http://schemas.openxmlformats.org/drawingml/2006/main" xmlns:r="http://schemas.openxmlformats.org/officeDocument/2006/relationships" xmlns:p="http://schemas.openxmlformats.org/presentationml/2006/main">
   <p:cSld>
@@ -3891,7 +6525,7 @@
         </p:nvSpPr>
         <p:spPr>
           <a:xfrm rot="10800000">
-            <a:off x="2296738" y="3533775"/>
+            <a:off x="4152432" y="3892363"/>
             <a:ext cx="3935506" cy="741361"/>
           </a:xfrm>
           <a:prstGeom prst="curvedDownArrow">
@@ -3941,7 +6575,7 @@
         </p:nvSpPr>
         <p:spPr>
           <a:xfrm>
-            <a:off x="2402541" y="1952626"/>
+            <a:off x="4258235" y="2311214"/>
             <a:ext cx="3935506" cy="741361"/>
           </a:xfrm>
           <a:prstGeom prst="curvedDownArrow">
@@ -4038,7 +6672,7 @@
         </p:blipFill>
         <p:spPr>
           <a:xfrm>
-            <a:off x="643731" y="1854200"/>
+            <a:off x="2499425" y="2212788"/>
             <a:ext cx="2593975" cy="2593975"/>
           </a:xfrm>
         </p:spPr>
@@ -4074,7 +6708,7 @@
         </p:blipFill>
         <p:spPr>
           <a:xfrm>
-            <a:off x="3790950" y="1690688"/>
+            <a:off x="5646644" y="2049276"/>
             <a:ext cx="914400" cy="914400"/>
           </a:xfrm>
           <a:prstGeom prst="rect">
@@ -4113,7 +6747,7 @@
         </p:blipFill>
         <p:spPr>
           <a:xfrm>
-            <a:off x="4152503" y="3533775"/>
+            <a:off x="6008197" y="3892363"/>
             <a:ext cx="914400" cy="914400"/>
           </a:xfrm>
           <a:prstGeom prst="rect">
@@ -4152,7 +6786,7 @@
         </p:blipFill>
         <p:spPr>
           <a:xfrm>
-            <a:off x="3695303" y="3795713"/>
+            <a:off x="5550997" y="4154301"/>
             <a:ext cx="914400" cy="914400"/>
           </a:xfrm>
           <a:prstGeom prst="rect">
@@ -4191,7 +6825,7 @@
         </p:blipFill>
         <p:spPr>
           <a:xfrm>
-            <a:off x="5742781" y="2693987"/>
+            <a:off x="7598475" y="3052575"/>
             <a:ext cx="914400" cy="914400"/>
           </a:xfrm>
           <a:prstGeom prst="rect">
@@ -4213,7 +6847,7 @@
         </p:nvSpPr>
         <p:spPr>
           <a:xfrm>
-            <a:off x="1524000" y="3795713"/>
+            <a:off x="3379694" y="4154301"/>
             <a:ext cx="646331" cy="369332"/>
           </a:xfrm>
           <a:prstGeom prst="rect">
@@ -4248,7 +6882,7 @@
         </p:nvSpPr>
         <p:spPr>
           <a:xfrm>
-            <a:off x="4087906" y="2605088"/>
+            <a:off x="5943600" y="2963676"/>
             <a:ext cx="646331" cy="369332"/>
           </a:xfrm>
           <a:prstGeom prst="rect">
@@ -4283,7 +6917,7 @@
         </p:nvSpPr>
         <p:spPr>
           <a:xfrm>
-            <a:off x="6657181" y="3421059"/>
+            <a:off x="8512875" y="3779647"/>
             <a:ext cx="877163" cy="369332"/>
           </a:xfrm>
           <a:prstGeom prst="rect">
@@ -4318,7 +6952,7 @@
         </p:nvSpPr>
         <p:spPr>
           <a:xfrm>
-            <a:off x="4051662" y="4840941"/>
+            <a:off x="5907356" y="5199529"/>
             <a:ext cx="415498" cy="369332"/>
           </a:xfrm>
           <a:prstGeom prst="rect">
@@ -5292,10 +7926,10 @@
       </p:grpSpPr>
       <p:sp>
         <p:nvSpPr>
-          <p:cNvPr id="4" name="제목 3">
-            <a:extLst>
-              <a:ext uri="{FF2B5EF4-FFF2-40B4-BE49-F238E27FC236}">
-                <a16:creationId xmlns:a16="http://schemas.microsoft.com/office/drawing/2014/main" id="{81702A56-76D2-439C-9DC6-6FF269B97556}"/>
+          <p:cNvPr id="2" name="제목 1">
+            <a:extLst>
+              <a:ext uri="{FF2B5EF4-FFF2-40B4-BE49-F238E27FC236}">
+                <a16:creationId xmlns:a16="http://schemas.microsoft.com/office/drawing/2014/main" id="{BCB5F88B-FD41-4EAE-BFF2-24D71043D50C}"/>
               </a:ext>
             </a:extLst>
           </p:cNvPr>
@@ -5313,88 +7947,352 @@
           <a:p>
             <a:r>
               <a:rPr lang="ko-KR" altLang="en-US" dirty="0"/>
-              <a:t>파이썬 설치하기</a:t>
-            </a:r>
-          </a:p>
-        </p:txBody>
-      </p:sp>
-      <p:sp>
-        <p:nvSpPr>
-          <p:cNvPr id="5" name="텍스트 개체 틀 4">
-            <a:extLst>
-              <a:ext uri="{FF2B5EF4-FFF2-40B4-BE49-F238E27FC236}">
-                <a16:creationId xmlns:a16="http://schemas.microsoft.com/office/drawing/2014/main" id="{71A559BC-4A04-48FF-B540-81314C9E3534}"/>
-              </a:ext>
-            </a:extLst>
-          </p:cNvPr>
-          <p:cNvSpPr>
-            <a:spLocks noGrp="1"/>
-          </p:cNvSpPr>
-          <p:nvPr>
-            <p:ph type="body" idx="1"/>
-          </p:nvPr>
-        </p:nvSpPr>
-        <p:spPr/>
+              <a:t>게임 프로그래머란</a:t>
+            </a:r>
+            <a:r>
+              <a:rPr lang="en-US" altLang="ko-KR" dirty="0"/>
+              <a:t>?</a:t>
+            </a:r>
+            <a:endParaRPr lang="ko-KR" altLang="en-US" dirty="0"/>
+          </a:p>
+        </p:txBody>
+      </p:sp>
+      <p:sp>
+        <p:nvSpPr>
+          <p:cNvPr id="3" name="내용 개체 틀 2">
+            <a:extLst>
+              <a:ext uri="{FF2B5EF4-FFF2-40B4-BE49-F238E27FC236}">
+                <a16:creationId xmlns:a16="http://schemas.microsoft.com/office/drawing/2014/main" id="{03275A90-9D5D-4062-8F5E-C4FAA28D20BB}"/>
+              </a:ext>
+            </a:extLst>
+          </p:cNvPr>
+          <p:cNvSpPr>
+            <a:spLocks noGrp="1"/>
+          </p:cNvSpPr>
+          <p:nvPr>
+            <p:ph idx="1"/>
+          </p:nvPr>
+        </p:nvSpPr>
+        <p:spPr>
+          <a:xfrm>
+            <a:off x="838200" y="1825625"/>
+            <a:ext cx="10515600" cy="1114799"/>
+          </a:xfrm>
+        </p:spPr>
         <p:txBody>
           <a:bodyPr/>
           <a:lstStyle/>
           <a:p>
             <a:r>
               <a:rPr lang="ko-KR" altLang="en-US" dirty="0"/>
-              <a:t>이번 강의에서 파이썬 프로그래밍 언어에 대해 설명하고 여러분이 </a:t>
+              <a:t>게임 프로그래머는 기획자 등이 고안한 사양을 바탕으로 프로그램을 작성하고</a:t>
             </a:r>
             <a:r>
               <a:rPr lang="en-US" altLang="ko-KR" dirty="0"/>
-              <a:t>PC</a:t>
-            </a:r>
-            <a:r>
-              <a:rPr lang="ko-KR" altLang="en-US" dirty="0"/>
-              <a:t>에 </a:t>
-            </a:r>
-            <a:r>
-              <a:rPr lang="ko-KR" altLang="en-US" dirty="0" err="1"/>
-              <a:t>파이썬을</a:t>
-            </a:r>
-            <a:r>
-              <a:rPr lang="ko-KR" altLang="en-US" dirty="0"/>
-              <a:t> 직접 설치한다</a:t>
-            </a:r>
-            <a:r>
-              <a:rPr lang="en-US" altLang="ko-KR" dirty="0"/>
-              <a:t>. </a:t>
-            </a:r>
-            <a:r>
-              <a:rPr lang="ko-KR" altLang="en-US" dirty="0"/>
-              <a:t>설치나 설정이 어려운 프로그래밍 언어들도 있으나 </a:t>
-            </a:r>
-            <a:r>
-              <a:rPr lang="ko-KR" altLang="en-US" dirty="0" err="1"/>
-              <a:t>파이썬은</a:t>
-            </a:r>
-            <a:r>
-              <a:rPr lang="ko-KR" altLang="en-US" dirty="0"/>
-              <a:t> 매우 쉽게 설치할 수 있다</a:t>
-            </a:r>
-            <a:r>
-              <a:rPr lang="en-US" altLang="ko-KR" dirty="0"/>
-              <a:t>. </a:t>
-            </a:r>
-            <a:r>
-              <a:rPr lang="ko-KR" altLang="en-US" dirty="0"/>
-              <a:t>그리고 바로 사용할 수 있다</a:t>
-            </a:r>
-            <a:r>
-              <a:rPr lang="en-US" altLang="ko-KR" dirty="0"/>
-              <a:t>.</a:t>
-            </a:r>
-            <a:endParaRPr lang="ko-KR" altLang="en-US" dirty="0"/>
-          </a:p>
-        </p:txBody>
-      </p:sp>
+              <a:t>, </a:t>
+            </a:r>
+            <a:r>
+              <a:rPr lang="ko-KR" altLang="en-US" dirty="0"/>
+              <a:t>게임이 실제로 움직이도록 하는 역할</a:t>
+            </a:r>
+          </a:p>
+        </p:txBody>
+      </p:sp>
+      <p:graphicFrame>
+        <p:nvGraphicFramePr>
+          <p:cNvPr id="4" name="표 4">
+            <a:extLst>
+              <a:ext uri="{FF2B5EF4-FFF2-40B4-BE49-F238E27FC236}">
+                <a16:creationId xmlns:a16="http://schemas.microsoft.com/office/drawing/2014/main" id="{17C41389-17B1-44CB-8775-C409E581F39B}"/>
+              </a:ext>
+            </a:extLst>
+          </p:cNvPr>
+          <p:cNvGraphicFramePr>
+            <a:graphicFrameLocks noGrp="1"/>
+          </p:cNvGraphicFramePr>
+          <p:nvPr>
+            <p:extLst>
+              <p:ext uri="{D42A27DB-BD31-4B8C-83A1-F6EECF244321}">
+                <p14:modId xmlns:p14="http://schemas.microsoft.com/office/powerpoint/2010/main" val="203454948"/>
+              </p:ext>
+            </p:extLst>
+          </p:nvPr>
+        </p:nvGraphicFramePr>
+        <p:xfrm>
+          <a:off x="759010" y="2779059"/>
+          <a:ext cx="10321366" cy="2909344"/>
+        </p:xfrm>
+        <a:graphic>
+          <a:graphicData uri="http://schemas.openxmlformats.org/drawingml/2006/table">
+            <a:tbl>
+              <a:tblPr firstRow="1" bandRow="1">
+                <a:tableStyleId>{93296810-A885-4BE3-A3E7-6D5BEEA58F35}</a:tableStyleId>
+              </a:tblPr>
+              <a:tblGrid>
+                <a:gridCol w="2692402">
+                  <a:extLst>
+                    <a:ext uri="{9D8B030D-6E8A-4147-A177-3AD203B41FA5}">
+                      <a16:colId xmlns:a16="http://schemas.microsoft.com/office/drawing/2014/main" val="4097005879"/>
+                    </a:ext>
+                  </a:extLst>
+                </a:gridCol>
+                <a:gridCol w="7628964">
+                  <a:extLst>
+                    <a:ext uri="{9D8B030D-6E8A-4147-A177-3AD203B41FA5}">
+                      <a16:colId xmlns:a16="http://schemas.microsoft.com/office/drawing/2014/main" val="525334282"/>
+                    </a:ext>
+                  </a:extLst>
+                </a:gridCol>
+              </a:tblGrid>
+              <a:tr h="557871">
+                <a:tc>
+                  <a:txBody>
+                    <a:bodyPr/>
+                    <a:lstStyle/>
+                    <a:p>
+                      <a:pPr algn="ctr" latinLnBrk="1"/>
+                      <a:r>
+                        <a:rPr lang="ko-KR" altLang="en-US" dirty="0"/>
+                        <a:t>직종</a:t>
+                      </a:r>
+                    </a:p>
+                  </a:txBody>
+                  <a:tcPr/>
+                </a:tc>
+                <a:tc>
+                  <a:txBody>
+                    <a:bodyPr/>
+                    <a:lstStyle/>
+                    <a:p>
+                      <a:pPr algn="ctr" latinLnBrk="1"/>
+                      <a:r>
+                        <a:rPr lang="ko-KR" altLang="en-US" dirty="0"/>
+                        <a:t>주요 업무</a:t>
+                      </a:r>
+                    </a:p>
+                  </a:txBody>
+                  <a:tcPr/>
+                </a:tc>
+                <a:extLst>
+                  <a:ext uri="{0D108BD9-81ED-4DB2-BD59-A6C34878D82A}">
+                    <a16:rowId xmlns:a16="http://schemas.microsoft.com/office/drawing/2014/main" val="1280226454"/>
+                  </a:ext>
+                </a:extLst>
+              </a:tr>
+              <a:tr h="557871">
+                <a:tc>
+                  <a:txBody>
+                    <a:bodyPr/>
+                    <a:lstStyle/>
+                    <a:p>
+                      <a:pPr latinLnBrk="1"/>
+                      <a:r>
+                        <a:rPr lang="ko-KR" altLang="en-US" dirty="0"/>
+                        <a:t>시스템 프로그래머</a:t>
+                      </a:r>
+                    </a:p>
+                  </a:txBody>
+                  <a:tcPr/>
+                </a:tc>
+                <a:tc>
+                  <a:txBody>
+                    <a:bodyPr/>
+                    <a:lstStyle/>
+                    <a:p>
+                      <a:pPr latinLnBrk="1"/>
+                      <a:r>
+                        <a:rPr lang="ko-KR" altLang="en-US" dirty="0"/>
+                        <a:t>게임 제작의 기반이 되는 시스템 프로그램 개발</a:t>
+                      </a:r>
+                    </a:p>
+                  </a:txBody>
+                  <a:tcPr/>
+                </a:tc>
+                <a:extLst>
+                  <a:ext uri="{0D108BD9-81ED-4DB2-BD59-A6C34878D82A}">
+                    <a16:rowId xmlns:a16="http://schemas.microsoft.com/office/drawing/2014/main" val="3381108197"/>
+                  </a:ext>
+                </a:extLst>
+              </a:tr>
+              <a:tr h="1055060">
+                <a:tc>
+                  <a:txBody>
+                    <a:bodyPr/>
+                    <a:lstStyle/>
+                    <a:p>
+                      <a:pPr latinLnBrk="1"/>
+                      <a:r>
+                        <a:rPr lang="ko-KR" altLang="en-US" dirty="0"/>
+                        <a:t>메인 프로그래머</a:t>
+                      </a:r>
+                    </a:p>
+                  </a:txBody>
+                  <a:tcPr/>
+                </a:tc>
+                <a:tc>
+                  <a:txBody>
+                    <a:bodyPr/>
+                    <a:lstStyle/>
+                    <a:p>
+                      <a:pPr latinLnBrk="1"/>
+                      <a:r>
+                        <a:rPr lang="ko-KR" altLang="en-US" dirty="0"/>
+                        <a:t>게임의 주요 부분 개발</a:t>
+                      </a:r>
+                      <a:r>
+                        <a:rPr lang="en-US" altLang="ko-KR" dirty="0"/>
+                        <a:t>, </a:t>
+                      </a:r>
+                      <a:r>
+                        <a:rPr lang="ko-KR" altLang="en-US" dirty="0"/>
+                        <a:t>예를 들어 액션 게임이라면 게임 전체 흐름과 주인공을 움직이는 처리를 제작하는 기술을 가진 사람이 메인 프로그래머 역할 수행</a:t>
+                      </a:r>
+                    </a:p>
+                  </a:txBody>
+                  <a:tcPr/>
+                </a:tc>
+                <a:extLst>
+                  <a:ext uri="{0D108BD9-81ED-4DB2-BD59-A6C34878D82A}">
+                    <a16:rowId xmlns:a16="http://schemas.microsoft.com/office/drawing/2014/main" val="4189801573"/>
+                  </a:ext>
+                </a:extLst>
+              </a:tr>
+              <a:tr h="738542">
+                <a:tc>
+                  <a:txBody>
+                    <a:bodyPr/>
+                    <a:lstStyle/>
+                    <a:p>
+                      <a:pPr latinLnBrk="1"/>
+                      <a:r>
+                        <a:rPr lang="ko-KR" altLang="en-US" dirty="0"/>
+                        <a:t>서브 프로그래머</a:t>
+                      </a:r>
+                    </a:p>
+                  </a:txBody>
+                  <a:tcPr/>
+                </a:tc>
+                <a:tc>
+                  <a:txBody>
+                    <a:bodyPr/>
+                    <a:lstStyle/>
+                    <a:p>
+                      <a:pPr latinLnBrk="1"/>
+                      <a:r>
+                        <a:rPr lang="ko-KR" altLang="en-US" dirty="0"/>
+                        <a:t>게임의 부수적인 부분 개발</a:t>
+                      </a:r>
+                      <a:r>
+                        <a:rPr lang="en-US" altLang="ko-KR" dirty="0"/>
+                        <a:t>, </a:t>
+                      </a:r>
+                      <a:r>
+                        <a:rPr lang="ko-KR" altLang="en-US" dirty="0"/>
+                        <a:t>액션 게임이라면 적의 움직임이나 메뉴화면 등을 개발</a:t>
+                      </a:r>
+                    </a:p>
+                  </a:txBody>
+                  <a:tcPr/>
+                </a:tc>
+                <a:extLst>
+                  <a:ext uri="{0D108BD9-81ED-4DB2-BD59-A6C34878D82A}">
+                    <a16:rowId xmlns:a16="http://schemas.microsoft.com/office/drawing/2014/main" val="2405133366"/>
+                  </a:ext>
+                </a:extLst>
+              </a:tr>
+            </a:tbl>
+          </a:graphicData>
+        </a:graphic>
+      </p:graphicFrame>
+      <p:graphicFrame>
+        <p:nvGraphicFramePr>
+          <p:cNvPr id="5" name="표 5">
+            <a:extLst>
+              <a:ext uri="{FF2B5EF4-FFF2-40B4-BE49-F238E27FC236}">
+                <a16:creationId xmlns:a16="http://schemas.microsoft.com/office/drawing/2014/main" id="{5013F14F-A649-4873-9666-4AC239CE0CFE}"/>
+              </a:ext>
+            </a:extLst>
+          </p:cNvPr>
+          <p:cNvGraphicFramePr>
+            <a:graphicFrameLocks noGrp="1"/>
+          </p:cNvGraphicFramePr>
+          <p:nvPr>
+            <p:extLst>
+              <p:ext uri="{D42A27DB-BD31-4B8C-83A1-F6EECF244321}">
+                <p14:modId xmlns:p14="http://schemas.microsoft.com/office/powerpoint/2010/main" val="1541957330"/>
+              </p:ext>
+            </p:extLst>
+          </p:nvPr>
+        </p:nvGraphicFramePr>
+        <p:xfrm>
+          <a:off x="759009" y="5932319"/>
+          <a:ext cx="10321366" cy="560556"/>
+        </p:xfrm>
+        <a:graphic>
+          <a:graphicData uri="http://schemas.openxmlformats.org/drawingml/2006/table">
+            <a:tbl>
+              <a:tblPr firstRow="1" bandRow="1">
+                <a:tableStyleId>{93296810-A885-4BE3-A3E7-6D5BEEA58F35}</a:tableStyleId>
+              </a:tblPr>
+              <a:tblGrid>
+                <a:gridCol w="2692403">
+                  <a:extLst>
+                    <a:ext uri="{9D8B030D-6E8A-4147-A177-3AD203B41FA5}">
+                      <a16:colId xmlns:a16="http://schemas.microsoft.com/office/drawing/2014/main" val="219876164"/>
+                    </a:ext>
+                  </a:extLst>
+                </a:gridCol>
+                <a:gridCol w="7628963">
+                  <a:extLst>
+                    <a:ext uri="{9D8B030D-6E8A-4147-A177-3AD203B41FA5}">
+                      <a16:colId xmlns:a16="http://schemas.microsoft.com/office/drawing/2014/main" val="1550921856"/>
+                    </a:ext>
+                  </a:extLst>
+                </a:gridCol>
+              </a:tblGrid>
+              <a:tr h="560556">
+                <a:tc>
+                  <a:txBody>
+                    <a:bodyPr/>
+                    <a:lstStyle/>
+                    <a:p>
+                      <a:pPr latinLnBrk="1"/>
+                      <a:r>
+                        <a:rPr lang="ko-KR" altLang="en-US" dirty="0"/>
+                        <a:t>서버 프로그래머</a:t>
+                      </a:r>
+                    </a:p>
+                  </a:txBody>
+                  <a:tcPr/>
+                </a:tc>
+                <a:tc>
+                  <a:txBody>
+                    <a:bodyPr/>
+                    <a:lstStyle/>
+                    <a:p>
+                      <a:pPr latinLnBrk="1"/>
+                      <a:r>
+                        <a:rPr lang="ko-KR" altLang="en-US" dirty="0"/>
+                        <a:t>네트워크를 통해 데이터를 전달하는 서버측 프로그래머</a:t>
+                      </a:r>
+                    </a:p>
+                  </a:txBody>
+                  <a:tcPr/>
+                </a:tc>
+                <a:extLst>
+                  <a:ext uri="{0D108BD9-81ED-4DB2-BD59-A6C34878D82A}">
+                    <a16:rowId xmlns:a16="http://schemas.microsoft.com/office/drawing/2014/main" val="3825851256"/>
+                  </a:ext>
+                </a:extLst>
+              </a:tr>
+            </a:tbl>
+          </a:graphicData>
+        </a:graphic>
+      </p:graphicFrame>
     </p:spTree>
     <p:extLst>
       <p:ext uri="{BB962C8B-B14F-4D97-AF65-F5344CB8AC3E}">
-        <p14:creationId xmlns:p14="http://schemas.microsoft.com/office/powerpoint/2010/main" val="2039396956"/>
+        <p14:creationId xmlns:p14="http://schemas.microsoft.com/office/powerpoint/2010/main" val="804783328"/>
       </p:ext>
     </p:extLst>
   </p:cSld>
@@ -5423,10 +8321,10 @@
       </p:grpSpPr>
       <p:sp>
         <p:nvSpPr>
-          <p:cNvPr id="4" name="제목 3">
-            <a:extLst>
-              <a:ext uri="{FF2B5EF4-FFF2-40B4-BE49-F238E27FC236}">
-                <a16:creationId xmlns:a16="http://schemas.microsoft.com/office/drawing/2014/main" id="{81702A56-76D2-439C-9DC6-6FF269B97556}"/>
+          <p:cNvPr id="2" name="제목 1">
+            <a:extLst>
+              <a:ext uri="{FF2B5EF4-FFF2-40B4-BE49-F238E27FC236}">
+                <a16:creationId xmlns:a16="http://schemas.microsoft.com/office/drawing/2014/main" id="{ECA243C2-A133-4273-8B45-51A312F8555C}"/>
               </a:ext>
             </a:extLst>
           </p:cNvPr>
@@ -5444,25 +8342,30 @@
           <a:p>
             <a:r>
               <a:rPr lang="ko-KR" altLang="en-US" dirty="0"/>
-              <a:t>파이썬 시작하기</a:t>
-            </a:r>
-          </a:p>
-        </p:txBody>
-      </p:sp>
-      <p:sp>
-        <p:nvSpPr>
-          <p:cNvPr id="5" name="텍스트 개체 틀 4">
-            <a:extLst>
-              <a:ext uri="{FF2B5EF4-FFF2-40B4-BE49-F238E27FC236}">
-                <a16:creationId xmlns:a16="http://schemas.microsoft.com/office/drawing/2014/main" id="{71A559BC-4A04-48FF-B540-81314C9E3534}"/>
-              </a:ext>
-            </a:extLst>
-          </p:cNvPr>
-          <p:cNvSpPr>
-            <a:spLocks noGrp="1"/>
-          </p:cNvSpPr>
-          <p:nvPr>
-            <p:ph type="body" idx="1"/>
+              <a:t>게임 회사에서는</a:t>
+            </a:r>
+            <a:r>
+              <a:rPr lang="en-US" altLang="ko-KR" dirty="0"/>
+              <a:t>…</a:t>
+            </a:r>
+            <a:endParaRPr lang="ko-KR" altLang="en-US" dirty="0"/>
+          </a:p>
+        </p:txBody>
+      </p:sp>
+      <p:sp>
+        <p:nvSpPr>
+          <p:cNvPr id="3" name="내용 개체 틀 2">
+            <a:extLst>
+              <a:ext uri="{FF2B5EF4-FFF2-40B4-BE49-F238E27FC236}">
+                <a16:creationId xmlns:a16="http://schemas.microsoft.com/office/drawing/2014/main" id="{F2813AB0-C11E-416A-9B1D-A4CE14EE6F75}"/>
+              </a:ext>
+            </a:extLst>
+          </p:cNvPr>
+          <p:cNvSpPr>
+            <a:spLocks noGrp="1"/>
+          </p:cNvSpPr>
+          <p:nvPr>
+            <p:ph idx="1"/>
           </p:nvPr>
         </p:nvSpPr>
         <p:spPr/>
@@ -5472,7 +8375,7 @@
           <a:p>
             <a:r>
               <a:rPr lang="ko-KR" altLang="en-US" dirty="0"/>
-              <a:t>파이썬 프로그래밍을 시작해 본다</a:t>
+              <a:t>게임 회사에서 일한다고 하면 대부분 프로그래밍을 하거나 이미지를 그려서 게임을 만들어가는 모습을 상상한다</a:t>
             </a:r>
             <a:r>
               <a:rPr lang="en-US" altLang="ko-KR" dirty="0"/>
@@ -5480,23 +8383,79 @@
             </a:r>
             <a:r>
               <a:rPr lang="ko-KR" altLang="en-US" dirty="0"/>
-              <a:t>먼저 </a:t>
+              <a:t>물론 맞는 말이지만 게임 업계에서는 </a:t>
+            </a:r>
+            <a:r>
+              <a:rPr lang="ko-KR" altLang="en-US" dirty="0" err="1"/>
+              <a:t>크리에이터들만</a:t>
+            </a:r>
+            <a:r>
+              <a:rPr lang="ko-KR" altLang="en-US" dirty="0"/>
+              <a:t> 있는 것은 아니다</a:t>
             </a:r>
             <a:r>
               <a:rPr lang="en-US" altLang="ko-KR" dirty="0"/>
-              <a:t>IDLE</a:t>
-            </a:r>
-            <a:r>
-              <a:rPr lang="ko-KR" altLang="en-US" dirty="0"/>
-              <a:t>에 직접 계산식이나 명령을 입력해 컴퓨터에 간단한 처리를 해본다</a:t>
+              <a:t>.</a:t>
+            </a:r>
+          </a:p>
+          <a:p>
+            <a:r>
+              <a:rPr lang="ko-KR" altLang="en-US" dirty="0"/>
+              <a:t>영업이나 판매 부분에서는 게임을 판매하기 위해 일하는 사람들이 있고</a:t>
+            </a:r>
+            <a:r>
+              <a:rPr lang="en-US" altLang="ko-KR" dirty="0"/>
+              <a:t>, </a:t>
+            </a:r>
+            <a:r>
+              <a:rPr lang="ko-KR" altLang="en-US" dirty="0"/>
+              <a:t>어느 정도 큰 규모라면 사무</a:t>
+            </a:r>
+            <a:r>
+              <a:rPr lang="en-US" altLang="ko-KR" dirty="0"/>
+              <a:t>, </a:t>
+            </a:r>
+            <a:r>
+              <a:rPr lang="ko-KR" altLang="en-US" dirty="0"/>
+              <a:t>회계</a:t>
+            </a:r>
+            <a:r>
+              <a:rPr lang="en-US" altLang="ko-KR" dirty="0"/>
+              <a:t>, </a:t>
+            </a:r>
+            <a:r>
+              <a:rPr lang="ko-KR" altLang="en-US" dirty="0"/>
+              <a:t>인력관리 등을 수행하는 부서에도 사람들이 있다</a:t>
             </a:r>
             <a:r>
               <a:rPr lang="en-US" altLang="ko-KR" dirty="0"/>
               <a:t>. </a:t>
             </a:r>
-            <a:r>
-              <a:rPr lang="ko-KR" altLang="en-US" dirty="0"/>
-              <a:t>기본적인 조작이 익숙해 진 이후에는 프로그램 파일을 만들어보고 그 파일에 프로그램을 입력해 본다</a:t>
+          </a:p>
+          <a:p>
+            <a:r>
+              <a:rPr lang="ko-KR" altLang="en-US" dirty="0"/>
+              <a:t>남코</a:t>
+            </a:r>
+            <a:r>
+              <a:rPr lang="en-US" altLang="ko-KR" dirty="0"/>
+              <a:t>, </a:t>
+            </a:r>
+            <a:r>
+              <a:rPr lang="ko-KR" altLang="en-US" dirty="0"/>
+              <a:t>세가</a:t>
+            </a:r>
+            <a:r>
+              <a:rPr lang="en-US" altLang="ko-KR" dirty="0"/>
+              <a:t>, </a:t>
+            </a:r>
+            <a:r>
+              <a:rPr lang="ko-KR" altLang="en-US" dirty="0" err="1"/>
+              <a:t>타이토</a:t>
+            </a:r>
+            <a:r>
+              <a:rPr lang="ko-KR" altLang="en-US" dirty="0"/>
+              <a:t> 등의 게임회사에는 전국 각지의 게임센터에 정규직 직원이나 파트타임 직원이 있다</a:t>
             </a:r>
             <a:r>
               <a:rPr lang="en-US" altLang="ko-KR" dirty="0"/>
@@ -5509,7 +8468,7 @@
     </p:spTree>
     <p:extLst>
       <p:ext uri="{BB962C8B-B14F-4D97-AF65-F5344CB8AC3E}">
-        <p14:creationId xmlns:p14="http://schemas.microsoft.com/office/powerpoint/2010/main" val="1507403729"/>
+        <p14:creationId xmlns:p14="http://schemas.microsoft.com/office/powerpoint/2010/main" val="1967587526"/>
       </p:ext>
     </p:extLst>
   </p:cSld>
@@ -5538,10 +8497,10 @@
       </p:grpSpPr>
       <p:sp>
         <p:nvSpPr>
-          <p:cNvPr id="4" name="제목 3">
-            <a:extLst>
-              <a:ext uri="{FF2B5EF4-FFF2-40B4-BE49-F238E27FC236}">
-                <a16:creationId xmlns:a16="http://schemas.microsoft.com/office/drawing/2014/main" id="{81702A56-76D2-439C-9DC6-6FF269B97556}"/>
+          <p:cNvPr id="2" name="제목 1">
+            <a:extLst>
+              <a:ext uri="{FF2B5EF4-FFF2-40B4-BE49-F238E27FC236}">
+                <a16:creationId xmlns:a16="http://schemas.microsoft.com/office/drawing/2014/main" id="{AF0F958D-A9A6-476D-AE4B-14661ABD74D1}"/>
               </a:ext>
             </a:extLst>
           </p:cNvPr>
@@ -5559,35 +8518,64 @@
           <a:p>
             <a:r>
               <a:rPr lang="ko-KR" altLang="en-US" dirty="0"/>
-              <a:t>프로그래밍 기초</a:t>
-            </a:r>
-          </a:p>
-        </p:txBody>
-      </p:sp>
-      <p:sp>
-        <p:nvSpPr>
-          <p:cNvPr id="5" name="텍스트 개체 틀 4">
-            <a:extLst>
-              <a:ext uri="{FF2B5EF4-FFF2-40B4-BE49-F238E27FC236}">
-                <a16:creationId xmlns:a16="http://schemas.microsoft.com/office/drawing/2014/main" id="{71A559BC-4A04-48FF-B540-81314C9E3534}"/>
-              </a:ext>
-            </a:extLst>
-          </p:cNvPr>
-          <p:cNvSpPr>
-            <a:spLocks noGrp="1"/>
-          </p:cNvSpPr>
-          <p:nvPr>
-            <p:ph type="body" idx="1"/>
-          </p:nvPr>
-        </p:nvSpPr>
-        <p:spPr/>
-        <p:txBody>
-          <a:bodyPr/>
-          <a:lstStyle/>
-          <a:p>
-            <a:r>
-              <a:rPr lang="ko-KR" altLang="en-US" dirty="0"/>
-              <a:t>게임 개발에 앞서 프로그래밍 기초를 학습한다</a:t>
+              <a:t>게임 프로그래머가 되려면</a:t>
+            </a:r>
+            <a:r>
+              <a:rPr lang="en-US" altLang="ko-KR" dirty="0"/>
+              <a:t>…</a:t>
+            </a:r>
+            <a:endParaRPr lang="ko-KR" altLang="en-US" dirty="0"/>
+          </a:p>
+        </p:txBody>
+      </p:sp>
+      <p:sp>
+        <p:nvSpPr>
+          <p:cNvPr id="3" name="내용 개체 틀 2">
+            <a:extLst>
+              <a:ext uri="{FF2B5EF4-FFF2-40B4-BE49-F238E27FC236}">
+                <a16:creationId xmlns:a16="http://schemas.microsoft.com/office/drawing/2014/main" id="{7AD92F25-3587-4569-9D82-B9FF934AE165}"/>
+              </a:ext>
+            </a:extLst>
+          </p:cNvPr>
+          <p:cNvSpPr>
+            <a:spLocks noGrp="1"/>
+          </p:cNvSpPr>
+          <p:nvPr>
+            <p:ph idx="1"/>
+          </p:nvPr>
+        </p:nvSpPr>
+        <p:spPr>
+          <a:xfrm>
+            <a:off x="838200" y="1371600"/>
+            <a:ext cx="10515600" cy="5121275"/>
+          </a:xfrm>
+        </p:spPr>
+        <p:txBody>
+          <a:bodyPr>
+            <a:normAutofit fontScale="70000" lnSpcReduction="20000"/>
+          </a:bodyPr>
+          <a:lstStyle/>
+          <a:p>
+            <a:pPr>
+              <a:lnSpc>
+                <a:spcPct val="160000"/>
+              </a:lnSpc>
+            </a:pPr>
+            <a:r>
+              <a:rPr lang="ko-KR" altLang="en-US" dirty="0"/>
+              <a:t>전업 프로그래머 </a:t>
+            </a:r>
+            <a:endParaRPr lang="en-US" altLang="ko-KR" dirty="0"/>
+          </a:p>
+          <a:p>
+            <a:pPr lvl="1">
+              <a:lnSpc>
+                <a:spcPct val="160000"/>
+              </a:lnSpc>
+            </a:pPr>
+            <a:r>
+              <a:rPr lang="ko-KR" altLang="en-US" dirty="0"/>
+              <a:t>게임 제작 회사에 취업해야 한다</a:t>
             </a:r>
             <a:r>
               <a:rPr lang="en-US" altLang="ko-KR" dirty="0"/>
@@ -5595,51 +8583,87 @@
             </a:r>
             <a:r>
               <a:rPr lang="ko-KR" altLang="en-US" dirty="0"/>
-              <a:t>여기에서는 변수</a:t>
+              <a:t>게임 제작회사는 입사 시점에 이미 게임을 만들 수 있는 사람을 프로그래머로 채용한다</a:t>
             </a:r>
             <a:r>
               <a:rPr lang="en-US" altLang="ko-KR" dirty="0"/>
-              <a:t>, </a:t>
-            </a:r>
-            <a:r>
-              <a:rPr lang="ko-KR" altLang="en-US" dirty="0"/>
-              <a:t>리스트</a:t>
+              <a:t>.</a:t>
+            </a:r>
+          </a:p>
+          <a:p>
+            <a:pPr lvl="1">
+              <a:lnSpc>
+                <a:spcPct val="160000"/>
+              </a:lnSpc>
+            </a:pPr>
+            <a:r>
+              <a:rPr lang="ko-KR" altLang="en-US" dirty="0"/>
+              <a:t>회사 입사 지원 시 제출하는 포트폴리오는 </a:t>
             </a:r>
             <a:r>
               <a:rPr lang="en-US" altLang="ko-KR" dirty="0"/>
-              <a:t>(C/C++, </a:t>
-            </a:r>
-            <a:r>
-              <a:rPr lang="ko-KR" altLang="en-US" dirty="0"/>
-              <a:t>자바에서 배열과 </a:t>
-            </a:r>
-            <a:r>
-              <a:rPr lang="ko-KR" altLang="en-US" dirty="0" err="1"/>
-              <a:t>비슷</a:t>
+              <a:t>C</a:t>
+            </a:r>
+            <a:r>
+              <a:rPr lang="ko-KR" altLang="en-US" dirty="0"/>
+              <a:t>계열 언어나 자바로 만든 것을 조건으로 하는 경우도 있으나 어떤 언어도 응용할 수 있으므로 다양하게 만들어 본다</a:t>
             </a:r>
             <a:r>
               <a:rPr lang="en-US" altLang="ko-KR" dirty="0"/>
-              <a:t>), </a:t>
-            </a:r>
-            <a:r>
-              <a:rPr lang="ko-KR" altLang="en-US" dirty="0"/>
-              <a:t>조건 분기</a:t>
+              <a:t>.</a:t>
+            </a:r>
+          </a:p>
+          <a:p>
+            <a:pPr lvl="1">
+              <a:lnSpc>
+                <a:spcPct val="160000"/>
+              </a:lnSpc>
+            </a:pPr>
+            <a:r>
+              <a:rPr lang="ko-KR" altLang="en-US" dirty="0"/>
+              <a:t>게임이 멈추는 중대한 버그가 있거나 처리 내용을 알기 어렵게 작성한 프로그램을 제출했다면 채용되지 않을 가능성이 높다</a:t>
             </a:r>
             <a:r>
               <a:rPr lang="en-US" altLang="ko-KR" dirty="0"/>
-              <a:t>, </a:t>
-            </a:r>
-            <a:r>
-              <a:rPr lang="ko-KR" altLang="en-US" dirty="0"/>
-              <a:t>반복</a:t>
+              <a:t>.</a:t>
+            </a:r>
+          </a:p>
+          <a:p>
+            <a:pPr lvl="1">
+              <a:lnSpc>
+                <a:spcPct val="160000"/>
+              </a:lnSpc>
+            </a:pPr>
+            <a:r>
+              <a:rPr lang="ko-KR" altLang="en-US" dirty="0"/>
+              <a:t>불필요한 내용이 많은 프로그램일 수록 버그가 발생하기 쉽다</a:t>
             </a:r>
             <a:r>
               <a:rPr lang="en-US" altLang="ko-KR" dirty="0"/>
-              <a:t>, </a:t>
-            </a:r>
-            <a:r>
-              <a:rPr lang="ko-KR" altLang="en-US" dirty="0"/>
-              <a:t>그리고 함수에 대해 공부한다</a:t>
+              <a:t>.</a:t>
+            </a:r>
+          </a:p>
+          <a:p>
+            <a:pPr>
+              <a:lnSpc>
+                <a:spcPct val="160000"/>
+              </a:lnSpc>
+            </a:pPr>
+            <a:r>
+              <a:rPr lang="ko-KR" altLang="en-US" dirty="0"/>
+              <a:t>취미 프로그래머</a:t>
+            </a:r>
+            <a:endParaRPr lang="en-US" altLang="ko-KR" dirty="0"/>
+          </a:p>
+          <a:p>
+            <a:pPr lvl="1">
+              <a:lnSpc>
+                <a:spcPct val="160000"/>
+              </a:lnSpc>
+            </a:pPr>
+            <a:r>
+              <a:rPr lang="ko-KR" altLang="en-US" dirty="0"/>
+              <a:t>게임 산업과 관련 없는 일을 하며 혼자 혹은 소모임에서 게임을 개발하는 분들이며 이런 분들은 게임개발 기술을 스스로 익혀 게임을 개발하고 인터넷을 통해 배포한다</a:t>
             </a:r>
             <a:r>
               <a:rPr lang="en-US" altLang="ko-KR" dirty="0"/>
@@ -5647,7 +8671,7 @@
             </a:r>
             <a:r>
               <a:rPr lang="ko-KR" altLang="en-US" dirty="0"/>
-              <a:t>이번 강의에서 공부하는 내용은 게임 프로그램은 물론 모든 프로그램에서 매우 중요한 부분이므로 기초를 확실히 잡고 가자</a:t>
+              <a:t>이런 활동을 통해 게임 프로그래머로 시작하기도 한다</a:t>
             </a:r>
             <a:r>
               <a:rPr lang="en-US" altLang="ko-KR" dirty="0"/>
@@ -5660,7 +8684,7 @@
     </p:spTree>
     <p:extLst>
       <p:ext uri="{BB962C8B-B14F-4D97-AF65-F5344CB8AC3E}">
-        <p14:creationId xmlns:p14="http://schemas.microsoft.com/office/powerpoint/2010/main" val="749501768"/>
+        <p14:creationId xmlns:p14="http://schemas.microsoft.com/office/powerpoint/2010/main" val="1180338398"/>
       </p:ext>
     </p:extLst>
   </p:cSld>
@@ -5689,10 +8713,10 @@
       </p:grpSpPr>
       <p:sp>
         <p:nvSpPr>
-          <p:cNvPr id="2" name="제목 1">
-            <a:extLst>
-              <a:ext uri="{FF2B5EF4-FFF2-40B4-BE49-F238E27FC236}">
-                <a16:creationId xmlns:a16="http://schemas.microsoft.com/office/drawing/2014/main" id="{3D7BA649-1ACB-4ADD-93E0-44BB47A53AD7}"/>
+          <p:cNvPr id="4" name="제목 3">
+            <a:extLst>
+              <a:ext uri="{FF2B5EF4-FFF2-40B4-BE49-F238E27FC236}">
+                <a16:creationId xmlns:a16="http://schemas.microsoft.com/office/drawing/2014/main" id="{81702A56-76D2-439C-9DC6-6FF269B97556}"/>
               </a:ext>
             </a:extLst>
           </p:cNvPr>
@@ -5709,40 +8733,52 @@
           <a:lstStyle/>
           <a:p>
             <a:r>
+              <a:rPr lang="ko-KR" altLang="en-US" dirty="0"/>
+              <a:t>파이썬 설치하기</a:t>
+            </a:r>
+          </a:p>
+        </p:txBody>
+      </p:sp>
+      <p:sp>
+        <p:nvSpPr>
+          <p:cNvPr id="5" name="텍스트 개체 틀 4">
+            <a:extLst>
+              <a:ext uri="{FF2B5EF4-FFF2-40B4-BE49-F238E27FC236}">
+                <a16:creationId xmlns:a16="http://schemas.microsoft.com/office/drawing/2014/main" id="{71A559BC-4A04-48FF-B540-81314C9E3534}"/>
+              </a:ext>
+            </a:extLst>
+          </p:cNvPr>
+          <p:cNvSpPr>
+            <a:spLocks noGrp="1"/>
+          </p:cNvSpPr>
+          <p:nvPr>
+            <p:ph type="body" idx="1"/>
+          </p:nvPr>
+        </p:nvSpPr>
+        <p:spPr/>
+        <p:txBody>
+          <a:bodyPr/>
+          <a:lstStyle/>
+          <a:p>
+            <a:r>
+              <a:rPr lang="ko-KR" altLang="en-US" dirty="0"/>
+              <a:t>이번 강의에서 파이썬 프로그래밍 언어에 대해 설명하고 여러분이 </a:t>
+            </a:r>
+            <a:r>
               <a:rPr lang="en-US" altLang="ko-KR" dirty="0"/>
-              <a:t>CUI</a:t>
-            </a:r>
-            <a:r>
-              <a:rPr lang="ko-KR" altLang="en-US" dirty="0"/>
-              <a:t>로 미니 게임 만들기</a:t>
-            </a:r>
-          </a:p>
-        </p:txBody>
-      </p:sp>
-      <p:sp>
-        <p:nvSpPr>
-          <p:cNvPr id="3" name="텍스트 개체 틀 2">
-            <a:extLst>
-              <a:ext uri="{FF2B5EF4-FFF2-40B4-BE49-F238E27FC236}">
-                <a16:creationId xmlns:a16="http://schemas.microsoft.com/office/drawing/2014/main" id="{F016602A-7015-479E-9D70-0C0CB241B56E}"/>
-              </a:ext>
-            </a:extLst>
-          </p:cNvPr>
-          <p:cNvSpPr>
-            <a:spLocks noGrp="1"/>
-          </p:cNvSpPr>
-          <p:nvPr>
-            <p:ph type="body" idx="1"/>
-          </p:nvPr>
-        </p:nvSpPr>
-        <p:spPr/>
-        <p:txBody>
-          <a:bodyPr/>
-          <a:lstStyle/>
-          <a:p>
-            <a:r>
-              <a:rPr lang="ko-KR" altLang="en-US" dirty="0"/>
-              <a:t>제일 먼저 문자열 입출력 명령을 이용해서 간단한 게임을 만들고 게임 개발 기초를 학습한다</a:t>
+              <a:t>PC</a:t>
+            </a:r>
+            <a:r>
+              <a:rPr lang="ko-KR" altLang="en-US" dirty="0"/>
+              <a:t>에 </a:t>
+            </a:r>
+            <a:r>
+              <a:rPr lang="ko-KR" altLang="en-US" dirty="0" err="1"/>
+              <a:t>파이썬을</a:t>
+            </a:r>
+            <a:r>
+              <a:rPr lang="ko-KR" altLang="en-US" dirty="0"/>
+              <a:t> 직접 설치한다</a:t>
             </a:r>
             <a:r>
               <a:rPr lang="en-US" altLang="ko-KR" dirty="0"/>
@@ -5750,7 +8786,23 @@
             </a:r>
             <a:r>
               <a:rPr lang="ko-KR" altLang="en-US" dirty="0"/>
-              <a:t>이미지를 표시하는 본격적인 게임 만들기에 앞서 무엇보다 중요한 기초이다</a:t>
+              <a:t>설치나 설정이 어려운 프로그래밍 언어들도 있으나 </a:t>
+            </a:r>
+            <a:r>
+              <a:rPr lang="ko-KR" altLang="en-US" dirty="0" err="1"/>
+              <a:t>파이썬은</a:t>
+            </a:r>
+            <a:r>
+              <a:rPr lang="ko-KR" altLang="en-US" dirty="0"/>
+              <a:t> 매우 쉽게 설치할 수 있다</a:t>
+            </a:r>
+            <a:r>
+              <a:rPr lang="en-US" altLang="ko-KR" dirty="0"/>
+              <a:t>. </a:t>
+            </a:r>
+            <a:r>
+              <a:rPr lang="ko-KR" altLang="en-US" dirty="0"/>
+              <a:t>그리고 바로 사용할 수 있다</a:t>
             </a:r>
             <a:r>
               <a:rPr lang="en-US" altLang="ko-KR" dirty="0"/>
@@ -5763,7 +8815,7 @@
     </p:spTree>
     <p:extLst>
       <p:ext uri="{BB962C8B-B14F-4D97-AF65-F5344CB8AC3E}">
-        <p14:creationId xmlns:p14="http://schemas.microsoft.com/office/powerpoint/2010/main" val="919456587"/>
+        <p14:creationId xmlns:p14="http://schemas.microsoft.com/office/powerpoint/2010/main" val="2039396956"/>
       </p:ext>
     </p:extLst>
   </p:cSld>
@@ -6066,4 +9118,24 @@
     </a:ext>
   </a:extLst>
 </a:theme>
+</file>
+
+<file path=ppt/webextensions/taskpanes.xml><?xml version="1.0" encoding="utf-8"?>
+<wetp:taskpanes xmlns:wetp="http://schemas.microsoft.com/office/webextensions/taskpanes/2010/11">
+  <wetp:taskpane dockstate="right" visibility="0" width="438" row="5">
+    <wetp:webextensionref xmlns:r="http://schemas.openxmlformats.org/officeDocument/2006/relationships" r:id="rId1"/>
+  </wetp:taskpane>
+</wetp:taskpanes>
+</file>
+
+<file path=ppt/webextensions/webextension1.xml><?xml version="1.0" encoding="utf-8"?>
+<we:webextension xmlns:we="http://schemas.microsoft.com/office/webextensions/webextension/2010/11" id="{8CA8FB90-376F-442A-AEAA-3155C8610014}">
+  <we:reference id="wa104380862" version="1.5.0.0" store="ko-KR" storeType="OMEX"/>
+  <we:alternateReferences>
+    <we:reference id="wa104380862" version="1.5.0.0" store="ko-KR" storeType="OMEX"/>
+  </we:alternateReferences>
+  <we:properties/>
+  <we:bindings/>
+  <we:snapshot xmlns:r="http://schemas.openxmlformats.org/officeDocument/2006/relationships"/>
+</we:webextension>
 </file>